--- a/Fihirana Fanampiny/FF 45.pptx
+++ b/Fihirana Fanampiny/FF 45.pptx
@@ -168,10 +168,9 @@
           <a:lstStyle/>
           <a:p>
             <a:r>
-              <a:rPr lang="fr-FR" smtClean="0"/>
+              <a:rPr lang="fr-FR"/>
               <a:t>Cliquez pour modifier le style du titre</a:t>
             </a:r>
-            <a:endParaRPr lang="fr-FR"/>
           </a:p>
         </p:txBody>
       </p:sp>
@@ -287,10 +286,9 @@
           </a:lstStyle>
           <a:p>
             <a:r>
-              <a:rPr lang="fr-FR" smtClean="0"/>
+              <a:rPr lang="fr-FR"/>
               <a:t>Cliquez pour modifier le style des sous-titres du masque</a:t>
             </a:r>
-            <a:endParaRPr lang="fr-FR"/>
           </a:p>
         </p:txBody>
       </p:sp>
@@ -312,7 +310,7 @@
             <a:fld id="{E1E9137A-D7C1-4F8C-A62B-C89ADD9F06F3}" type="datetimeFigureOut">
               <a:rPr lang="fr-FR" smtClean="0"/>
               <a:pPr/>
-              <a:t>30/08/2014</a:t>
+              <a:t>29/10/2023</a:t>
             </a:fld>
             <a:endParaRPr lang="fr-FR"/>
           </a:p>
@@ -402,10 +400,9 @@
           <a:lstStyle/>
           <a:p>
             <a:r>
-              <a:rPr lang="fr-FR" smtClean="0"/>
+              <a:rPr lang="fr-FR"/>
               <a:t>Cliquez pour modifier le style du titre</a:t>
             </a:r>
-            <a:endParaRPr lang="fr-FR"/>
           </a:p>
         </p:txBody>
       </p:sp>
@@ -426,38 +423,37 @@
           <a:p>
             <a:pPr lvl="0"/>
             <a:r>
-              <a:rPr lang="fr-FR" smtClean="0"/>
+              <a:rPr lang="fr-FR"/>
               <a:t>Cliquez pour modifier les styles du texte du masque</a:t>
             </a:r>
           </a:p>
           <a:p>
             <a:pPr lvl="1"/>
             <a:r>
-              <a:rPr lang="fr-FR" smtClean="0"/>
+              <a:rPr lang="fr-FR"/>
               <a:t>Deuxième niveau</a:t>
             </a:r>
           </a:p>
           <a:p>
             <a:pPr lvl="2"/>
             <a:r>
-              <a:rPr lang="fr-FR" smtClean="0"/>
+              <a:rPr lang="fr-FR"/>
               <a:t>Troisième niveau</a:t>
             </a:r>
           </a:p>
           <a:p>
             <a:pPr lvl="3"/>
             <a:r>
-              <a:rPr lang="fr-FR" smtClean="0"/>
+              <a:rPr lang="fr-FR"/>
               <a:t>Quatrième niveau</a:t>
             </a:r>
           </a:p>
           <a:p>
             <a:pPr lvl="4"/>
             <a:r>
-              <a:rPr lang="fr-FR" smtClean="0"/>
+              <a:rPr lang="fr-FR"/>
               <a:t>Cinquième niveau</a:t>
             </a:r>
-            <a:endParaRPr lang="fr-FR"/>
           </a:p>
         </p:txBody>
       </p:sp>
@@ -479,7 +475,7 @@
             <a:fld id="{E1E9137A-D7C1-4F8C-A62B-C89ADD9F06F3}" type="datetimeFigureOut">
               <a:rPr lang="fr-FR" smtClean="0"/>
               <a:pPr/>
-              <a:t>30/08/2014</a:t>
+              <a:t>29/10/2023</a:t>
             </a:fld>
             <a:endParaRPr lang="fr-FR"/>
           </a:p>
@@ -574,10 +570,9 @@
           <a:lstStyle/>
           <a:p>
             <a:r>
-              <a:rPr lang="fr-FR" smtClean="0"/>
+              <a:rPr lang="fr-FR"/>
               <a:t>Cliquez pour modifier le style du titre</a:t>
             </a:r>
-            <a:endParaRPr lang="fr-FR"/>
           </a:p>
         </p:txBody>
       </p:sp>
@@ -603,38 +598,37 @@
           <a:p>
             <a:pPr lvl="0"/>
             <a:r>
-              <a:rPr lang="fr-FR" smtClean="0"/>
+              <a:rPr lang="fr-FR"/>
               <a:t>Cliquez pour modifier les styles du texte du masque</a:t>
             </a:r>
           </a:p>
           <a:p>
             <a:pPr lvl="1"/>
             <a:r>
-              <a:rPr lang="fr-FR" smtClean="0"/>
+              <a:rPr lang="fr-FR"/>
               <a:t>Deuxième niveau</a:t>
             </a:r>
           </a:p>
           <a:p>
             <a:pPr lvl="2"/>
             <a:r>
-              <a:rPr lang="fr-FR" smtClean="0"/>
+              <a:rPr lang="fr-FR"/>
               <a:t>Troisième niveau</a:t>
             </a:r>
           </a:p>
           <a:p>
             <a:pPr lvl="3"/>
             <a:r>
-              <a:rPr lang="fr-FR" smtClean="0"/>
+              <a:rPr lang="fr-FR"/>
               <a:t>Quatrième niveau</a:t>
             </a:r>
           </a:p>
           <a:p>
             <a:pPr lvl="4"/>
             <a:r>
-              <a:rPr lang="fr-FR" smtClean="0"/>
+              <a:rPr lang="fr-FR"/>
               <a:t>Cinquième niveau</a:t>
             </a:r>
-            <a:endParaRPr lang="fr-FR"/>
           </a:p>
         </p:txBody>
       </p:sp>
@@ -656,7 +650,7 @@
             <a:fld id="{E1E9137A-D7C1-4F8C-A62B-C89ADD9F06F3}" type="datetimeFigureOut">
               <a:rPr lang="fr-FR" smtClean="0"/>
               <a:pPr/>
-              <a:t>30/08/2014</a:t>
+              <a:t>29/10/2023</a:t>
             </a:fld>
             <a:endParaRPr lang="fr-FR"/>
           </a:p>
@@ -746,10 +740,9 @@
           <a:lstStyle/>
           <a:p>
             <a:r>
-              <a:rPr lang="fr-FR" smtClean="0"/>
+              <a:rPr lang="fr-FR"/>
               <a:t>Cliquez pour modifier le style du titre</a:t>
             </a:r>
-            <a:endParaRPr lang="fr-FR"/>
           </a:p>
         </p:txBody>
       </p:sp>
@@ -770,38 +763,37 @@
           <a:p>
             <a:pPr lvl="0"/>
             <a:r>
-              <a:rPr lang="fr-FR" smtClean="0"/>
+              <a:rPr lang="fr-FR"/>
               <a:t>Cliquez pour modifier les styles du texte du masque</a:t>
             </a:r>
           </a:p>
           <a:p>
             <a:pPr lvl="1"/>
             <a:r>
-              <a:rPr lang="fr-FR" smtClean="0"/>
+              <a:rPr lang="fr-FR"/>
               <a:t>Deuxième niveau</a:t>
             </a:r>
           </a:p>
           <a:p>
             <a:pPr lvl="2"/>
             <a:r>
-              <a:rPr lang="fr-FR" smtClean="0"/>
+              <a:rPr lang="fr-FR"/>
               <a:t>Troisième niveau</a:t>
             </a:r>
           </a:p>
           <a:p>
             <a:pPr lvl="3"/>
             <a:r>
-              <a:rPr lang="fr-FR" smtClean="0"/>
+              <a:rPr lang="fr-FR"/>
               <a:t>Quatrième niveau</a:t>
             </a:r>
           </a:p>
           <a:p>
             <a:pPr lvl="4"/>
             <a:r>
-              <a:rPr lang="fr-FR" smtClean="0"/>
+              <a:rPr lang="fr-FR"/>
               <a:t>Cinquième niveau</a:t>
             </a:r>
-            <a:endParaRPr lang="fr-FR"/>
           </a:p>
         </p:txBody>
       </p:sp>
@@ -823,7 +815,7 @@
             <a:fld id="{E1E9137A-D7C1-4F8C-A62B-C89ADD9F06F3}" type="datetimeFigureOut">
               <a:rPr lang="fr-FR" smtClean="0"/>
               <a:pPr/>
-              <a:t>30/08/2014</a:t>
+              <a:t>29/10/2023</a:t>
             </a:fld>
             <a:endParaRPr lang="fr-FR"/>
           </a:p>
@@ -922,10 +914,9 @@
           </a:lstStyle>
           <a:p>
             <a:r>
-              <a:rPr lang="fr-FR" smtClean="0"/>
+              <a:rPr lang="fr-FR"/>
               <a:t>Cliquez pour modifier le style du titre</a:t>
             </a:r>
-            <a:endParaRPr lang="fr-FR"/>
           </a:p>
         </p:txBody>
       </p:sp>
@@ -1042,7 +1033,7 @@
           <a:p>
             <a:pPr lvl="0"/>
             <a:r>
-              <a:rPr lang="fr-FR" smtClean="0"/>
+              <a:rPr lang="fr-FR"/>
               <a:t>Cliquez pour modifier les styles du texte du masque</a:t>
             </a:r>
           </a:p>
@@ -1066,7 +1057,7 @@
             <a:fld id="{E1E9137A-D7C1-4F8C-A62B-C89ADD9F06F3}" type="datetimeFigureOut">
               <a:rPr lang="fr-FR" smtClean="0"/>
               <a:pPr/>
-              <a:t>30/08/2014</a:t>
+              <a:t>29/10/2023</a:t>
             </a:fld>
             <a:endParaRPr lang="fr-FR"/>
           </a:p>
@@ -1156,10 +1147,9 @@
           <a:lstStyle/>
           <a:p>
             <a:r>
-              <a:rPr lang="fr-FR" smtClean="0"/>
+              <a:rPr lang="fr-FR"/>
               <a:t>Cliquez pour modifier le style du titre</a:t>
             </a:r>
-            <a:endParaRPr lang="fr-FR"/>
           </a:p>
         </p:txBody>
       </p:sp>
@@ -1213,38 +1203,37 @@
           <a:p>
             <a:pPr lvl="0"/>
             <a:r>
-              <a:rPr lang="fr-FR" smtClean="0"/>
+              <a:rPr lang="fr-FR"/>
               <a:t>Cliquez pour modifier les styles du texte du masque</a:t>
             </a:r>
           </a:p>
           <a:p>
             <a:pPr lvl="1"/>
             <a:r>
-              <a:rPr lang="fr-FR" smtClean="0"/>
+              <a:rPr lang="fr-FR"/>
               <a:t>Deuxième niveau</a:t>
             </a:r>
           </a:p>
           <a:p>
             <a:pPr lvl="2"/>
             <a:r>
-              <a:rPr lang="fr-FR" smtClean="0"/>
+              <a:rPr lang="fr-FR"/>
               <a:t>Troisième niveau</a:t>
             </a:r>
           </a:p>
           <a:p>
             <a:pPr lvl="3"/>
             <a:r>
-              <a:rPr lang="fr-FR" smtClean="0"/>
+              <a:rPr lang="fr-FR"/>
               <a:t>Quatrième niveau</a:t>
             </a:r>
           </a:p>
           <a:p>
             <a:pPr lvl="4"/>
             <a:r>
-              <a:rPr lang="fr-FR" smtClean="0"/>
+              <a:rPr lang="fr-FR"/>
               <a:t>Cinquième niveau</a:t>
             </a:r>
-            <a:endParaRPr lang="fr-FR"/>
           </a:p>
         </p:txBody>
       </p:sp>
@@ -1298,38 +1287,37 @@
           <a:p>
             <a:pPr lvl="0"/>
             <a:r>
-              <a:rPr lang="fr-FR" smtClean="0"/>
+              <a:rPr lang="fr-FR"/>
               <a:t>Cliquez pour modifier les styles du texte du masque</a:t>
             </a:r>
           </a:p>
           <a:p>
             <a:pPr lvl="1"/>
             <a:r>
-              <a:rPr lang="fr-FR" smtClean="0"/>
+              <a:rPr lang="fr-FR"/>
               <a:t>Deuxième niveau</a:t>
             </a:r>
           </a:p>
           <a:p>
             <a:pPr lvl="2"/>
             <a:r>
-              <a:rPr lang="fr-FR" smtClean="0"/>
+              <a:rPr lang="fr-FR"/>
               <a:t>Troisième niveau</a:t>
             </a:r>
           </a:p>
           <a:p>
             <a:pPr lvl="3"/>
             <a:r>
-              <a:rPr lang="fr-FR" smtClean="0"/>
+              <a:rPr lang="fr-FR"/>
               <a:t>Quatrième niveau</a:t>
             </a:r>
           </a:p>
           <a:p>
             <a:pPr lvl="4"/>
             <a:r>
-              <a:rPr lang="fr-FR" smtClean="0"/>
+              <a:rPr lang="fr-FR"/>
               <a:t>Cinquième niveau</a:t>
             </a:r>
-            <a:endParaRPr lang="fr-FR"/>
           </a:p>
         </p:txBody>
       </p:sp>
@@ -1351,7 +1339,7 @@
             <a:fld id="{E1E9137A-D7C1-4F8C-A62B-C89ADD9F06F3}" type="datetimeFigureOut">
               <a:rPr lang="fr-FR" smtClean="0"/>
               <a:pPr/>
-              <a:t>30/08/2014</a:t>
+              <a:t>29/10/2023</a:t>
             </a:fld>
             <a:endParaRPr lang="fr-FR"/>
           </a:p>
@@ -1445,10 +1433,9 @@
           </a:lstStyle>
           <a:p>
             <a:r>
-              <a:rPr lang="fr-FR" smtClean="0"/>
+              <a:rPr lang="fr-FR"/>
               <a:t>Cliquez pour modifier le style du titre</a:t>
             </a:r>
-            <a:endParaRPr lang="fr-FR"/>
           </a:p>
         </p:txBody>
       </p:sp>
@@ -1511,7 +1498,7 @@
           <a:p>
             <a:pPr lvl="0"/>
             <a:r>
-              <a:rPr lang="fr-FR" smtClean="0"/>
+              <a:rPr lang="fr-FR"/>
               <a:t>Cliquez pour modifier les styles du texte du masque</a:t>
             </a:r>
           </a:p>
@@ -1567,38 +1554,37 @@
           <a:p>
             <a:pPr lvl="0"/>
             <a:r>
-              <a:rPr lang="fr-FR" smtClean="0"/>
+              <a:rPr lang="fr-FR"/>
               <a:t>Cliquez pour modifier les styles du texte du masque</a:t>
             </a:r>
           </a:p>
           <a:p>
             <a:pPr lvl="1"/>
             <a:r>
-              <a:rPr lang="fr-FR" smtClean="0"/>
+              <a:rPr lang="fr-FR"/>
               <a:t>Deuxième niveau</a:t>
             </a:r>
           </a:p>
           <a:p>
             <a:pPr lvl="2"/>
             <a:r>
-              <a:rPr lang="fr-FR" smtClean="0"/>
+              <a:rPr lang="fr-FR"/>
               <a:t>Troisième niveau</a:t>
             </a:r>
           </a:p>
           <a:p>
             <a:pPr lvl="3"/>
             <a:r>
-              <a:rPr lang="fr-FR" smtClean="0"/>
+              <a:rPr lang="fr-FR"/>
               <a:t>Quatrième niveau</a:t>
             </a:r>
           </a:p>
           <a:p>
             <a:pPr lvl="4"/>
             <a:r>
-              <a:rPr lang="fr-FR" smtClean="0"/>
+              <a:rPr lang="fr-FR"/>
               <a:t>Cinquième niveau</a:t>
             </a:r>
-            <a:endParaRPr lang="fr-FR"/>
           </a:p>
         </p:txBody>
       </p:sp>
@@ -1661,7 +1647,7 @@
           <a:p>
             <a:pPr lvl="0"/>
             <a:r>
-              <a:rPr lang="fr-FR" smtClean="0"/>
+              <a:rPr lang="fr-FR"/>
               <a:t>Cliquez pour modifier les styles du texte du masque</a:t>
             </a:r>
           </a:p>
@@ -1717,38 +1703,37 @@
           <a:p>
             <a:pPr lvl="0"/>
             <a:r>
-              <a:rPr lang="fr-FR" smtClean="0"/>
+              <a:rPr lang="fr-FR"/>
               <a:t>Cliquez pour modifier les styles du texte du masque</a:t>
             </a:r>
           </a:p>
           <a:p>
             <a:pPr lvl="1"/>
             <a:r>
-              <a:rPr lang="fr-FR" smtClean="0"/>
+              <a:rPr lang="fr-FR"/>
               <a:t>Deuxième niveau</a:t>
             </a:r>
           </a:p>
           <a:p>
             <a:pPr lvl="2"/>
             <a:r>
-              <a:rPr lang="fr-FR" smtClean="0"/>
+              <a:rPr lang="fr-FR"/>
               <a:t>Troisième niveau</a:t>
             </a:r>
           </a:p>
           <a:p>
             <a:pPr lvl="3"/>
             <a:r>
-              <a:rPr lang="fr-FR" smtClean="0"/>
+              <a:rPr lang="fr-FR"/>
               <a:t>Quatrième niveau</a:t>
             </a:r>
           </a:p>
           <a:p>
             <a:pPr lvl="4"/>
             <a:r>
-              <a:rPr lang="fr-FR" smtClean="0"/>
+              <a:rPr lang="fr-FR"/>
               <a:t>Cinquième niveau</a:t>
             </a:r>
-            <a:endParaRPr lang="fr-FR"/>
           </a:p>
         </p:txBody>
       </p:sp>
@@ -1770,7 +1755,7 @@
             <a:fld id="{E1E9137A-D7C1-4F8C-A62B-C89ADD9F06F3}" type="datetimeFigureOut">
               <a:rPr lang="fr-FR" smtClean="0"/>
               <a:pPr/>
-              <a:t>30/08/2014</a:t>
+              <a:t>29/10/2023</a:t>
             </a:fld>
             <a:endParaRPr lang="fr-FR"/>
           </a:p>
@@ -1860,10 +1845,9 @@
           <a:lstStyle/>
           <a:p>
             <a:r>
-              <a:rPr lang="fr-FR" smtClean="0"/>
+              <a:rPr lang="fr-FR"/>
               <a:t>Cliquez pour modifier le style du titre</a:t>
             </a:r>
-            <a:endParaRPr lang="fr-FR"/>
           </a:p>
         </p:txBody>
       </p:sp>
@@ -1885,7 +1869,7 @@
             <a:fld id="{E1E9137A-D7C1-4F8C-A62B-C89ADD9F06F3}" type="datetimeFigureOut">
               <a:rPr lang="fr-FR" smtClean="0"/>
               <a:pPr/>
-              <a:t>30/08/2014</a:t>
+              <a:t>29/10/2023</a:t>
             </a:fld>
             <a:endParaRPr lang="fr-FR"/>
           </a:p>
@@ -1977,7 +1961,7 @@
             <a:fld id="{E1E9137A-D7C1-4F8C-A62B-C89ADD9F06F3}" type="datetimeFigureOut">
               <a:rPr lang="fr-FR" smtClean="0"/>
               <a:pPr/>
-              <a:t>30/08/2014</a:t>
+              <a:t>29/10/2023</a:t>
             </a:fld>
             <a:endParaRPr lang="fr-FR"/>
           </a:p>
@@ -2076,10 +2060,9 @@
           </a:lstStyle>
           <a:p>
             <a:r>
-              <a:rPr lang="fr-FR" smtClean="0"/>
+              <a:rPr lang="fr-FR"/>
               <a:t>Cliquez pour modifier le style du titre</a:t>
             </a:r>
-            <a:endParaRPr lang="fr-FR"/>
           </a:p>
         </p:txBody>
       </p:sp>
@@ -2133,38 +2116,37 @@
           <a:p>
             <a:pPr lvl="0"/>
             <a:r>
-              <a:rPr lang="fr-FR" smtClean="0"/>
+              <a:rPr lang="fr-FR"/>
               <a:t>Cliquez pour modifier les styles du texte du masque</a:t>
             </a:r>
           </a:p>
           <a:p>
             <a:pPr lvl="1"/>
             <a:r>
-              <a:rPr lang="fr-FR" smtClean="0"/>
+              <a:rPr lang="fr-FR"/>
               <a:t>Deuxième niveau</a:t>
             </a:r>
           </a:p>
           <a:p>
             <a:pPr lvl="2"/>
             <a:r>
-              <a:rPr lang="fr-FR" smtClean="0"/>
+              <a:rPr lang="fr-FR"/>
               <a:t>Troisième niveau</a:t>
             </a:r>
           </a:p>
           <a:p>
             <a:pPr lvl="3"/>
             <a:r>
-              <a:rPr lang="fr-FR" smtClean="0"/>
+              <a:rPr lang="fr-FR"/>
               <a:t>Quatrième niveau</a:t>
             </a:r>
           </a:p>
           <a:p>
             <a:pPr lvl="4"/>
             <a:r>
-              <a:rPr lang="fr-FR" smtClean="0"/>
+              <a:rPr lang="fr-FR"/>
               <a:t>Cinquième niveau</a:t>
             </a:r>
-            <a:endParaRPr lang="fr-FR"/>
           </a:p>
         </p:txBody>
       </p:sp>
@@ -2227,7 +2209,7 @@
           <a:p>
             <a:pPr lvl="0"/>
             <a:r>
-              <a:rPr lang="fr-FR" smtClean="0"/>
+              <a:rPr lang="fr-FR"/>
               <a:t>Cliquez pour modifier les styles du texte du masque</a:t>
             </a:r>
           </a:p>
@@ -2251,7 +2233,7 @@
             <a:fld id="{E1E9137A-D7C1-4F8C-A62B-C89ADD9F06F3}" type="datetimeFigureOut">
               <a:rPr lang="fr-FR" smtClean="0"/>
               <a:pPr/>
-              <a:t>30/08/2014</a:t>
+              <a:t>29/10/2023</a:t>
             </a:fld>
             <a:endParaRPr lang="fr-FR"/>
           </a:p>
@@ -2350,10 +2332,9 @@
           </a:lstStyle>
           <a:p>
             <a:r>
-              <a:rPr lang="fr-FR" smtClean="0"/>
+              <a:rPr lang="fr-FR"/>
               <a:t>Cliquez pour modifier le style du titre</a:t>
             </a:r>
-            <a:endParaRPr lang="fr-FR"/>
           </a:p>
         </p:txBody>
       </p:sp>
@@ -2477,7 +2458,7 @@
           <a:p>
             <a:pPr lvl="0"/>
             <a:r>
-              <a:rPr lang="fr-FR" smtClean="0"/>
+              <a:rPr lang="fr-FR"/>
               <a:t>Cliquez pour modifier les styles du texte du masque</a:t>
             </a:r>
           </a:p>
@@ -2501,7 +2482,7 @@
             <a:fld id="{E1E9137A-D7C1-4F8C-A62B-C89ADD9F06F3}" type="datetimeFigureOut">
               <a:rPr lang="fr-FR" smtClean="0"/>
               <a:pPr/>
-              <a:t>30/08/2014</a:t>
+              <a:t>29/10/2023</a:t>
             </a:fld>
             <a:endParaRPr lang="fr-FR"/>
           </a:p>
@@ -2615,10 +2596,9 @@
           <a:lstStyle/>
           <a:p>
             <a:r>
-              <a:rPr lang="fr-FR" smtClean="0"/>
+              <a:rPr lang="fr-FR"/>
               <a:t>Cliquez pour modifier le style du titre</a:t>
             </a:r>
-            <a:endParaRPr lang="fr-FR"/>
           </a:p>
         </p:txBody>
       </p:sp>
@@ -2649,38 +2629,37 @@
           <a:p>
             <a:pPr lvl="0"/>
             <a:r>
-              <a:rPr lang="fr-FR" smtClean="0"/>
+              <a:rPr lang="fr-FR"/>
               <a:t>Cliquez pour modifier les styles du texte du masque</a:t>
             </a:r>
           </a:p>
           <a:p>
             <a:pPr lvl="1"/>
             <a:r>
-              <a:rPr lang="fr-FR" smtClean="0"/>
+              <a:rPr lang="fr-FR"/>
               <a:t>Deuxième niveau</a:t>
             </a:r>
           </a:p>
           <a:p>
             <a:pPr lvl="2"/>
             <a:r>
-              <a:rPr lang="fr-FR" smtClean="0"/>
+              <a:rPr lang="fr-FR"/>
               <a:t>Troisième niveau</a:t>
             </a:r>
           </a:p>
           <a:p>
             <a:pPr lvl="3"/>
             <a:r>
-              <a:rPr lang="fr-FR" smtClean="0"/>
+              <a:rPr lang="fr-FR"/>
               <a:t>Quatrième niveau</a:t>
             </a:r>
           </a:p>
           <a:p>
             <a:pPr lvl="4"/>
             <a:r>
-              <a:rPr lang="fr-FR" smtClean="0"/>
+              <a:rPr lang="fr-FR"/>
               <a:t>Cinquième niveau</a:t>
             </a:r>
-            <a:endParaRPr lang="fr-FR"/>
           </a:p>
         </p:txBody>
       </p:sp>
@@ -2720,7 +2699,7 @@
             <a:fld id="{E1E9137A-D7C1-4F8C-A62B-C89ADD9F06F3}" type="datetimeFigureOut">
               <a:rPr lang="fr-FR" smtClean="0"/>
               <a:pPr/>
-              <a:t>30/08/2014</a:t>
+              <a:t>29/10/2023</a:t>
             </a:fld>
             <a:endParaRPr lang="fr-FR"/>
           </a:p>
@@ -3114,7 +3093,7 @@
           <a:p>
             <a:pPr algn="ctr"/>
             <a:r>
-              <a:rPr lang="en-US" sz="8000" b="1" i="1" dirty="0" smtClean="0">
+              <a:rPr lang="en-US" sz="8000" b="1" i="1" dirty="0">
                 <a:latin typeface="Arno Pro Smbd Display" panose="02020702050506020403" pitchFamily="18" charset="0"/>
               </a:rPr>
               <a:t>HIRA FIDERANA</a:t>
@@ -3207,11 +3186,11 @@
           <a:p>
             <a:pPr algn="ctr"/>
             <a:r>
-              <a:rPr lang="en-US" sz="6600" b="1" dirty="0" smtClean="0"/>
+              <a:rPr lang="en-US" sz="6600" b="1" dirty="0"/>
               <a:t> 1.</a:t>
             </a:r>
             <a:r>
-              <a:rPr lang="en-US" sz="6600" b="1" dirty="0" smtClean="0">
+              <a:rPr lang="en-US" sz="6600" b="1" dirty="0">
                 <a:latin typeface="Arno Pro Smbd Display" panose="02020702050506020403" pitchFamily="18" charset="0"/>
               </a:rPr>
               <a:t>Hira </a:t>
@@ -3311,12 +3290,6 @@
               </a:rPr>
               <a:t>mandrakizay</a:t>
             </a:r>
-            <a:r>
-              <a:rPr lang="en-US" sz="6600" b="1" dirty="0">
-                <a:latin typeface="Arno Pro Smbd Display" panose="02020702050506020403" pitchFamily="18" charset="0"/>
-              </a:rPr>
-              <a:t/>
-            </a:r>
             <a:br>
               <a:rPr lang="en-US" sz="6600" b="1" dirty="0">
                 <a:latin typeface="Arno Pro Smbd Display" panose="02020702050506020403" pitchFamily="18" charset="0"/>
@@ -3364,12 +3337,6 @@
               </a:rPr>
               <a:t>jaly</a:t>
             </a:r>
-            <a:r>
-              <a:rPr lang="en-US" sz="6600" b="1" dirty="0">
-                <a:latin typeface="Arno Pro Smbd Display" panose="02020702050506020403" pitchFamily="18" charset="0"/>
-              </a:rPr>
-              <a:t/>
-            </a:r>
             <a:br>
               <a:rPr lang="en-US" sz="6600" b="1" dirty="0">
                 <a:latin typeface="Arno Pro Smbd Display" panose="02020702050506020403" pitchFamily="18" charset="0"/>
@@ -3388,7 +3355,7 @@
               <a:t> </a:t>
             </a:r>
             <a:r>
-              <a:rPr lang="en-US" sz="6600" b="1" dirty="0" err="1" smtClean="0">
+              <a:rPr lang="en-US" sz="6600" b="1" dirty="0" err="1">
                 <a:latin typeface="Arno Pro Smbd Display" panose="02020702050506020403" pitchFamily="18" charset="0"/>
               </a:rPr>
               <a:t>fo</a:t>
@@ -3452,13 +3419,13 @@
           <a:p>
             <a:pPr algn="ctr"/>
             <a:r>
-              <a:rPr lang="en-US" sz="6600" b="1" dirty="0" err="1" smtClean="0">
+              <a:rPr lang="en-US" sz="6600" b="1" dirty="0" err="1">
                 <a:latin typeface="Arno Pro Smbd Display" panose="02020702050506020403" pitchFamily="18" charset="0"/>
               </a:rPr>
               <a:t>Ny</a:t>
             </a:r>
             <a:r>
-              <a:rPr lang="en-US" sz="6600" b="1" dirty="0" smtClean="0">
+              <a:rPr lang="en-US" sz="6600" b="1" dirty="0">
                 <a:latin typeface="Arno Pro Smbd Display" panose="02020702050506020403" pitchFamily="18" charset="0"/>
               </a:rPr>
               <a:t> </a:t>
@@ -3517,12 +3484,6 @@
               </a:rPr>
               <a:t>ahy</a:t>
             </a:r>
-            <a:r>
-              <a:rPr lang="en-US" sz="6600" b="1" dirty="0">
-                <a:latin typeface="Arno Pro Smbd Display" panose="02020702050506020403" pitchFamily="18" charset="0"/>
-              </a:rPr>
-              <a:t/>
-            </a:r>
             <a:br>
               <a:rPr lang="en-US" sz="6600" b="1" dirty="0">
                 <a:latin typeface="Arno Pro Smbd Display" panose="02020702050506020403" pitchFamily="18" charset="0"/>
@@ -3582,12 +3543,6 @@
               </a:rPr>
               <a:t>ahy</a:t>
             </a:r>
-            <a:r>
-              <a:rPr lang="en-US" sz="6600" b="1" dirty="0">
-                <a:latin typeface="Arno Pro Smbd Display" panose="02020702050506020403" pitchFamily="18" charset="0"/>
-              </a:rPr>
-              <a:t/>
-            </a:r>
             <a:br>
               <a:rPr lang="en-US" sz="6600" b="1" dirty="0">
                 <a:latin typeface="Arno Pro Smbd Display" panose="02020702050506020403" pitchFamily="18" charset="0"/>
@@ -3634,12 +3589,6 @@
                 <a:latin typeface="Arno Pro Smbd Display" panose="02020702050506020403" pitchFamily="18" charset="0"/>
               </a:rPr>
               <a:t>saina</a:t>
-            </a:r>
-            <a:r>
-              <a:rPr lang="en-US" sz="6600" b="1" dirty="0">
-                <a:latin typeface="Arno Pro Smbd Display" panose="02020702050506020403" pitchFamily="18" charset="0"/>
-              </a:rPr>
-              <a:t/>
             </a:r>
             <a:br>
               <a:rPr lang="en-US" sz="6600" b="1" dirty="0">
@@ -3735,7 +3684,7 @@
           <a:p>
             <a:pPr algn="ctr"/>
             <a:r>
-              <a:rPr lang="en-US" sz="6600" b="1" i="1" dirty="0" err="1" smtClean="0">
+              <a:rPr lang="en-US" sz="6600" b="1" i="1" dirty="0" err="1">
                 <a:solidFill>
                   <a:schemeClr val="tx1">
                     <a:lumMod val="95000"/>
@@ -3747,7 +3696,7 @@
               <a:t>Hira</a:t>
             </a:r>
             <a:r>
-              <a:rPr lang="en-US" sz="6600" b="1" i="1" dirty="0" smtClean="0">
+              <a:rPr lang="en-US" sz="6600" b="1" i="1" dirty="0">
                 <a:solidFill>
                   <a:schemeClr val="tx1">
                     <a:lumMod val="95000"/>
@@ -3890,7 +3839,7 @@
               </a:rPr>
               <a:t>izany</a:t>
             </a:r>
-            <a:r>
+            <a:br>
               <a:rPr lang="en-US" sz="6600" b="1" i="1" dirty="0">
                 <a:solidFill>
                   <a:schemeClr val="tx1">
@@ -3900,7 +3849,78 @@
                 </a:solidFill>
                 <a:latin typeface="Arno Pro Smbd Display" panose="02020702050506020403" pitchFamily="18" charset="0"/>
               </a:rPr>
-              <a:t/>
+            </a:br>
+            <a:r>
+              <a:rPr lang="en-US" sz="6600" b="1" i="1" dirty="0">
+                <a:solidFill>
+                  <a:schemeClr val="tx1">
+                    <a:lumMod val="95000"/>
+                    <a:lumOff val="5000"/>
+                  </a:schemeClr>
+                </a:solidFill>
+                <a:latin typeface="Arno Pro Smbd Display" panose="02020702050506020403" pitchFamily="18" charset="0"/>
+              </a:rPr>
+              <a:t>Ho </a:t>
+            </a:r>
+            <a:r>
+              <a:rPr lang="en-US" sz="6600" b="1" i="1" dirty="0" err="1">
+                <a:solidFill>
+                  <a:schemeClr val="tx1">
+                    <a:lumMod val="95000"/>
+                    <a:lumOff val="5000"/>
+                  </a:schemeClr>
+                </a:solidFill>
+                <a:latin typeface="Arno Pro Smbd Display" panose="02020702050506020403" pitchFamily="18" charset="0"/>
+              </a:rPr>
+              <a:t>Anao</a:t>
+            </a:r>
+            <a:r>
+              <a:rPr lang="en-US" sz="6600" b="1" i="1" dirty="0">
+                <a:solidFill>
+                  <a:schemeClr val="tx1">
+                    <a:lumMod val="95000"/>
+                    <a:lumOff val="5000"/>
+                  </a:schemeClr>
+                </a:solidFill>
+                <a:latin typeface="Arno Pro Smbd Display" panose="02020702050506020403" pitchFamily="18" charset="0"/>
+              </a:rPr>
+              <a:t> </a:t>
+            </a:r>
+            <a:r>
+              <a:rPr lang="en-US" sz="6600" b="1" i="1" dirty="0" err="1">
+                <a:solidFill>
+                  <a:schemeClr val="tx1">
+                    <a:lumMod val="95000"/>
+                    <a:lumOff val="5000"/>
+                  </a:schemeClr>
+                </a:solidFill>
+                <a:latin typeface="Arno Pro Smbd Display" panose="02020702050506020403" pitchFamily="18" charset="0"/>
+              </a:rPr>
+              <a:t>tokoa</a:t>
+            </a:r>
+            <a:r>
+              <a:rPr lang="en-US" sz="6600" b="1" i="1" dirty="0">
+                <a:solidFill>
+                  <a:schemeClr val="tx1">
+                    <a:lumMod val="95000"/>
+                    <a:lumOff val="5000"/>
+                  </a:schemeClr>
+                </a:solidFill>
+                <a:latin typeface="Arno Pro Smbd Display" panose="02020702050506020403" pitchFamily="18" charset="0"/>
+              </a:rPr>
+              <a:t> no </a:t>
+            </a:r>
+            <a:r>
+              <a:rPr lang="en-US" sz="6600" b="1" i="1" dirty="0" err="1">
+                <a:solidFill>
+                  <a:schemeClr val="tx1">
+                    <a:lumMod val="95000"/>
+                    <a:lumOff val="5000"/>
+                  </a:schemeClr>
+                </a:solidFill>
+                <a:latin typeface="Arno Pro Smbd Display" panose="02020702050506020403" pitchFamily="18" charset="0"/>
+              </a:rPr>
+              <a:t>hikaloako</a:t>
             </a:r>
             <a:br>
               <a:rPr lang="en-US" sz="6600" b="1" i="1" dirty="0">
@@ -3914,7 +3934,7 @@
               </a:rPr>
             </a:br>
             <a:r>
-              <a:rPr lang="en-US" sz="6600" b="1" i="1" dirty="0">
+              <a:rPr lang="en-US" sz="6600" b="1" i="1" dirty="0" err="1">
                 <a:solidFill>
                   <a:schemeClr val="tx1">
                     <a:lumMod val="95000"/>
@@ -3923,10 +3943,10 @@
                 </a:solidFill>
                 <a:latin typeface="Arno Pro Smbd Display" panose="02020702050506020403" pitchFamily="18" charset="0"/>
               </a:rPr>
-              <a:t>Ho </a:t>
-            </a:r>
-            <a:r>
-              <a:rPr lang="en-US" sz="6600" b="1" i="1" dirty="0" err="1">
+              <a:t>Raiso</a:t>
+            </a:r>
+            <a:r>
+              <a:rPr lang="en-US" sz="6600" b="1" i="1" dirty="0">
                 <a:solidFill>
                   <a:schemeClr val="tx1">
                     <a:lumMod val="95000"/>
@@ -3935,10 +3955,10 @@
                 </a:solidFill>
                 <a:latin typeface="Arno Pro Smbd Display" panose="02020702050506020403" pitchFamily="18" charset="0"/>
               </a:rPr>
-              <a:t>Anao</a:t>
-            </a:r>
-            <a:r>
-              <a:rPr lang="en-US" sz="6600" b="1" i="1" dirty="0">
+              <a:t> re, </a:t>
+            </a:r>
+            <a:r>
+              <a:rPr lang="en-US" sz="6600" b="1" i="1" dirty="0" err="1">
                 <a:solidFill>
                   <a:schemeClr val="tx1">
                     <a:lumMod val="95000"/>
@@ -3947,10 +3967,10 @@
                 </a:solidFill>
                 <a:latin typeface="Arno Pro Smbd Display" panose="02020702050506020403" pitchFamily="18" charset="0"/>
               </a:rPr>
-              <a:t> </a:t>
-            </a:r>
-            <a:r>
-              <a:rPr lang="en-US" sz="6600" b="1" i="1" dirty="0" err="1">
+              <a:t>ry</a:t>
+            </a:r>
+            <a:r>
+              <a:rPr lang="en-US" sz="6600" b="1" i="1" dirty="0">
                 <a:solidFill>
                   <a:schemeClr val="tx1">
                     <a:lumMod val="95000"/>
@@ -3959,10 +3979,10 @@
                 </a:solidFill>
                 <a:latin typeface="Arno Pro Smbd Display" panose="02020702050506020403" pitchFamily="18" charset="0"/>
               </a:rPr>
-              <a:t>tokoa</a:t>
-            </a:r>
-            <a:r>
-              <a:rPr lang="en-US" sz="6600" b="1" i="1" dirty="0">
+              <a:t> </a:t>
+            </a:r>
+            <a:r>
+              <a:rPr lang="en-US" sz="6600" b="1" i="1" dirty="0" err="1">
                 <a:solidFill>
                   <a:schemeClr val="tx1">
                     <a:lumMod val="95000"/>
@@ -3971,10 +3991,10 @@
                 </a:solidFill>
                 <a:latin typeface="Arno Pro Smbd Display" panose="02020702050506020403" pitchFamily="18" charset="0"/>
               </a:rPr>
-              <a:t> no </a:t>
-            </a:r>
-            <a:r>
-              <a:rPr lang="en-US" sz="6600" b="1" i="1" dirty="0" err="1">
+              <a:t>Tompo</a:t>
+            </a:r>
+            <a:r>
+              <a:rPr lang="en-US" sz="6600" b="1" i="1" dirty="0">
                 <a:solidFill>
                   <a:schemeClr val="tx1">
                     <a:lumMod val="95000"/>
@@ -3983,9 +4003,9 @@
                 </a:solidFill>
                 <a:latin typeface="Arno Pro Smbd Display" panose="02020702050506020403" pitchFamily="18" charset="0"/>
               </a:rPr>
-              <a:t>hikaloako</a:t>
-            </a:r>
-            <a:r>
+              <a:t>,</a:t>
+            </a:r>
+            <a:br>
               <a:rPr lang="en-US" sz="6600" b="1" i="1" dirty="0">
                 <a:solidFill>
                   <a:schemeClr val="tx1">
@@ -3995,10 +4015,9 @@
                 </a:solidFill>
                 <a:latin typeface="Arno Pro Smbd Display" panose="02020702050506020403" pitchFamily="18" charset="0"/>
               </a:rPr>
-              <a:t/>
-            </a:r>
-            <a:br>
-              <a:rPr lang="en-US" sz="6600" b="1" i="1" dirty="0">
+            </a:br>
+            <a:r>
+              <a:rPr lang="en-US" sz="6600" b="1" i="1" dirty="0" err="1">
                 <a:solidFill>
                   <a:schemeClr val="tx1">
                     <a:lumMod val="95000"/>
@@ -4007,9 +4026,10 @@
                 </a:solidFill>
                 <a:latin typeface="Arno Pro Smbd Display" panose="02020702050506020403" pitchFamily="18" charset="0"/>
               </a:rPr>
-            </a:br>
-            <a:r>
-              <a:rPr lang="en-US" sz="6600" b="1" i="1" dirty="0" err="1">
+              <a:t>F’io</a:t>
+            </a:r>
+            <a:r>
+              <a:rPr lang="en-US" sz="6600" b="1" i="1" dirty="0">
                 <a:solidFill>
                   <a:schemeClr val="tx1">
                     <a:lumMod val="95000"/>
@@ -4018,10 +4038,10 @@
                 </a:solidFill>
                 <a:latin typeface="Arno Pro Smbd Display" panose="02020702050506020403" pitchFamily="18" charset="0"/>
               </a:rPr>
-              <a:t>Raiso</a:t>
-            </a:r>
-            <a:r>
-              <a:rPr lang="en-US" sz="6600" b="1" i="1" dirty="0">
+              <a:t> no </a:t>
+            </a:r>
+            <a:r>
+              <a:rPr lang="en-US" sz="6600" b="1" i="1" dirty="0" err="1">
                 <a:solidFill>
                   <a:schemeClr val="tx1">
                     <a:lumMod val="95000"/>
@@ -4030,10 +4050,10 @@
                 </a:solidFill>
                 <a:latin typeface="Arno Pro Smbd Display" panose="02020702050506020403" pitchFamily="18" charset="0"/>
               </a:rPr>
-              <a:t> re, </a:t>
-            </a:r>
-            <a:r>
-              <a:rPr lang="en-US" sz="6600" b="1" i="1" dirty="0" err="1">
+              <a:t>porofom-pitiavako</a:t>
+            </a:r>
+            <a:r>
+              <a:rPr lang="en-US" sz="6600" b="1" i="1" dirty="0">
                 <a:solidFill>
                   <a:schemeClr val="tx1">
                     <a:lumMod val="95000"/>
@@ -4042,105 +4062,10 @@
                 </a:solidFill>
                 <a:latin typeface="Arno Pro Smbd Display" panose="02020702050506020403" pitchFamily="18" charset="0"/>
               </a:rPr>
-              <a:t>ry</a:t>
-            </a:r>
-            <a:r>
-              <a:rPr lang="en-US" sz="6600" b="1" i="1" dirty="0">
-                <a:solidFill>
-                  <a:schemeClr val="tx1">
-                    <a:lumMod val="95000"/>
-                    <a:lumOff val="5000"/>
-                  </a:schemeClr>
-                </a:solidFill>
-                <a:latin typeface="Arno Pro Smbd Display" panose="02020702050506020403" pitchFamily="18" charset="0"/>
-              </a:rPr>
               <a:t> </a:t>
             </a:r>
             <a:r>
               <a:rPr lang="en-US" sz="6600" b="1" i="1" dirty="0" err="1">
-                <a:solidFill>
-                  <a:schemeClr val="tx1">
-                    <a:lumMod val="95000"/>
-                    <a:lumOff val="5000"/>
-                  </a:schemeClr>
-                </a:solidFill>
-                <a:latin typeface="Arno Pro Smbd Display" panose="02020702050506020403" pitchFamily="18" charset="0"/>
-              </a:rPr>
-              <a:t>Tompo</a:t>
-            </a:r>
-            <a:r>
-              <a:rPr lang="en-US" sz="6600" b="1" i="1" dirty="0">
-                <a:solidFill>
-                  <a:schemeClr val="tx1">
-                    <a:lumMod val="95000"/>
-                    <a:lumOff val="5000"/>
-                  </a:schemeClr>
-                </a:solidFill>
-                <a:latin typeface="Arno Pro Smbd Display" panose="02020702050506020403" pitchFamily="18" charset="0"/>
-              </a:rPr>
-              <a:t>,</a:t>
-            </a:r>
-            <a:br>
-              <a:rPr lang="en-US" sz="6600" b="1" i="1" dirty="0">
-                <a:solidFill>
-                  <a:schemeClr val="tx1">
-                    <a:lumMod val="95000"/>
-                    <a:lumOff val="5000"/>
-                  </a:schemeClr>
-                </a:solidFill>
-                <a:latin typeface="Arno Pro Smbd Display" panose="02020702050506020403" pitchFamily="18" charset="0"/>
-              </a:rPr>
-            </a:br>
-            <a:r>
-              <a:rPr lang="en-US" sz="6600" b="1" i="1" dirty="0" err="1">
-                <a:solidFill>
-                  <a:schemeClr val="tx1">
-                    <a:lumMod val="95000"/>
-                    <a:lumOff val="5000"/>
-                  </a:schemeClr>
-                </a:solidFill>
-                <a:latin typeface="Arno Pro Smbd Display" panose="02020702050506020403" pitchFamily="18" charset="0"/>
-              </a:rPr>
-              <a:t>F’io</a:t>
-            </a:r>
-            <a:r>
-              <a:rPr lang="en-US" sz="6600" b="1" i="1" dirty="0">
-                <a:solidFill>
-                  <a:schemeClr val="tx1">
-                    <a:lumMod val="95000"/>
-                    <a:lumOff val="5000"/>
-                  </a:schemeClr>
-                </a:solidFill>
-                <a:latin typeface="Arno Pro Smbd Display" panose="02020702050506020403" pitchFamily="18" charset="0"/>
-              </a:rPr>
-              <a:t> no </a:t>
-            </a:r>
-            <a:r>
-              <a:rPr lang="en-US" sz="6600" b="1" i="1" dirty="0" err="1">
-                <a:solidFill>
-                  <a:schemeClr val="tx1">
-                    <a:lumMod val="95000"/>
-                    <a:lumOff val="5000"/>
-                  </a:schemeClr>
-                </a:solidFill>
-                <a:latin typeface="Arno Pro Smbd Display" panose="02020702050506020403" pitchFamily="18" charset="0"/>
-              </a:rPr>
-              <a:t>porofom-pitiavako</a:t>
-            </a:r>
-            <a:r>
-              <a:rPr lang="en-US" sz="6600" b="1" i="1" dirty="0">
-                <a:solidFill>
-                  <a:schemeClr val="tx1">
-                    <a:lumMod val="95000"/>
-                    <a:lumOff val="5000"/>
-                  </a:schemeClr>
-                </a:solidFill>
-                <a:latin typeface="Arno Pro Smbd Display" panose="02020702050506020403" pitchFamily="18" charset="0"/>
-              </a:rPr>
-              <a:t> </a:t>
-            </a:r>
-            <a:r>
-              <a:rPr lang="en-US" sz="6600" b="1" i="1" dirty="0" err="1" smtClean="0">
                 <a:solidFill>
                   <a:schemeClr val="tx1">
                     <a:lumMod val="95000"/>
@@ -4211,11 +4136,11 @@
           <a:p>
             <a:pPr algn="ctr"/>
             <a:r>
-              <a:rPr lang="en-US" sz="6600" b="1" dirty="0" smtClean="0"/>
+              <a:rPr lang="en-US" sz="6600" b="1" dirty="0"/>
               <a:t> 2.</a:t>
             </a:r>
             <a:r>
-              <a:rPr lang="en-US" sz="6600" b="1" dirty="0" smtClean="0">
+              <a:rPr lang="en-US" sz="6600" b="1" dirty="0">
                 <a:latin typeface="Arno Pro Smbd Display" panose="02020702050506020403" pitchFamily="18" charset="0"/>
               </a:rPr>
               <a:t>Hira </a:t>
@@ -4315,12 +4240,6 @@
               </a:rPr>
               <a:t>mandrakizay</a:t>
             </a:r>
-            <a:r>
-              <a:rPr lang="en-US" sz="6600" b="1" dirty="0">
-                <a:latin typeface="Arno Pro Smbd Display" panose="02020702050506020403" pitchFamily="18" charset="0"/>
-              </a:rPr>
-              <a:t/>
-            </a:r>
             <a:br>
               <a:rPr lang="en-US" sz="6600" b="1" dirty="0">
                 <a:latin typeface="Arno Pro Smbd Display" panose="02020702050506020403" pitchFamily="18" charset="0"/>
@@ -4368,12 +4287,6 @@
               </a:rPr>
               <a:t>jaly</a:t>
             </a:r>
-            <a:r>
-              <a:rPr lang="en-US" sz="6600" b="1" dirty="0">
-                <a:latin typeface="Arno Pro Smbd Display" panose="02020702050506020403" pitchFamily="18" charset="0"/>
-              </a:rPr>
-              <a:t/>
-            </a:r>
             <a:br>
               <a:rPr lang="en-US" sz="6600" b="1" dirty="0">
                 <a:latin typeface="Arno Pro Smbd Display" panose="02020702050506020403" pitchFamily="18" charset="0"/>
@@ -4392,7 +4305,7 @@
               <a:t> </a:t>
             </a:r>
             <a:r>
-              <a:rPr lang="en-US" sz="6600" b="1" dirty="0" err="1" smtClean="0">
+              <a:rPr lang="en-US" sz="6600" b="1" dirty="0" err="1">
                 <a:latin typeface="Arno Pro Smbd Display" panose="02020702050506020403" pitchFamily="18" charset="0"/>
               </a:rPr>
               <a:t>fo</a:t>
@@ -4451,13 +4364,13 @@
           <a:p>
             <a:pPr algn="ctr"/>
             <a:r>
-              <a:rPr lang="en-US" sz="6600" b="1" dirty="0" err="1" smtClean="0">
+              <a:rPr lang="en-US" sz="6600" b="1" dirty="0" err="1">
                 <a:latin typeface="Arno Pro Smbd Display" panose="02020702050506020403" pitchFamily="18" charset="0"/>
               </a:rPr>
               <a:t>Ny</a:t>
             </a:r>
             <a:r>
-              <a:rPr lang="en-US" sz="6600" b="1" dirty="0" smtClean="0">
+              <a:rPr lang="en-US" sz="6600" b="1" dirty="0">
                 <a:latin typeface="Arno Pro Smbd Display" panose="02020702050506020403" pitchFamily="18" charset="0"/>
               </a:rPr>
               <a:t> </a:t>
@@ -4516,12 +4429,6 @@
               </a:rPr>
               <a:t>ahy</a:t>
             </a:r>
-            <a:r>
-              <a:rPr lang="en-US" sz="6600" b="1" dirty="0">
-                <a:latin typeface="Arno Pro Smbd Display" panose="02020702050506020403" pitchFamily="18" charset="0"/>
-              </a:rPr>
-              <a:t/>
-            </a:r>
             <a:br>
               <a:rPr lang="en-US" sz="6600" b="1" dirty="0">
                 <a:latin typeface="Arno Pro Smbd Display" panose="02020702050506020403" pitchFamily="18" charset="0"/>
@@ -4581,12 +4488,6 @@
               </a:rPr>
               <a:t>ahy</a:t>
             </a:r>
-            <a:r>
-              <a:rPr lang="en-US" sz="6600" b="1" dirty="0">
-                <a:latin typeface="Arno Pro Smbd Display" panose="02020702050506020403" pitchFamily="18" charset="0"/>
-              </a:rPr>
-              <a:t/>
-            </a:r>
             <a:br>
               <a:rPr lang="en-US" sz="6600" b="1" dirty="0">
                 <a:latin typeface="Arno Pro Smbd Display" panose="02020702050506020403" pitchFamily="18" charset="0"/>
@@ -4633,12 +4534,6 @@
                 <a:latin typeface="Arno Pro Smbd Display" panose="02020702050506020403" pitchFamily="18" charset="0"/>
               </a:rPr>
               <a:t>saina</a:t>
-            </a:r>
-            <a:r>
-              <a:rPr lang="en-US" sz="6600" b="1" dirty="0">
-                <a:latin typeface="Arno Pro Smbd Display" panose="02020702050506020403" pitchFamily="18" charset="0"/>
-              </a:rPr>
-              <a:t/>
             </a:r>
             <a:br>
               <a:rPr lang="en-US" sz="6600" b="1" dirty="0">
@@ -4719,7 +4614,7 @@
         </p:nvSpPr>
         <p:spPr>
           <a:xfrm>
-            <a:off x="0" y="1700808"/>
+            <a:off x="-8914" y="260648"/>
             <a:ext cx="12192000" cy="4154984"/>
           </a:xfrm>
           <a:prstGeom prst="rect">
@@ -4734,13 +4629,13 @@
           <a:p>
             <a:pPr lvl="1" algn="ctr"/>
             <a:r>
-              <a:rPr lang="en-US" sz="6600" b="1" i="1" dirty="0" err="1" smtClean="0">
+              <a:rPr lang="en-US" sz="6600" b="1" i="1" dirty="0" err="1">
                 <a:latin typeface="Arno Pro Smbd Display" panose="02020702050506020403" pitchFamily="18" charset="0"/>
               </a:rPr>
               <a:t>Hira</a:t>
             </a:r>
             <a:r>
-              <a:rPr lang="en-US" sz="6600" b="1" i="1" dirty="0" smtClean="0">
+              <a:rPr lang="en-US" sz="6600" b="1" i="1" dirty="0">
                 <a:latin typeface="Arno Pro Smbd Display" panose="02020702050506020403" pitchFamily="18" charset="0"/>
               </a:rPr>
               <a:t> </a:t>
@@ -4810,12 +4705,6 @@
                 <a:latin typeface="Arno Pro Smbd Display" panose="02020702050506020403" pitchFamily="18" charset="0"/>
               </a:rPr>
               <a:t>vetsoiko</a:t>
-            </a:r>
-            <a:r>
-              <a:rPr lang="en-US" sz="6600" b="1" i="1" dirty="0">
-                <a:latin typeface="Arno Pro Smbd Display" panose="02020702050506020403" pitchFamily="18" charset="0"/>
-              </a:rPr>
-              <a:t/>
             </a:r>
             <a:br>
               <a:rPr lang="en-US" sz="6600" b="1" i="1" dirty="0">
@@ -4882,12 +4771,6 @@
               </a:rPr>
               <a:t>antsoiko</a:t>
             </a:r>
-            <a:r>
-              <a:rPr lang="en-US" sz="6600" b="1" i="1" dirty="0">
-                <a:latin typeface="Arno Pro Smbd Display" panose="02020702050506020403" pitchFamily="18" charset="0"/>
-              </a:rPr>
-              <a:t/>
-            </a:r>
             <a:br>
               <a:rPr lang="en-US" sz="6600" b="1" i="1" dirty="0">
                 <a:latin typeface="Arno Pro Smbd Display" panose="02020702050506020403" pitchFamily="18" charset="0"/>
@@ -4946,12 +4829,6 @@
                 <a:latin typeface="Arno Pro Smbd Display" panose="02020702050506020403" pitchFamily="18" charset="0"/>
               </a:rPr>
               <a:t>hatrany</a:t>
-            </a:r>
-            <a:r>
-              <a:rPr lang="en-US" sz="6600" b="1" i="1" dirty="0">
-                <a:latin typeface="Arno Pro Smbd Display" panose="02020702050506020403" pitchFamily="18" charset="0"/>
-              </a:rPr>
-              <a:t/>
             </a:r>
             <a:br>
               <a:rPr lang="en-US" sz="6600" b="1" i="1" dirty="0">

--- a/Fihirana Fanampiny/FF 45.pptx
+++ b/Fihirana Fanampiny/FF 45.pptx
@@ -310,7 +310,7 @@
             <a:fld id="{E1E9137A-D7C1-4F8C-A62B-C89ADD9F06F3}" type="datetimeFigureOut">
               <a:rPr lang="fr-FR" smtClean="0"/>
               <a:pPr/>
-              <a:t>29/10/2023</a:t>
+              <a:t>28/05/2025</a:t>
             </a:fld>
             <a:endParaRPr lang="fr-FR"/>
           </a:p>
@@ -475,7 +475,7 @@
             <a:fld id="{E1E9137A-D7C1-4F8C-A62B-C89ADD9F06F3}" type="datetimeFigureOut">
               <a:rPr lang="fr-FR" smtClean="0"/>
               <a:pPr/>
-              <a:t>29/10/2023</a:t>
+              <a:t>28/05/2025</a:t>
             </a:fld>
             <a:endParaRPr lang="fr-FR"/>
           </a:p>
@@ -650,7 +650,7 @@
             <a:fld id="{E1E9137A-D7C1-4F8C-A62B-C89ADD9F06F3}" type="datetimeFigureOut">
               <a:rPr lang="fr-FR" smtClean="0"/>
               <a:pPr/>
-              <a:t>29/10/2023</a:t>
+              <a:t>28/05/2025</a:t>
             </a:fld>
             <a:endParaRPr lang="fr-FR"/>
           </a:p>
@@ -815,7 +815,7 @@
             <a:fld id="{E1E9137A-D7C1-4F8C-A62B-C89ADD9F06F3}" type="datetimeFigureOut">
               <a:rPr lang="fr-FR" smtClean="0"/>
               <a:pPr/>
-              <a:t>29/10/2023</a:t>
+              <a:t>28/05/2025</a:t>
             </a:fld>
             <a:endParaRPr lang="fr-FR"/>
           </a:p>
@@ -1057,7 +1057,7 @@
             <a:fld id="{E1E9137A-D7C1-4F8C-A62B-C89ADD9F06F3}" type="datetimeFigureOut">
               <a:rPr lang="fr-FR" smtClean="0"/>
               <a:pPr/>
-              <a:t>29/10/2023</a:t>
+              <a:t>28/05/2025</a:t>
             </a:fld>
             <a:endParaRPr lang="fr-FR"/>
           </a:p>
@@ -1339,7 +1339,7 @@
             <a:fld id="{E1E9137A-D7C1-4F8C-A62B-C89ADD9F06F3}" type="datetimeFigureOut">
               <a:rPr lang="fr-FR" smtClean="0"/>
               <a:pPr/>
-              <a:t>29/10/2023</a:t>
+              <a:t>28/05/2025</a:t>
             </a:fld>
             <a:endParaRPr lang="fr-FR"/>
           </a:p>
@@ -1755,7 +1755,7 @@
             <a:fld id="{E1E9137A-D7C1-4F8C-A62B-C89ADD9F06F3}" type="datetimeFigureOut">
               <a:rPr lang="fr-FR" smtClean="0"/>
               <a:pPr/>
-              <a:t>29/10/2023</a:t>
+              <a:t>28/05/2025</a:t>
             </a:fld>
             <a:endParaRPr lang="fr-FR"/>
           </a:p>
@@ -1869,7 +1869,7 @@
             <a:fld id="{E1E9137A-D7C1-4F8C-A62B-C89ADD9F06F3}" type="datetimeFigureOut">
               <a:rPr lang="fr-FR" smtClean="0"/>
               <a:pPr/>
-              <a:t>29/10/2023</a:t>
+              <a:t>28/05/2025</a:t>
             </a:fld>
             <a:endParaRPr lang="fr-FR"/>
           </a:p>
@@ -1961,7 +1961,7 @@
             <a:fld id="{E1E9137A-D7C1-4F8C-A62B-C89ADD9F06F3}" type="datetimeFigureOut">
               <a:rPr lang="fr-FR" smtClean="0"/>
               <a:pPr/>
-              <a:t>29/10/2023</a:t>
+              <a:t>28/05/2025</a:t>
             </a:fld>
             <a:endParaRPr lang="fr-FR"/>
           </a:p>
@@ -2233,7 +2233,7 @@
             <a:fld id="{E1E9137A-D7C1-4F8C-A62B-C89ADD9F06F3}" type="datetimeFigureOut">
               <a:rPr lang="fr-FR" smtClean="0"/>
               <a:pPr/>
-              <a:t>29/10/2023</a:t>
+              <a:t>28/05/2025</a:t>
             </a:fld>
             <a:endParaRPr lang="fr-FR"/>
           </a:p>
@@ -2482,7 +2482,7 @@
             <a:fld id="{E1E9137A-D7C1-4F8C-A62B-C89ADD9F06F3}" type="datetimeFigureOut">
               <a:rPr lang="fr-FR" smtClean="0"/>
               <a:pPr/>
-              <a:t>29/10/2023</a:t>
+              <a:t>28/05/2025</a:t>
             </a:fld>
             <a:endParaRPr lang="fr-FR"/>
           </a:p>
@@ -2699,7 +2699,7 @@
             <a:fld id="{E1E9137A-D7C1-4F8C-A62B-C89ADD9F06F3}" type="datetimeFigureOut">
               <a:rPr lang="fr-FR" smtClean="0"/>
               <a:pPr/>
-              <a:t>29/10/2023</a:t>
+              <a:t>28/05/2025</a:t>
             </a:fld>
             <a:endParaRPr lang="fr-FR"/>
           </a:p>
@@ -3094,12 +3094,12 @@
             <a:pPr algn="ctr"/>
             <a:r>
               <a:rPr lang="en-US" sz="8000" b="1" i="1" dirty="0">
-                <a:latin typeface="Arno Pro Smbd Display" panose="02020702050506020403" pitchFamily="18" charset="0"/>
+                <a:latin typeface="+mj-lt"/>
               </a:rPr>
               <a:t>HIRA FIDERANA</a:t>
             </a:r>
             <a:endParaRPr lang="fr-FR" sz="8000" i="1" dirty="0">
-              <a:latin typeface="Arno Pro Smbd Display" panose="02020702050506020403" pitchFamily="18" charset="0"/>
+              <a:latin typeface="+mj-lt"/>
             </a:endParaRPr>
           </a:p>
         </p:txBody>
@@ -3128,12 +3128,12 @@
             <a:pPr algn="ctr"/>
             <a:r>
               <a:rPr lang="fi-FI" sz="23900" b="1" dirty="0">
-                <a:latin typeface="Arno Pro Smbd Display" panose="02020702050506020403" pitchFamily="18" charset="0"/>
+                <a:latin typeface="+mj-lt"/>
               </a:rPr>
               <a:t>FF 45</a:t>
             </a:r>
             <a:endParaRPr lang="fr-FR" sz="23900" dirty="0">
-              <a:latin typeface="Arno Pro Smbd Display" panose="02020702050506020403" pitchFamily="18" charset="0"/>
+              <a:latin typeface="+mj-lt"/>
             </a:endParaRPr>
           </a:p>
         </p:txBody>
@@ -3171,8 +3171,8 @@
         </p:nvSpPr>
         <p:spPr>
           <a:xfrm>
-            <a:off x="0" y="1484784"/>
-            <a:ext cx="12192000" cy="4154984"/>
+            <a:off x="0" y="908720"/>
+            <a:ext cx="12192000" cy="5170646"/>
           </a:xfrm>
           <a:prstGeom prst="rect">
             <a:avLst/>
@@ -3186,182 +3186,190 @@
           <a:p>
             <a:pPr algn="ctr"/>
             <a:r>
-              <a:rPr lang="en-US" sz="6600" b="1" dirty="0"/>
-              <a:t> 1.</a:t>
-            </a:r>
-            <a:r>
               <a:rPr lang="en-US" sz="6600" b="1" dirty="0">
-                <a:latin typeface="Arno Pro Smbd Display" panose="02020702050506020403" pitchFamily="18" charset="0"/>
-              </a:rPr>
-              <a:t>Hira </a:t>
+                <a:latin typeface="+mj-lt"/>
+              </a:rPr>
+              <a:t> 1.Hira </a:t>
             </a:r>
             <a:r>
               <a:rPr lang="en-US" sz="6600" b="1" dirty="0" err="1">
-                <a:latin typeface="Arno Pro Smbd Display" panose="02020702050506020403" pitchFamily="18" charset="0"/>
+                <a:latin typeface="+mj-lt"/>
               </a:rPr>
               <a:t>fiderana</a:t>
             </a:r>
             <a:r>
               <a:rPr lang="en-US" sz="6600" b="1" dirty="0">
-                <a:latin typeface="Arno Pro Smbd Display" panose="02020702050506020403" pitchFamily="18" charset="0"/>
+                <a:latin typeface="+mj-lt"/>
               </a:rPr>
               <a:t> ho </a:t>
             </a:r>
             <a:r>
               <a:rPr lang="en-US" sz="6600" b="1" dirty="0" err="1">
-                <a:latin typeface="Arno Pro Smbd Display" panose="02020702050506020403" pitchFamily="18" charset="0"/>
+                <a:latin typeface="+mj-lt"/>
               </a:rPr>
               <a:t>Anao</a:t>
             </a:r>
             <a:r>
               <a:rPr lang="en-US" sz="6600" b="1" dirty="0">
-                <a:latin typeface="Arno Pro Smbd Display" panose="02020702050506020403" pitchFamily="18" charset="0"/>
+                <a:latin typeface="+mj-lt"/>
               </a:rPr>
               <a:t> </a:t>
             </a:r>
             <a:r>
               <a:rPr lang="en-US" sz="6600" b="1" dirty="0" err="1">
-                <a:latin typeface="Arno Pro Smbd Display" panose="02020702050506020403" pitchFamily="18" charset="0"/>
+                <a:latin typeface="+mj-lt"/>
               </a:rPr>
               <a:t>ry</a:t>
             </a:r>
             <a:r>
               <a:rPr lang="en-US" sz="6600" b="1" dirty="0">
-                <a:latin typeface="Arno Pro Smbd Display" panose="02020702050506020403" pitchFamily="18" charset="0"/>
+                <a:latin typeface="+mj-lt"/>
               </a:rPr>
               <a:t> Ray</a:t>
             </a:r>
             <a:br>
               <a:rPr lang="en-US" sz="6600" b="1" dirty="0">
-                <a:latin typeface="Arno Pro Smbd Display" panose="02020702050506020403" pitchFamily="18" charset="0"/>
+                <a:latin typeface="+mj-lt"/>
               </a:rPr>
             </a:br>
             <a:r>
               <a:rPr lang="en-US" sz="6600" b="1" dirty="0" err="1">
-                <a:latin typeface="Arno Pro Smbd Display" panose="02020702050506020403" pitchFamily="18" charset="0"/>
+                <a:latin typeface="+mj-lt"/>
               </a:rPr>
               <a:t>Tsy</a:t>
             </a:r>
             <a:r>
               <a:rPr lang="en-US" sz="6600" b="1" dirty="0">
-                <a:latin typeface="Arno Pro Smbd Display" panose="02020702050506020403" pitchFamily="18" charset="0"/>
+                <a:latin typeface="+mj-lt"/>
               </a:rPr>
               <a:t> </a:t>
             </a:r>
             <a:r>
               <a:rPr lang="en-US" sz="6600" b="1" dirty="0" err="1">
-                <a:latin typeface="Arno Pro Smbd Display" panose="02020702050506020403" pitchFamily="18" charset="0"/>
+                <a:latin typeface="+mj-lt"/>
               </a:rPr>
               <a:t>afaka</a:t>
             </a:r>
             <a:r>
               <a:rPr lang="en-US" sz="6600" b="1" dirty="0">
-                <a:latin typeface="Arno Pro Smbd Display" panose="02020702050506020403" pitchFamily="18" charset="0"/>
+                <a:latin typeface="+mj-lt"/>
               </a:rPr>
               <a:t> </a:t>
             </a:r>
             <a:r>
               <a:rPr lang="en-US" sz="6600" b="1" dirty="0" err="1">
-                <a:latin typeface="Arno Pro Smbd Display" panose="02020702050506020403" pitchFamily="18" charset="0"/>
+                <a:latin typeface="+mj-lt"/>
               </a:rPr>
               <a:t>ato</a:t>
             </a:r>
             <a:r>
               <a:rPr lang="en-US" sz="6600" b="1" dirty="0">
-                <a:latin typeface="Arno Pro Smbd Display" panose="02020702050506020403" pitchFamily="18" charset="0"/>
+                <a:latin typeface="+mj-lt"/>
               </a:rPr>
               <a:t> am-</a:t>
             </a:r>
             <a:r>
               <a:rPr lang="en-US" sz="6600" b="1" dirty="0" err="1">
-                <a:latin typeface="Arno Pro Smbd Display" panose="02020702050506020403" pitchFamily="18" charset="0"/>
+                <a:latin typeface="+mj-lt"/>
               </a:rPr>
               <a:t>bavako</a:t>
             </a:r>
             <a:r>
               <a:rPr lang="en-US" sz="6600" b="1" dirty="0">
-                <a:latin typeface="Arno Pro Smbd Display" panose="02020702050506020403" pitchFamily="18" charset="0"/>
+                <a:latin typeface="+mj-lt"/>
               </a:rPr>
               <a:t> </a:t>
             </a:r>
             <a:r>
               <a:rPr lang="en-US" sz="6600" b="1" dirty="0" err="1">
-                <a:latin typeface="Arno Pro Smbd Display" panose="02020702050506020403" pitchFamily="18" charset="0"/>
+                <a:latin typeface="+mj-lt"/>
               </a:rPr>
               <a:t>mandrakizay</a:t>
+            </a:r>
+            <a:r>
+              <a:rPr lang="en-US" sz="6600" b="1" dirty="0">
+                <a:latin typeface="+mj-lt"/>
+              </a:rPr>
+              <a:t/>
             </a:r>
             <a:br>
               <a:rPr lang="en-US" sz="6600" b="1" dirty="0">
-                <a:latin typeface="Arno Pro Smbd Display" panose="02020702050506020403" pitchFamily="18" charset="0"/>
+                <a:latin typeface="+mj-lt"/>
               </a:rPr>
             </a:br>
             <a:r>
               <a:rPr lang="en-US" sz="6600" b="1" dirty="0" err="1">
-                <a:latin typeface="Arno Pro Smbd Display" panose="02020702050506020403" pitchFamily="18" charset="0"/>
+                <a:latin typeface="+mj-lt"/>
               </a:rPr>
               <a:t>Hira</a:t>
             </a:r>
             <a:r>
               <a:rPr lang="en-US" sz="6600" b="1" dirty="0">
-                <a:latin typeface="Arno Pro Smbd Display" panose="02020702050506020403" pitchFamily="18" charset="0"/>
+                <a:latin typeface="+mj-lt"/>
               </a:rPr>
               <a:t> </a:t>
             </a:r>
             <a:r>
               <a:rPr lang="en-US" sz="6600" b="1" dirty="0" err="1">
-                <a:latin typeface="Arno Pro Smbd Display" panose="02020702050506020403" pitchFamily="18" charset="0"/>
+                <a:latin typeface="+mj-lt"/>
               </a:rPr>
               <a:t>mampifaly</a:t>
             </a:r>
             <a:r>
               <a:rPr lang="en-US" sz="6600" b="1" dirty="0">
-                <a:latin typeface="Arno Pro Smbd Display" panose="02020702050506020403" pitchFamily="18" charset="0"/>
+                <a:latin typeface="+mj-lt"/>
               </a:rPr>
               <a:t>, </a:t>
             </a:r>
             <a:r>
               <a:rPr lang="en-US" sz="6600" b="1" dirty="0" err="1">
-                <a:latin typeface="Arno Pro Smbd Display" panose="02020702050506020403" pitchFamily="18" charset="0"/>
+                <a:latin typeface="+mj-lt"/>
               </a:rPr>
               <a:t>mampitony</a:t>
             </a:r>
             <a:r>
               <a:rPr lang="en-US" sz="6600" b="1" dirty="0">
-                <a:latin typeface="Arno Pro Smbd Display" panose="02020702050506020403" pitchFamily="18" charset="0"/>
+                <a:latin typeface="+mj-lt"/>
               </a:rPr>
               <a:t> </a:t>
             </a:r>
             <a:r>
               <a:rPr lang="en-US" sz="6600" b="1" dirty="0" err="1">
-                <a:latin typeface="Arno Pro Smbd Display" panose="02020702050506020403" pitchFamily="18" charset="0"/>
+                <a:latin typeface="+mj-lt"/>
               </a:rPr>
               <a:t>jaly</a:t>
+            </a:r>
+            <a:r>
+              <a:rPr lang="en-US" sz="6600" b="1" dirty="0">
+                <a:latin typeface="+mj-lt"/>
+              </a:rPr>
+              <a:t/>
             </a:r>
             <a:br>
               <a:rPr lang="en-US" sz="6600" b="1" dirty="0">
-                <a:latin typeface="Arno Pro Smbd Display" panose="02020702050506020403" pitchFamily="18" charset="0"/>
+                <a:latin typeface="+mj-lt"/>
               </a:rPr>
             </a:br>
             <a:r>
               <a:rPr lang="en-US" sz="6600" b="1" dirty="0" err="1">
-                <a:latin typeface="Arno Pro Smbd Display" panose="02020702050506020403" pitchFamily="18" charset="0"/>
+                <a:latin typeface="+mj-lt"/>
               </a:rPr>
               <a:t>Mampiravoravo</a:t>
             </a:r>
             <a:r>
               <a:rPr lang="en-US" sz="6600" b="1" dirty="0">
-                <a:latin typeface="Arno Pro Smbd Display" panose="02020702050506020403" pitchFamily="18" charset="0"/>
+                <a:latin typeface="+mj-lt"/>
               </a:rPr>
               <a:t> </a:t>
             </a:r>
             <a:r>
               <a:rPr lang="en-US" sz="6600" b="1" dirty="0" err="1">
-                <a:latin typeface="Arno Pro Smbd Display" panose="02020702050506020403" pitchFamily="18" charset="0"/>
+                <a:latin typeface="+mj-lt"/>
               </a:rPr>
               <a:t>fo</a:t>
             </a:r>
             <a:endParaRPr lang="fr-FR" sz="6600" b="1" dirty="0">
-              <a:latin typeface="Arno Pro Smbd Display" panose="02020702050506020403" pitchFamily="18" charset="0"/>
+              <a:latin typeface="+mj-lt"/>
             </a:endParaRPr>
           </a:p>
         </p:txBody>
@@ -3404,8 +3412,8 @@
         </p:nvSpPr>
         <p:spPr>
           <a:xfrm>
-            <a:off x="0" y="1412776"/>
-            <a:ext cx="12192000" cy="4154984"/>
+            <a:off x="0" y="836712"/>
+            <a:ext cx="12192000" cy="5170646"/>
           </a:xfrm>
           <a:prstGeom prst="rect">
             <a:avLst/>
@@ -3419,215 +3427,155 @@
           <a:p>
             <a:pPr algn="ctr"/>
             <a:r>
-              <a:rPr lang="en-US" sz="6600" b="1" dirty="0" err="1">
-                <a:latin typeface="Arno Pro Smbd Display" panose="02020702050506020403" pitchFamily="18" charset="0"/>
-              </a:rPr>
+              <a:rPr lang="en-US" sz="6600" b="1" dirty="0" err="1"/>
               <a:t>Ny</a:t>
             </a:r>
             <a:r>
-              <a:rPr lang="en-US" sz="6600" b="1" dirty="0">
-                <a:latin typeface="Arno Pro Smbd Display" panose="02020702050506020403" pitchFamily="18" charset="0"/>
-              </a:rPr>
-              <a:t> </a:t>
-            </a:r>
-            <a:r>
-              <a:rPr lang="en-US" sz="6600" b="1" dirty="0" err="1">
-                <a:latin typeface="Arno Pro Smbd Display" panose="02020702050506020403" pitchFamily="18" charset="0"/>
-              </a:rPr>
+              <a:rPr lang="en-US" sz="6600" b="1" dirty="0"/>
+              <a:t> </a:t>
+            </a:r>
+            <a:r>
+              <a:rPr lang="en-US" sz="6600" b="1" dirty="0" err="1"/>
               <a:t>talenta</a:t>
             </a:r>
             <a:r>
-              <a:rPr lang="en-US" sz="6600" b="1" dirty="0">
-                <a:latin typeface="Arno Pro Smbd Display" panose="02020702050506020403" pitchFamily="18" charset="0"/>
-              </a:rPr>
-              <a:t> </a:t>
-            </a:r>
-            <a:r>
-              <a:rPr lang="en-US" sz="6600" b="1" dirty="0" err="1">
-                <a:latin typeface="Arno Pro Smbd Display" panose="02020702050506020403" pitchFamily="18" charset="0"/>
-              </a:rPr>
+              <a:rPr lang="en-US" sz="6600" b="1" dirty="0"/>
+              <a:t> </a:t>
+            </a:r>
+            <a:r>
+              <a:rPr lang="en-US" sz="6600" b="1" dirty="0" err="1"/>
               <a:t>izay</a:t>
             </a:r>
             <a:r>
-              <a:rPr lang="en-US" sz="6600" b="1" dirty="0">
-                <a:latin typeface="Arno Pro Smbd Display" panose="02020702050506020403" pitchFamily="18" charset="0"/>
-              </a:rPr>
-              <a:t> </a:t>
-            </a:r>
-            <a:r>
-              <a:rPr lang="en-US" sz="6600" b="1" dirty="0" err="1">
-                <a:latin typeface="Arno Pro Smbd Display" panose="02020702050506020403" pitchFamily="18" charset="0"/>
-              </a:rPr>
+              <a:rPr lang="en-US" sz="6600" b="1" dirty="0"/>
+              <a:t> </a:t>
+            </a:r>
+            <a:r>
+              <a:rPr lang="en-US" sz="6600" b="1" dirty="0" err="1"/>
               <a:t>efa</a:t>
             </a:r>
             <a:r>
-              <a:rPr lang="en-US" sz="6600" b="1" dirty="0">
-                <a:latin typeface="Arno Pro Smbd Display" panose="02020702050506020403" pitchFamily="18" charset="0"/>
-              </a:rPr>
-              <a:t> </a:t>
-            </a:r>
-            <a:r>
-              <a:rPr lang="en-US" sz="6600" b="1" dirty="0" err="1">
-                <a:latin typeface="Arno Pro Smbd Display" panose="02020702050506020403" pitchFamily="18" charset="0"/>
-              </a:rPr>
+              <a:rPr lang="en-US" sz="6600" b="1" dirty="0"/>
+              <a:t> </a:t>
+            </a:r>
+            <a:r>
+              <a:rPr lang="en-US" sz="6600" b="1" dirty="0" err="1"/>
               <a:t>nomenao</a:t>
             </a:r>
             <a:r>
-              <a:rPr lang="en-US" sz="6600" b="1" dirty="0">
-                <a:latin typeface="Arno Pro Smbd Display" panose="02020702050506020403" pitchFamily="18" charset="0"/>
-              </a:rPr>
-              <a:t> </a:t>
-            </a:r>
-            <a:r>
-              <a:rPr lang="en-US" sz="6600" b="1" dirty="0" err="1">
-                <a:latin typeface="Arno Pro Smbd Display" panose="02020702050506020403" pitchFamily="18" charset="0"/>
-              </a:rPr>
+              <a:rPr lang="en-US" sz="6600" b="1" dirty="0"/>
+              <a:t> </a:t>
+            </a:r>
+            <a:r>
+              <a:rPr lang="en-US" sz="6600" b="1" dirty="0" err="1"/>
               <a:t>ahy</a:t>
             </a:r>
+            <a:r>
+              <a:rPr lang="en-US" sz="6600" b="1" dirty="0"/>
+              <a:t/>
+            </a:r>
             <a:br>
-              <a:rPr lang="en-US" sz="6600" b="1" dirty="0">
-                <a:latin typeface="Arno Pro Smbd Display" panose="02020702050506020403" pitchFamily="18" charset="0"/>
-              </a:rPr>
+              <a:rPr lang="en-US" sz="6600" b="1" dirty="0"/>
             </a:br>
             <a:r>
-              <a:rPr lang="en-US" sz="6600" b="1" dirty="0" err="1">
-                <a:latin typeface="Arno Pro Smbd Display" panose="02020702050506020403" pitchFamily="18" charset="0"/>
-              </a:rPr>
+              <a:rPr lang="en-US" sz="6600" b="1" dirty="0" err="1"/>
               <a:t>Hiderako</a:t>
             </a:r>
             <a:r>
-              <a:rPr lang="en-US" sz="6600" b="1" dirty="0">
-                <a:latin typeface="Arno Pro Smbd Display" panose="02020702050506020403" pitchFamily="18" charset="0"/>
-              </a:rPr>
-              <a:t> </a:t>
-            </a:r>
-            <a:r>
-              <a:rPr lang="en-US" sz="6600" b="1" dirty="0" err="1">
-                <a:latin typeface="Arno Pro Smbd Display" panose="02020702050506020403" pitchFamily="18" charset="0"/>
-              </a:rPr>
+              <a:rPr lang="en-US" sz="6600" b="1" dirty="0"/>
+              <a:t> </a:t>
+            </a:r>
+            <a:r>
+              <a:rPr lang="en-US" sz="6600" b="1" dirty="0" err="1"/>
               <a:t>Anao</a:t>
             </a:r>
             <a:r>
-              <a:rPr lang="en-US" sz="6600" b="1" dirty="0">
-                <a:latin typeface="Arno Pro Smbd Display" panose="02020702050506020403" pitchFamily="18" charset="0"/>
-              </a:rPr>
-              <a:t> </a:t>
-            </a:r>
-            <a:r>
-              <a:rPr lang="en-US" sz="6600" b="1" dirty="0" err="1">
-                <a:latin typeface="Arno Pro Smbd Display" panose="02020702050506020403" pitchFamily="18" charset="0"/>
-              </a:rPr>
+              <a:rPr lang="en-US" sz="6600" b="1" dirty="0"/>
+              <a:t> </a:t>
+            </a:r>
+            <a:r>
+              <a:rPr lang="en-US" sz="6600" b="1" dirty="0" err="1"/>
               <a:t>n’aiza</a:t>
             </a:r>
             <a:r>
-              <a:rPr lang="en-US" sz="6600" b="1" dirty="0">
-                <a:latin typeface="Arno Pro Smbd Display" panose="02020702050506020403" pitchFamily="18" charset="0"/>
-              </a:rPr>
-              <a:t> </a:t>
-            </a:r>
-            <a:r>
-              <a:rPr lang="en-US" sz="6600" b="1" dirty="0" err="1">
-                <a:latin typeface="Arno Pro Smbd Display" panose="02020702050506020403" pitchFamily="18" charset="0"/>
-              </a:rPr>
+              <a:rPr lang="en-US" sz="6600" b="1" dirty="0"/>
+              <a:t> </a:t>
+            </a:r>
+            <a:r>
+              <a:rPr lang="en-US" sz="6600" b="1" dirty="0" err="1"/>
               <a:t>misy</a:t>
             </a:r>
             <a:r>
-              <a:rPr lang="en-US" sz="6600" b="1" dirty="0">
-                <a:latin typeface="Arno Pro Smbd Display" panose="02020702050506020403" pitchFamily="18" charset="0"/>
-              </a:rPr>
-              <a:t> </a:t>
-            </a:r>
-            <a:r>
-              <a:rPr lang="en-US" sz="6600" b="1" dirty="0" err="1">
-                <a:latin typeface="Arno Pro Smbd Display" panose="02020702050506020403" pitchFamily="18" charset="0"/>
-              </a:rPr>
+              <a:rPr lang="en-US" sz="6600" b="1" dirty="0"/>
+              <a:t> </a:t>
+            </a:r>
+            <a:r>
+              <a:rPr lang="en-US" sz="6600" b="1" dirty="0" err="1"/>
               <a:t>ahy</a:t>
             </a:r>
+            <a:r>
+              <a:rPr lang="en-US" sz="6600" b="1" dirty="0"/>
+              <a:t/>
+            </a:r>
             <a:br>
-              <a:rPr lang="en-US" sz="6600" b="1" dirty="0">
-                <a:latin typeface="Arno Pro Smbd Display" panose="02020702050506020403" pitchFamily="18" charset="0"/>
-              </a:rPr>
+              <a:rPr lang="en-US" sz="6600" b="1" dirty="0"/>
             </a:br>
             <a:r>
-              <a:rPr lang="en-US" sz="6600" b="1" dirty="0" err="1">
-                <a:latin typeface="Arno Pro Smbd Display" panose="02020702050506020403" pitchFamily="18" charset="0"/>
-              </a:rPr>
+              <a:rPr lang="en-US" sz="6600" b="1" dirty="0" err="1"/>
               <a:t>Mba</a:t>
             </a:r>
             <a:r>
-              <a:rPr lang="en-US" sz="6600" b="1" dirty="0">
-                <a:latin typeface="Arno Pro Smbd Display" panose="02020702050506020403" pitchFamily="18" charset="0"/>
-              </a:rPr>
-              <a:t> </a:t>
-            </a:r>
-            <a:r>
-              <a:rPr lang="en-US" sz="6600" b="1" dirty="0" err="1">
-                <a:latin typeface="Arno Pro Smbd Display" panose="02020702050506020403" pitchFamily="18" charset="0"/>
-              </a:rPr>
+              <a:rPr lang="en-US" sz="6600" b="1" dirty="0"/>
+              <a:t> </a:t>
+            </a:r>
+            <a:r>
+              <a:rPr lang="en-US" sz="6600" b="1" dirty="0" err="1"/>
               <a:t>hamelon’aina</a:t>
             </a:r>
             <a:r>
-              <a:rPr lang="en-US" sz="6600" b="1" dirty="0">
-                <a:latin typeface="Arno Pro Smbd Display" panose="02020702050506020403" pitchFamily="18" charset="0"/>
-              </a:rPr>
+              <a:rPr lang="en-US" sz="6600" b="1" dirty="0"/>
               <a:t>, </a:t>
             </a:r>
             <a:r>
-              <a:rPr lang="en-US" sz="6600" b="1" dirty="0" err="1">
-                <a:latin typeface="Arno Pro Smbd Display" panose="02020702050506020403" pitchFamily="18" charset="0"/>
-              </a:rPr>
+              <a:rPr lang="en-US" sz="6600" b="1" dirty="0" err="1"/>
               <a:t>hampitony</a:t>
             </a:r>
             <a:r>
-              <a:rPr lang="en-US" sz="6600" b="1" dirty="0">
-                <a:latin typeface="Arno Pro Smbd Display" panose="02020702050506020403" pitchFamily="18" charset="0"/>
-              </a:rPr>
-              <a:t> </a:t>
-            </a:r>
-            <a:r>
-              <a:rPr lang="en-US" sz="6600" b="1" dirty="0" err="1">
-                <a:latin typeface="Arno Pro Smbd Display" panose="02020702050506020403" pitchFamily="18" charset="0"/>
-              </a:rPr>
+              <a:rPr lang="en-US" sz="6600" b="1" dirty="0"/>
+              <a:t> </a:t>
+            </a:r>
+            <a:r>
+              <a:rPr lang="en-US" sz="6600" b="1" dirty="0" err="1"/>
               <a:t>saina</a:t>
             </a:r>
+            <a:r>
+              <a:rPr lang="en-US" sz="6600" b="1" dirty="0"/>
+              <a:t/>
+            </a:r>
             <a:br>
-              <a:rPr lang="en-US" sz="6600" b="1" dirty="0">
-                <a:latin typeface="Arno Pro Smbd Display" panose="02020702050506020403" pitchFamily="18" charset="0"/>
-              </a:rPr>
+              <a:rPr lang="en-US" sz="6600" b="1" dirty="0"/>
             </a:br>
             <a:r>
-              <a:rPr lang="en-US" sz="6600" b="1" dirty="0" err="1">
-                <a:latin typeface="Arno Pro Smbd Display" panose="02020702050506020403" pitchFamily="18" charset="0"/>
-              </a:rPr>
+              <a:rPr lang="en-US" sz="6600" b="1" dirty="0" err="1"/>
               <a:t>Hampiray</a:t>
             </a:r>
             <a:r>
-              <a:rPr lang="en-US" sz="6600" b="1" dirty="0">
-                <a:latin typeface="Arno Pro Smbd Display" panose="02020702050506020403" pitchFamily="18" charset="0"/>
-              </a:rPr>
-              <a:t> </a:t>
-            </a:r>
-            <a:r>
-              <a:rPr lang="en-US" sz="6600" b="1" dirty="0" err="1">
-                <a:latin typeface="Arno Pro Smbd Display" panose="02020702050506020403" pitchFamily="18" charset="0"/>
-              </a:rPr>
+              <a:rPr lang="en-US" sz="6600" b="1" dirty="0"/>
+              <a:t> </a:t>
+            </a:r>
+            <a:r>
+              <a:rPr lang="en-US" sz="6600" b="1" dirty="0" err="1"/>
               <a:t>ny</a:t>
             </a:r>
             <a:r>
-              <a:rPr lang="en-US" sz="6600" b="1" dirty="0">
-                <a:latin typeface="Arno Pro Smbd Display" panose="02020702050506020403" pitchFamily="18" charset="0"/>
-              </a:rPr>
-              <a:t> </a:t>
-            </a:r>
-            <a:r>
-              <a:rPr lang="en-US" sz="6600" b="1" dirty="0" err="1">
-                <a:latin typeface="Arno Pro Smbd Display" panose="02020702050506020403" pitchFamily="18" charset="0"/>
-              </a:rPr>
+              <a:rPr lang="en-US" sz="6600" b="1" dirty="0"/>
+              <a:t> </a:t>
+            </a:r>
+            <a:r>
+              <a:rPr lang="en-US" sz="6600" b="1" dirty="0" err="1"/>
               <a:t>miaina</a:t>
             </a:r>
-            <a:endParaRPr lang="fr-FR" sz="6600" b="1" dirty="0">
-              <a:latin typeface="Arno Pro Smbd Display" panose="02020702050506020403" pitchFamily="18" charset="0"/>
-            </a:endParaRPr>
+            <a:endParaRPr lang="fr-FR" sz="6600" b="1" dirty="0"/>
           </a:p>
         </p:txBody>
       </p:sp>
@@ -3669,8 +3617,8 @@
         </p:nvSpPr>
         <p:spPr>
           <a:xfrm>
-            <a:off x="-10224" y="1340768"/>
-            <a:ext cx="12192000" cy="4154984"/>
+            <a:off x="-10224" y="692696"/>
+            <a:ext cx="12192000" cy="5170646"/>
           </a:xfrm>
           <a:prstGeom prst="rect">
             <a:avLst/>
@@ -3691,7 +3639,6 @@
                     <a:lumOff val="5000"/>
                   </a:schemeClr>
                 </a:solidFill>
-                <a:latin typeface="Arno Pro Smbd Display" panose="02020702050506020403" pitchFamily="18" charset="0"/>
               </a:rPr>
               <a:t>Hira</a:t>
             </a:r>
@@ -3703,7 +3650,6 @@
                     <a:lumOff val="5000"/>
                   </a:schemeClr>
                 </a:solidFill>
-                <a:latin typeface="Arno Pro Smbd Display" panose="02020702050506020403" pitchFamily="18" charset="0"/>
               </a:rPr>
               <a:t> </a:t>
             </a:r>
@@ -3715,7 +3661,6 @@
                     <a:lumOff val="5000"/>
                   </a:schemeClr>
                 </a:solidFill>
-                <a:latin typeface="Arno Pro Smbd Display" panose="02020702050506020403" pitchFamily="18" charset="0"/>
               </a:rPr>
               <a:t>tsotra</a:t>
             </a:r>
@@ -3727,7 +3672,6 @@
                     <a:lumOff val="5000"/>
                   </a:schemeClr>
                 </a:solidFill>
-                <a:latin typeface="Arno Pro Smbd Display" panose="02020702050506020403" pitchFamily="18" charset="0"/>
               </a:rPr>
               <a:t> </a:t>
             </a:r>
@@ -3739,7 +3683,6 @@
                     <a:lumOff val="5000"/>
                   </a:schemeClr>
                 </a:solidFill>
-                <a:latin typeface="Arno Pro Smbd Display" panose="02020702050506020403" pitchFamily="18" charset="0"/>
               </a:rPr>
               <a:t>ihany</a:t>
             </a:r>
@@ -3751,31 +3694,39 @@
                     <a:lumOff val="5000"/>
                   </a:schemeClr>
                 </a:solidFill>
-                <a:latin typeface="Arno Pro Smbd Display" panose="02020702050506020403" pitchFamily="18" charset="0"/>
               </a:rPr>
               <a:t>, </a:t>
             </a:r>
-            <a:r>
-              <a:rPr lang="en-US" sz="6600" b="1" i="1" dirty="0" err="1">
+            <a:endParaRPr lang="en-US" sz="6600" b="1" i="1" dirty="0" smtClean="0">
+              <a:solidFill>
+                <a:schemeClr val="tx1">
+                  <a:lumMod val="95000"/>
+                  <a:lumOff val="5000"/>
+                </a:schemeClr>
+              </a:solidFill>
+            </a:endParaRPr>
+          </a:p>
+          <a:p>
+            <a:pPr algn="ctr"/>
+            <a:r>
+              <a:rPr lang="en-US" sz="6600" b="1" i="1" dirty="0" err="1" smtClean="0">
                 <a:solidFill>
                   <a:schemeClr val="tx1">
                     <a:lumMod val="95000"/>
                     <a:lumOff val="5000"/>
                   </a:schemeClr>
                 </a:solidFill>
-                <a:latin typeface="Arno Pro Smbd Display" panose="02020702050506020403" pitchFamily="18" charset="0"/>
               </a:rPr>
               <a:t>nefa</a:t>
             </a:r>
             <a:r>
-              <a:rPr lang="en-US" sz="6600" b="1" i="1" dirty="0">
+              <a:rPr lang="en-US" sz="6600" b="1" i="1" dirty="0" smtClean="0">
                 <a:solidFill>
                   <a:schemeClr val="tx1">
                     <a:lumMod val="95000"/>
                     <a:lumOff val="5000"/>
                   </a:schemeClr>
                 </a:solidFill>
-                <a:latin typeface="Arno Pro Smbd Display" panose="02020702050506020403" pitchFamily="18" charset="0"/>
               </a:rPr>
               <a:t> </a:t>
             </a:r>
@@ -3787,7 +3738,6 @@
                     <a:lumOff val="5000"/>
                   </a:schemeClr>
                 </a:solidFill>
-                <a:latin typeface="Arno Pro Smbd Display" panose="02020702050506020403" pitchFamily="18" charset="0"/>
               </a:rPr>
               <a:t>na</a:t>
             </a:r>
@@ -3799,7 +3749,6 @@
                     <a:lumOff val="5000"/>
                   </a:schemeClr>
                 </a:solidFill>
-                <a:latin typeface="Arno Pro Smbd Display" panose="02020702050506020403" pitchFamily="18" charset="0"/>
               </a:rPr>
               <a:t> </a:t>
             </a:r>
@@ -3811,7 +3760,6 @@
                     <a:lumOff val="5000"/>
                   </a:schemeClr>
                 </a:solidFill>
-                <a:latin typeface="Arno Pro Smbd Display" panose="02020702050506020403" pitchFamily="18" charset="0"/>
               </a:rPr>
               <a:t>dia</a:t>
             </a:r>
@@ -3823,7 +3771,6 @@
                     <a:lumOff val="5000"/>
                   </a:schemeClr>
                 </a:solidFill>
-                <a:latin typeface="Arno Pro Smbd Display" panose="02020702050506020403" pitchFamily="18" charset="0"/>
               </a:rPr>
               <a:t> </a:t>
             </a:r>
@@ -3835,9 +3782,19 @@
                     <a:lumOff val="5000"/>
                   </a:schemeClr>
                 </a:solidFill>
-                <a:latin typeface="Arno Pro Smbd Display" panose="02020702050506020403" pitchFamily="18" charset="0"/>
               </a:rPr>
               <a:t>izany</a:t>
+            </a:r>
+            <a:r>
+              <a:rPr lang="en-US" sz="6600" b="1" i="1" dirty="0">
+                <a:solidFill>
+                  <a:schemeClr val="tx1">
+                    <a:lumMod val="95000"/>
+                    <a:lumOff val="5000"/>
+                  </a:schemeClr>
+                </a:solidFill>
+              </a:rPr>
+              <a:t/>
             </a:r>
             <a:br>
               <a:rPr lang="en-US" sz="6600" b="1" i="1" dirty="0">
@@ -3847,7 +3804,6 @@
                     <a:lumOff val="5000"/>
                   </a:schemeClr>
                 </a:solidFill>
-                <a:latin typeface="Arno Pro Smbd Display" panose="02020702050506020403" pitchFamily="18" charset="0"/>
               </a:rPr>
             </a:br>
             <a:r>
@@ -3858,7 +3814,6 @@
                     <a:lumOff val="5000"/>
                   </a:schemeClr>
                 </a:solidFill>
-                <a:latin typeface="Arno Pro Smbd Display" panose="02020702050506020403" pitchFamily="18" charset="0"/>
               </a:rPr>
               <a:t>Ho </a:t>
             </a:r>
@@ -3870,7 +3825,6 @@
                     <a:lumOff val="5000"/>
                   </a:schemeClr>
                 </a:solidFill>
-                <a:latin typeface="Arno Pro Smbd Display" panose="02020702050506020403" pitchFamily="18" charset="0"/>
               </a:rPr>
               <a:t>Anao</a:t>
             </a:r>
@@ -3882,7 +3836,6 @@
                     <a:lumOff val="5000"/>
                   </a:schemeClr>
                 </a:solidFill>
-                <a:latin typeface="Arno Pro Smbd Display" panose="02020702050506020403" pitchFamily="18" charset="0"/>
               </a:rPr>
               <a:t> </a:t>
             </a:r>
@@ -3894,7 +3847,6 @@
                     <a:lumOff val="5000"/>
                   </a:schemeClr>
                 </a:solidFill>
-                <a:latin typeface="Arno Pro Smbd Display" panose="02020702050506020403" pitchFamily="18" charset="0"/>
               </a:rPr>
               <a:t>tokoa</a:t>
             </a:r>
@@ -3906,7 +3858,6 @@
                     <a:lumOff val="5000"/>
                   </a:schemeClr>
                 </a:solidFill>
-                <a:latin typeface="Arno Pro Smbd Display" panose="02020702050506020403" pitchFamily="18" charset="0"/>
               </a:rPr>
               <a:t> no </a:t>
             </a:r>
@@ -3918,9 +3869,19 @@
                     <a:lumOff val="5000"/>
                   </a:schemeClr>
                 </a:solidFill>
-                <a:latin typeface="Arno Pro Smbd Display" panose="02020702050506020403" pitchFamily="18" charset="0"/>
               </a:rPr>
               <a:t>hikaloako</a:t>
+            </a:r>
+            <a:r>
+              <a:rPr lang="en-US" sz="6600" b="1" i="1" dirty="0">
+                <a:solidFill>
+                  <a:schemeClr val="tx1">
+                    <a:lumMod val="95000"/>
+                    <a:lumOff val="5000"/>
+                  </a:schemeClr>
+                </a:solidFill>
+              </a:rPr>
+              <a:t/>
             </a:r>
             <a:br>
               <a:rPr lang="en-US" sz="6600" b="1" i="1" dirty="0">
@@ -3930,7 +3891,6 @@
                     <a:lumOff val="5000"/>
                   </a:schemeClr>
                 </a:solidFill>
-                <a:latin typeface="Arno Pro Smbd Display" panose="02020702050506020403" pitchFamily="18" charset="0"/>
               </a:rPr>
             </a:br>
             <a:r>
@@ -3941,7 +3901,6 @@
                     <a:lumOff val="5000"/>
                   </a:schemeClr>
                 </a:solidFill>
-                <a:latin typeface="Arno Pro Smbd Display" panose="02020702050506020403" pitchFamily="18" charset="0"/>
               </a:rPr>
               <a:t>Raiso</a:t>
             </a:r>
@@ -3953,7 +3912,6 @@
                     <a:lumOff val="5000"/>
                   </a:schemeClr>
                 </a:solidFill>
-                <a:latin typeface="Arno Pro Smbd Display" panose="02020702050506020403" pitchFamily="18" charset="0"/>
               </a:rPr>
               <a:t> re, </a:t>
             </a:r>
@@ -3965,7 +3923,6 @@
                     <a:lumOff val="5000"/>
                   </a:schemeClr>
                 </a:solidFill>
-                <a:latin typeface="Arno Pro Smbd Display" panose="02020702050506020403" pitchFamily="18" charset="0"/>
               </a:rPr>
               <a:t>ry</a:t>
             </a:r>
@@ -3977,7 +3934,6 @@
                     <a:lumOff val="5000"/>
                   </a:schemeClr>
                 </a:solidFill>
-                <a:latin typeface="Arno Pro Smbd Display" panose="02020702050506020403" pitchFamily="18" charset="0"/>
               </a:rPr>
               <a:t> </a:t>
             </a:r>
@@ -3989,7 +3945,6 @@
                     <a:lumOff val="5000"/>
                   </a:schemeClr>
                 </a:solidFill>
-                <a:latin typeface="Arno Pro Smbd Display" panose="02020702050506020403" pitchFamily="18" charset="0"/>
               </a:rPr>
               <a:t>Tompo</a:t>
             </a:r>
@@ -4001,7 +3956,6 @@
                     <a:lumOff val="5000"/>
                   </a:schemeClr>
                 </a:solidFill>
-                <a:latin typeface="Arno Pro Smbd Display" panose="02020702050506020403" pitchFamily="18" charset="0"/>
               </a:rPr>
               <a:t>,</a:t>
             </a:r>
@@ -4013,7 +3967,6 @@
                     <a:lumOff val="5000"/>
                   </a:schemeClr>
                 </a:solidFill>
-                <a:latin typeface="Arno Pro Smbd Display" panose="02020702050506020403" pitchFamily="18" charset="0"/>
               </a:rPr>
             </a:br>
             <a:r>
@@ -4024,7 +3977,6 @@
                     <a:lumOff val="5000"/>
                   </a:schemeClr>
                 </a:solidFill>
-                <a:latin typeface="Arno Pro Smbd Display" panose="02020702050506020403" pitchFamily="18" charset="0"/>
               </a:rPr>
               <a:t>F’io</a:t>
             </a:r>
@@ -4036,7 +3988,6 @@
                     <a:lumOff val="5000"/>
                   </a:schemeClr>
                 </a:solidFill>
-                <a:latin typeface="Arno Pro Smbd Display" panose="02020702050506020403" pitchFamily="18" charset="0"/>
               </a:rPr>
               <a:t> no </a:t>
             </a:r>
@@ -4048,7 +3999,6 @@
                     <a:lumOff val="5000"/>
                   </a:schemeClr>
                 </a:solidFill>
-                <a:latin typeface="Arno Pro Smbd Display" panose="02020702050506020403" pitchFamily="18" charset="0"/>
               </a:rPr>
               <a:t>porofom-pitiavako</a:t>
             </a:r>
@@ -4060,7 +4010,6 @@
                     <a:lumOff val="5000"/>
                   </a:schemeClr>
                 </a:solidFill>
-                <a:latin typeface="Arno Pro Smbd Display" panose="02020702050506020403" pitchFamily="18" charset="0"/>
               </a:rPr>
               <a:t> </a:t>
             </a:r>
@@ -4072,7 +4021,6 @@
                     <a:lumOff val="5000"/>
                   </a:schemeClr>
                 </a:solidFill>
-                <a:latin typeface="Arno Pro Smbd Display" panose="02020702050506020403" pitchFamily="18" charset="0"/>
               </a:rPr>
               <a:t>Anao</a:t>
             </a:r>
@@ -4083,7 +4031,6 @@
                   <a:lumOff val="5000"/>
                 </a:schemeClr>
               </a:solidFill>
-              <a:latin typeface="Arno Pro Smbd Display" panose="02020702050506020403" pitchFamily="18" charset="0"/>
             </a:endParaRPr>
           </a:p>
         </p:txBody>
@@ -4121,8 +4068,8 @@
         </p:nvSpPr>
         <p:spPr>
           <a:xfrm>
-            <a:off x="0" y="1484784"/>
-            <a:ext cx="12192000" cy="4154984"/>
+            <a:off x="0" y="778634"/>
+            <a:ext cx="12192000" cy="5170646"/>
           </a:xfrm>
           <a:prstGeom prst="rect">
             <a:avLst/>
@@ -4137,182 +4084,138 @@
             <a:pPr algn="ctr"/>
             <a:r>
               <a:rPr lang="en-US" sz="6600" b="1" dirty="0"/>
-              <a:t> 2.</a:t>
-            </a:r>
-            <a:r>
-              <a:rPr lang="en-US" sz="6600" b="1" dirty="0">
-                <a:latin typeface="Arno Pro Smbd Display" panose="02020702050506020403" pitchFamily="18" charset="0"/>
-              </a:rPr>
-              <a:t>Hira </a:t>
-            </a:r>
-            <a:r>
-              <a:rPr lang="en-US" sz="6600" b="1" dirty="0" err="1">
-                <a:latin typeface="Arno Pro Smbd Display" panose="02020702050506020403" pitchFamily="18" charset="0"/>
-              </a:rPr>
+              <a:t> 2</a:t>
+            </a:r>
+            <a:r>
+              <a:rPr lang="en-US" sz="6600" b="1" dirty="0" smtClean="0"/>
+              <a:t>. </a:t>
+            </a:r>
+            <a:r>
+              <a:rPr lang="en-US" sz="6600" b="1" dirty="0" err="1" smtClean="0"/>
+              <a:t>Hira</a:t>
+            </a:r>
+            <a:r>
+              <a:rPr lang="en-US" sz="6600" b="1" dirty="0" smtClean="0"/>
+              <a:t> </a:t>
+            </a:r>
+            <a:r>
+              <a:rPr lang="en-US" sz="6600" b="1" dirty="0" err="1"/>
               <a:t>fiderana</a:t>
             </a:r>
             <a:r>
-              <a:rPr lang="en-US" sz="6600" b="1" dirty="0">
-                <a:latin typeface="Arno Pro Smbd Display" panose="02020702050506020403" pitchFamily="18" charset="0"/>
-              </a:rPr>
+              <a:rPr lang="en-US" sz="6600" b="1" dirty="0"/>
               <a:t> ho </a:t>
             </a:r>
             <a:r>
-              <a:rPr lang="en-US" sz="6600" b="1" dirty="0" err="1">
-                <a:latin typeface="Arno Pro Smbd Display" panose="02020702050506020403" pitchFamily="18" charset="0"/>
-              </a:rPr>
+              <a:rPr lang="en-US" sz="6600" b="1" dirty="0" err="1"/>
               <a:t>Anao</a:t>
             </a:r>
             <a:r>
-              <a:rPr lang="en-US" sz="6600" b="1" dirty="0">
-                <a:latin typeface="Arno Pro Smbd Display" panose="02020702050506020403" pitchFamily="18" charset="0"/>
-              </a:rPr>
-              <a:t> </a:t>
-            </a:r>
-            <a:r>
-              <a:rPr lang="en-US" sz="6600" b="1" dirty="0" err="1">
-                <a:latin typeface="Arno Pro Smbd Display" panose="02020702050506020403" pitchFamily="18" charset="0"/>
-              </a:rPr>
+              <a:rPr lang="en-US" sz="6600" b="1" dirty="0"/>
+              <a:t> </a:t>
+            </a:r>
+            <a:r>
+              <a:rPr lang="en-US" sz="6600" b="1" dirty="0" err="1"/>
               <a:t>ry</a:t>
             </a:r>
             <a:r>
-              <a:rPr lang="en-US" sz="6600" b="1" dirty="0">
-                <a:latin typeface="Arno Pro Smbd Display" panose="02020702050506020403" pitchFamily="18" charset="0"/>
-              </a:rPr>
+              <a:rPr lang="en-US" sz="6600" b="1" dirty="0"/>
               <a:t> Ray</a:t>
             </a:r>
             <a:br>
-              <a:rPr lang="en-US" sz="6600" b="1" dirty="0">
-                <a:latin typeface="Arno Pro Smbd Display" panose="02020702050506020403" pitchFamily="18" charset="0"/>
-              </a:rPr>
+              <a:rPr lang="en-US" sz="6600" b="1" dirty="0"/>
             </a:br>
             <a:r>
-              <a:rPr lang="en-US" sz="6600" b="1" dirty="0" err="1">
-                <a:latin typeface="Arno Pro Smbd Display" panose="02020702050506020403" pitchFamily="18" charset="0"/>
-              </a:rPr>
+              <a:rPr lang="en-US" sz="6600" b="1" dirty="0" err="1"/>
               <a:t>Tsy</a:t>
             </a:r>
             <a:r>
-              <a:rPr lang="en-US" sz="6600" b="1" dirty="0">
-                <a:latin typeface="Arno Pro Smbd Display" panose="02020702050506020403" pitchFamily="18" charset="0"/>
-              </a:rPr>
-              <a:t> </a:t>
-            </a:r>
-            <a:r>
-              <a:rPr lang="en-US" sz="6600" b="1" dirty="0" err="1">
-                <a:latin typeface="Arno Pro Smbd Display" panose="02020702050506020403" pitchFamily="18" charset="0"/>
-              </a:rPr>
+              <a:rPr lang="en-US" sz="6600" b="1" dirty="0"/>
+              <a:t> </a:t>
+            </a:r>
+            <a:r>
+              <a:rPr lang="en-US" sz="6600" b="1" dirty="0" err="1"/>
               <a:t>afaka</a:t>
             </a:r>
             <a:r>
-              <a:rPr lang="en-US" sz="6600" b="1" dirty="0">
-                <a:latin typeface="Arno Pro Smbd Display" panose="02020702050506020403" pitchFamily="18" charset="0"/>
-              </a:rPr>
-              <a:t> </a:t>
-            </a:r>
-            <a:r>
-              <a:rPr lang="en-US" sz="6600" b="1" dirty="0" err="1">
-                <a:latin typeface="Arno Pro Smbd Display" panose="02020702050506020403" pitchFamily="18" charset="0"/>
-              </a:rPr>
+              <a:rPr lang="en-US" sz="6600" b="1" dirty="0"/>
+              <a:t> </a:t>
+            </a:r>
+            <a:r>
+              <a:rPr lang="en-US" sz="6600" b="1" dirty="0" err="1"/>
               <a:t>ato</a:t>
             </a:r>
             <a:r>
-              <a:rPr lang="en-US" sz="6600" b="1" dirty="0">
-                <a:latin typeface="Arno Pro Smbd Display" panose="02020702050506020403" pitchFamily="18" charset="0"/>
-              </a:rPr>
+              <a:rPr lang="en-US" sz="6600" b="1" dirty="0"/>
               <a:t> am-</a:t>
             </a:r>
             <a:r>
-              <a:rPr lang="en-US" sz="6600" b="1" dirty="0" err="1">
-                <a:latin typeface="Arno Pro Smbd Display" panose="02020702050506020403" pitchFamily="18" charset="0"/>
-              </a:rPr>
+              <a:rPr lang="en-US" sz="6600" b="1" dirty="0" err="1"/>
               <a:t>bavako</a:t>
             </a:r>
             <a:r>
-              <a:rPr lang="en-US" sz="6600" b="1" dirty="0">
-                <a:latin typeface="Arno Pro Smbd Display" panose="02020702050506020403" pitchFamily="18" charset="0"/>
-              </a:rPr>
-              <a:t> </a:t>
-            </a:r>
-            <a:r>
-              <a:rPr lang="en-US" sz="6600" b="1" dirty="0" err="1">
-                <a:latin typeface="Arno Pro Smbd Display" panose="02020702050506020403" pitchFamily="18" charset="0"/>
-              </a:rPr>
+              <a:rPr lang="en-US" sz="6600" b="1" dirty="0"/>
+              <a:t> </a:t>
+            </a:r>
+            <a:r>
+              <a:rPr lang="en-US" sz="6600" b="1" dirty="0" err="1"/>
               <a:t>mandrakizay</a:t>
             </a:r>
+            <a:r>
+              <a:rPr lang="en-US" sz="6600" b="1" dirty="0"/>
+              <a:t/>
+            </a:r>
             <a:br>
-              <a:rPr lang="en-US" sz="6600" b="1" dirty="0">
-                <a:latin typeface="Arno Pro Smbd Display" panose="02020702050506020403" pitchFamily="18" charset="0"/>
-              </a:rPr>
+              <a:rPr lang="en-US" sz="6600" b="1" dirty="0"/>
             </a:br>
             <a:r>
-              <a:rPr lang="en-US" sz="6600" b="1" dirty="0" err="1">
-                <a:latin typeface="Arno Pro Smbd Display" panose="02020702050506020403" pitchFamily="18" charset="0"/>
-              </a:rPr>
+              <a:rPr lang="en-US" sz="6600" b="1" dirty="0" err="1"/>
               <a:t>Hira</a:t>
             </a:r>
             <a:r>
-              <a:rPr lang="en-US" sz="6600" b="1" dirty="0">
-                <a:latin typeface="Arno Pro Smbd Display" panose="02020702050506020403" pitchFamily="18" charset="0"/>
-              </a:rPr>
-              <a:t> </a:t>
-            </a:r>
-            <a:r>
-              <a:rPr lang="en-US" sz="6600" b="1" dirty="0" err="1">
-                <a:latin typeface="Arno Pro Smbd Display" panose="02020702050506020403" pitchFamily="18" charset="0"/>
-              </a:rPr>
+              <a:rPr lang="en-US" sz="6600" b="1" dirty="0"/>
+              <a:t> </a:t>
+            </a:r>
+            <a:r>
+              <a:rPr lang="en-US" sz="6600" b="1" dirty="0" err="1"/>
               <a:t>mampifaly</a:t>
             </a:r>
             <a:r>
-              <a:rPr lang="en-US" sz="6600" b="1" dirty="0">
-                <a:latin typeface="Arno Pro Smbd Display" panose="02020702050506020403" pitchFamily="18" charset="0"/>
-              </a:rPr>
+              <a:rPr lang="en-US" sz="6600" b="1" dirty="0"/>
               <a:t>, </a:t>
             </a:r>
             <a:r>
-              <a:rPr lang="en-US" sz="6600" b="1" dirty="0" err="1">
-                <a:latin typeface="Arno Pro Smbd Display" panose="02020702050506020403" pitchFamily="18" charset="0"/>
-              </a:rPr>
+              <a:rPr lang="en-US" sz="6600" b="1" dirty="0" err="1"/>
               <a:t>mampitony</a:t>
             </a:r>
             <a:r>
-              <a:rPr lang="en-US" sz="6600" b="1" dirty="0">
-                <a:latin typeface="Arno Pro Smbd Display" panose="02020702050506020403" pitchFamily="18" charset="0"/>
-              </a:rPr>
-              <a:t> </a:t>
-            </a:r>
-            <a:r>
-              <a:rPr lang="en-US" sz="6600" b="1" dirty="0" err="1">
-                <a:latin typeface="Arno Pro Smbd Display" panose="02020702050506020403" pitchFamily="18" charset="0"/>
-              </a:rPr>
+              <a:rPr lang="en-US" sz="6600" b="1" dirty="0"/>
+              <a:t> </a:t>
+            </a:r>
+            <a:r>
+              <a:rPr lang="en-US" sz="6600" b="1" dirty="0" err="1"/>
               <a:t>jaly</a:t>
             </a:r>
+            <a:r>
+              <a:rPr lang="en-US" sz="6600" b="1" dirty="0"/>
+              <a:t/>
+            </a:r>
             <a:br>
-              <a:rPr lang="en-US" sz="6600" b="1" dirty="0">
-                <a:latin typeface="Arno Pro Smbd Display" panose="02020702050506020403" pitchFamily="18" charset="0"/>
-              </a:rPr>
+              <a:rPr lang="en-US" sz="6600" b="1" dirty="0"/>
             </a:br>
             <a:r>
-              <a:rPr lang="en-US" sz="6600" b="1" dirty="0" err="1">
-                <a:latin typeface="Arno Pro Smbd Display" panose="02020702050506020403" pitchFamily="18" charset="0"/>
-              </a:rPr>
+              <a:rPr lang="en-US" sz="6600" b="1" dirty="0" err="1"/>
               <a:t>Mampiravoravo</a:t>
             </a:r>
             <a:r>
-              <a:rPr lang="en-US" sz="6600" b="1" dirty="0">
-                <a:latin typeface="Arno Pro Smbd Display" panose="02020702050506020403" pitchFamily="18" charset="0"/>
-              </a:rPr>
-              <a:t> </a:t>
-            </a:r>
-            <a:r>
-              <a:rPr lang="en-US" sz="6600" b="1" dirty="0" err="1">
-                <a:latin typeface="Arno Pro Smbd Display" panose="02020702050506020403" pitchFamily="18" charset="0"/>
-              </a:rPr>
+              <a:rPr lang="en-US" sz="6600" b="1" dirty="0"/>
+              <a:t> </a:t>
+            </a:r>
+            <a:r>
+              <a:rPr lang="en-US" sz="6600" b="1" dirty="0" err="1"/>
               <a:t>fo</a:t>
             </a:r>
-            <a:endParaRPr lang="fr-FR" sz="6600" b="1" dirty="0">
-              <a:latin typeface="Arno Pro Smbd Display" panose="02020702050506020403" pitchFamily="18" charset="0"/>
-            </a:endParaRPr>
+            <a:endParaRPr lang="fr-FR" sz="6600" b="1" dirty="0"/>
           </a:p>
         </p:txBody>
       </p:sp>
@@ -4349,8 +4252,8 @@
         </p:nvSpPr>
         <p:spPr>
           <a:xfrm>
-            <a:off x="0" y="1412776"/>
-            <a:ext cx="12192000" cy="4154984"/>
+            <a:off x="0" y="836712"/>
+            <a:ext cx="12192000" cy="5170646"/>
           </a:xfrm>
           <a:prstGeom prst="rect">
             <a:avLst/>
@@ -4364,215 +4267,159 @@
           <a:p>
             <a:pPr algn="ctr"/>
             <a:r>
-              <a:rPr lang="en-US" sz="6600" b="1" dirty="0" err="1">
-                <a:latin typeface="Arno Pro Smbd Display" panose="02020702050506020403" pitchFamily="18" charset="0"/>
-              </a:rPr>
+              <a:rPr lang="en-US" sz="6600" b="1" dirty="0" err="1"/>
               <a:t>Ny</a:t>
             </a:r>
             <a:r>
-              <a:rPr lang="en-US" sz="6600" b="1" dirty="0">
-                <a:latin typeface="Arno Pro Smbd Display" panose="02020702050506020403" pitchFamily="18" charset="0"/>
-              </a:rPr>
-              <a:t> </a:t>
-            </a:r>
-            <a:r>
-              <a:rPr lang="en-US" sz="6600" b="1" dirty="0" err="1">
-                <a:latin typeface="Arno Pro Smbd Display" panose="02020702050506020403" pitchFamily="18" charset="0"/>
-              </a:rPr>
+              <a:rPr lang="en-US" sz="6600" b="1" dirty="0"/>
+              <a:t> </a:t>
+            </a:r>
+            <a:r>
+              <a:rPr lang="en-US" sz="6600" b="1" dirty="0" err="1"/>
               <a:t>talenta</a:t>
             </a:r>
             <a:r>
-              <a:rPr lang="en-US" sz="6600" b="1" dirty="0">
-                <a:latin typeface="Arno Pro Smbd Display" panose="02020702050506020403" pitchFamily="18" charset="0"/>
-              </a:rPr>
-              <a:t> </a:t>
-            </a:r>
-            <a:r>
-              <a:rPr lang="en-US" sz="6600" b="1" dirty="0" err="1">
-                <a:latin typeface="Arno Pro Smbd Display" panose="02020702050506020403" pitchFamily="18" charset="0"/>
-              </a:rPr>
+              <a:rPr lang="en-US" sz="6600" b="1" dirty="0"/>
+              <a:t> </a:t>
+            </a:r>
+            <a:r>
+              <a:rPr lang="en-US" sz="6600" b="1" dirty="0" err="1"/>
               <a:t>izay</a:t>
             </a:r>
             <a:r>
-              <a:rPr lang="en-US" sz="6600" b="1" dirty="0">
-                <a:latin typeface="Arno Pro Smbd Display" panose="02020702050506020403" pitchFamily="18" charset="0"/>
-              </a:rPr>
-              <a:t> </a:t>
-            </a:r>
-            <a:r>
-              <a:rPr lang="en-US" sz="6600" b="1" dirty="0" err="1">
-                <a:latin typeface="Arno Pro Smbd Display" panose="02020702050506020403" pitchFamily="18" charset="0"/>
-              </a:rPr>
+              <a:rPr lang="en-US" sz="6600" b="1" dirty="0"/>
+              <a:t> </a:t>
+            </a:r>
+            <a:r>
+              <a:rPr lang="en-US" sz="6600" b="1" dirty="0" err="1"/>
               <a:t>efa</a:t>
             </a:r>
             <a:r>
-              <a:rPr lang="en-US" sz="6600" b="1" dirty="0">
-                <a:latin typeface="Arno Pro Smbd Display" panose="02020702050506020403" pitchFamily="18" charset="0"/>
-              </a:rPr>
-              <a:t> </a:t>
-            </a:r>
-            <a:r>
-              <a:rPr lang="en-US" sz="6600" b="1" dirty="0" err="1">
-                <a:latin typeface="Arno Pro Smbd Display" panose="02020702050506020403" pitchFamily="18" charset="0"/>
-              </a:rPr>
+              <a:rPr lang="en-US" sz="6600" b="1" dirty="0"/>
+              <a:t> </a:t>
+            </a:r>
+            <a:r>
+              <a:rPr lang="en-US" sz="6600" b="1" dirty="0" err="1"/>
               <a:t>nomenao</a:t>
             </a:r>
             <a:r>
-              <a:rPr lang="en-US" sz="6600" b="1" dirty="0">
-                <a:latin typeface="Arno Pro Smbd Display" panose="02020702050506020403" pitchFamily="18" charset="0"/>
-              </a:rPr>
-              <a:t> </a:t>
-            </a:r>
-            <a:r>
-              <a:rPr lang="en-US" sz="6600" b="1" dirty="0" err="1">
-                <a:latin typeface="Arno Pro Smbd Display" panose="02020702050506020403" pitchFamily="18" charset="0"/>
-              </a:rPr>
+              <a:rPr lang="en-US" sz="6600" b="1" dirty="0"/>
+              <a:t> </a:t>
+            </a:r>
+            <a:r>
+              <a:rPr lang="en-US" sz="6600" b="1" dirty="0" err="1"/>
               <a:t>ahy</a:t>
             </a:r>
+            <a:r>
+              <a:rPr lang="en-US" sz="6600" b="1" dirty="0"/>
+              <a:t/>
+            </a:r>
             <a:br>
-              <a:rPr lang="en-US" sz="6600" b="1" dirty="0">
-                <a:latin typeface="Arno Pro Smbd Display" panose="02020702050506020403" pitchFamily="18" charset="0"/>
-              </a:rPr>
+              <a:rPr lang="en-US" sz="6600" b="1" dirty="0"/>
             </a:br>
             <a:r>
-              <a:rPr lang="en-US" sz="6600" b="1" dirty="0" err="1">
-                <a:latin typeface="Arno Pro Smbd Display" panose="02020702050506020403" pitchFamily="18" charset="0"/>
-              </a:rPr>
+              <a:rPr lang="en-US" sz="6600" b="1" dirty="0" err="1"/>
               <a:t>Hiderako</a:t>
             </a:r>
             <a:r>
-              <a:rPr lang="en-US" sz="6600" b="1" dirty="0">
-                <a:latin typeface="Arno Pro Smbd Display" panose="02020702050506020403" pitchFamily="18" charset="0"/>
-              </a:rPr>
-              <a:t> </a:t>
-            </a:r>
-            <a:r>
-              <a:rPr lang="en-US" sz="6600" b="1" dirty="0" err="1">
-                <a:latin typeface="Arno Pro Smbd Display" panose="02020702050506020403" pitchFamily="18" charset="0"/>
-              </a:rPr>
+              <a:rPr lang="en-US" sz="6600" b="1" dirty="0"/>
+              <a:t> </a:t>
+            </a:r>
+            <a:r>
+              <a:rPr lang="en-US" sz="6600" b="1" dirty="0" err="1"/>
               <a:t>Anao</a:t>
             </a:r>
             <a:r>
-              <a:rPr lang="en-US" sz="6600" b="1" dirty="0">
-                <a:latin typeface="Arno Pro Smbd Display" panose="02020702050506020403" pitchFamily="18" charset="0"/>
-              </a:rPr>
-              <a:t> </a:t>
-            </a:r>
-            <a:r>
-              <a:rPr lang="en-US" sz="6600" b="1" dirty="0" err="1">
-                <a:latin typeface="Arno Pro Smbd Display" panose="02020702050506020403" pitchFamily="18" charset="0"/>
-              </a:rPr>
+              <a:rPr lang="en-US" sz="6600" b="1" dirty="0"/>
+              <a:t> </a:t>
+            </a:r>
+            <a:r>
+              <a:rPr lang="en-US" sz="6600" b="1" dirty="0" err="1"/>
               <a:t>n’aiza</a:t>
             </a:r>
             <a:r>
-              <a:rPr lang="en-US" sz="6600" b="1" dirty="0">
-                <a:latin typeface="Arno Pro Smbd Display" panose="02020702050506020403" pitchFamily="18" charset="0"/>
-              </a:rPr>
-              <a:t> </a:t>
-            </a:r>
-            <a:r>
-              <a:rPr lang="en-US" sz="6600" b="1" dirty="0" err="1">
-                <a:latin typeface="Arno Pro Smbd Display" panose="02020702050506020403" pitchFamily="18" charset="0"/>
-              </a:rPr>
+              <a:rPr lang="en-US" sz="6600" b="1" dirty="0"/>
+              <a:t> </a:t>
+            </a:r>
+            <a:r>
+              <a:rPr lang="en-US" sz="6600" b="1" dirty="0" err="1"/>
               <a:t>misy</a:t>
             </a:r>
             <a:r>
-              <a:rPr lang="en-US" sz="6600" b="1" dirty="0">
-                <a:latin typeface="Arno Pro Smbd Display" panose="02020702050506020403" pitchFamily="18" charset="0"/>
-              </a:rPr>
-              <a:t> </a:t>
-            </a:r>
-            <a:r>
-              <a:rPr lang="en-US" sz="6600" b="1" dirty="0" err="1">
-                <a:latin typeface="Arno Pro Smbd Display" panose="02020702050506020403" pitchFamily="18" charset="0"/>
-              </a:rPr>
+              <a:rPr lang="en-US" sz="6600" b="1" dirty="0"/>
+              <a:t> </a:t>
+            </a:r>
+            <a:r>
+              <a:rPr lang="en-US" sz="6600" b="1" dirty="0" err="1"/>
               <a:t>ahy</a:t>
             </a:r>
+            <a:r>
+              <a:rPr lang="en-US" sz="6600" b="1" dirty="0"/>
+              <a:t/>
+            </a:r>
             <a:br>
-              <a:rPr lang="en-US" sz="6600" b="1" dirty="0">
-                <a:latin typeface="Arno Pro Smbd Display" panose="02020702050506020403" pitchFamily="18" charset="0"/>
-              </a:rPr>
+              <a:rPr lang="en-US" sz="6600" b="1" dirty="0"/>
             </a:br>
             <a:r>
-              <a:rPr lang="en-US" sz="6600" b="1" dirty="0" err="1">
-                <a:latin typeface="Arno Pro Smbd Display" panose="02020702050506020403" pitchFamily="18" charset="0"/>
-              </a:rPr>
+              <a:rPr lang="en-US" sz="6600" b="1" dirty="0" err="1"/>
               <a:t>Mba</a:t>
             </a:r>
             <a:r>
-              <a:rPr lang="en-US" sz="6600" b="1" dirty="0">
-                <a:latin typeface="Arno Pro Smbd Display" panose="02020702050506020403" pitchFamily="18" charset="0"/>
-              </a:rPr>
-              <a:t> </a:t>
-            </a:r>
-            <a:r>
-              <a:rPr lang="en-US" sz="6600" b="1" dirty="0" err="1">
-                <a:latin typeface="Arno Pro Smbd Display" panose="02020702050506020403" pitchFamily="18" charset="0"/>
-              </a:rPr>
+              <a:rPr lang="en-US" sz="6600" b="1" dirty="0"/>
+              <a:t> </a:t>
+            </a:r>
+            <a:r>
+              <a:rPr lang="en-US" sz="6600" b="1" dirty="0" err="1"/>
               <a:t>hamelon’aina</a:t>
             </a:r>
             <a:r>
-              <a:rPr lang="en-US" sz="6600" b="1" dirty="0">
-                <a:latin typeface="Arno Pro Smbd Display" panose="02020702050506020403" pitchFamily="18" charset="0"/>
-              </a:rPr>
+              <a:rPr lang="en-US" sz="6600" b="1" dirty="0"/>
               <a:t>, </a:t>
             </a:r>
-            <a:r>
-              <a:rPr lang="en-US" sz="6600" b="1" dirty="0" err="1">
-                <a:latin typeface="Arno Pro Smbd Display" panose="02020702050506020403" pitchFamily="18" charset="0"/>
-              </a:rPr>
+            <a:endParaRPr lang="en-US" sz="6600" b="1" dirty="0" smtClean="0"/>
+          </a:p>
+          <a:p>
+            <a:pPr algn="ctr"/>
+            <a:r>
+              <a:rPr lang="en-US" sz="6600" b="1" dirty="0" err="1" smtClean="0"/>
               <a:t>hampitony</a:t>
             </a:r>
             <a:r>
-              <a:rPr lang="en-US" sz="6600" b="1" dirty="0">
-                <a:latin typeface="Arno Pro Smbd Display" panose="02020702050506020403" pitchFamily="18" charset="0"/>
-              </a:rPr>
-              <a:t> </a:t>
-            </a:r>
-            <a:r>
-              <a:rPr lang="en-US" sz="6600" b="1" dirty="0" err="1">
-                <a:latin typeface="Arno Pro Smbd Display" panose="02020702050506020403" pitchFamily="18" charset="0"/>
-              </a:rPr>
+              <a:rPr lang="en-US" sz="6600" b="1" dirty="0" smtClean="0"/>
+              <a:t> </a:t>
+            </a:r>
+            <a:r>
+              <a:rPr lang="en-US" sz="6600" b="1" dirty="0" err="1"/>
               <a:t>saina</a:t>
             </a:r>
+            <a:r>
+              <a:rPr lang="en-US" sz="6600" b="1" dirty="0"/>
+              <a:t/>
+            </a:r>
             <a:br>
-              <a:rPr lang="en-US" sz="6600" b="1" dirty="0">
-                <a:latin typeface="Arno Pro Smbd Display" panose="02020702050506020403" pitchFamily="18" charset="0"/>
-              </a:rPr>
+              <a:rPr lang="en-US" sz="6600" b="1" dirty="0"/>
             </a:br>
             <a:r>
-              <a:rPr lang="en-US" sz="6600" b="1" dirty="0" err="1">
-                <a:latin typeface="Arno Pro Smbd Display" panose="02020702050506020403" pitchFamily="18" charset="0"/>
-              </a:rPr>
+              <a:rPr lang="en-US" sz="6600" b="1" dirty="0" err="1"/>
               <a:t>Hampiray</a:t>
             </a:r>
             <a:r>
-              <a:rPr lang="en-US" sz="6600" b="1" dirty="0">
-                <a:latin typeface="Arno Pro Smbd Display" panose="02020702050506020403" pitchFamily="18" charset="0"/>
-              </a:rPr>
-              <a:t> </a:t>
-            </a:r>
-            <a:r>
-              <a:rPr lang="en-US" sz="6600" b="1" dirty="0" err="1">
-                <a:latin typeface="Arno Pro Smbd Display" panose="02020702050506020403" pitchFamily="18" charset="0"/>
-              </a:rPr>
+              <a:rPr lang="en-US" sz="6600" b="1" dirty="0"/>
+              <a:t> </a:t>
+            </a:r>
+            <a:r>
+              <a:rPr lang="en-US" sz="6600" b="1" dirty="0" err="1"/>
               <a:t>ny</a:t>
             </a:r>
             <a:r>
-              <a:rPr lang="en-US" sz="6600" b="1" dirty="0">
-                <a:latin typeface="Arno Pro Smbd Display" panose="02020702050506020403" pitchFamily="18" charset="0"/>
-              </a:rPr>
-              <a:t> </a:t>
-            </a:r>
-            <a:r>
-              <a:rPr lang="en-US" sz="6600" b="1" dirty="0" err="1">
-                <a:latin typeface="Arno Pro Smbd Display" panose="02020702050506020403" pitchFamily="18" charset="0"/>
-              </a:rPr>
+              <a:rPr lang="en-US" sz="6600" b="1" dirty="0"/>
+              <a:t> </a:t>
+            </a:r>
+            <a:r>
+              <a:rPr lang="en-US" sz="6600" b="1" dirty="0" err="1"/>
               <a:t>miaina</a:t>
             </a:r>
-            <a:endParaRPr lang="fr-FR" sz="6600" b="1" dirty="0">
-              <a:latin typeface="Arno Pro Smbd Display" panose="02020702050506020403" pitchFamily="18" charset="0"/>
-            </a:endParaRPr>
+            <a:endParaRPr lang="fr-FR" sz="6600" b="1" dirty="0"/>
           </a:p>
         </p:txBody>
       </p:sp>
@@ -4615,7 +4462,7 @@
         <p:spPr>
           <a:xfrm>
             <a:off x="-8914" y="260648"/>
-            <a:ext cx="12192000" cy="4154984"/>
+            <a:ext cx="12192000" cy="6186309"/>
           </a:xfrm>
           <a:prstGeom prst="rect">
             <a:avLst/>
@@ -4629,257 +4476,191 @@
           <a:p>
             <a:pPr lvl="1" algn="ctr"/>
             <a:r>
-              <a:rPr lang="en-US" sz="6600" b="1" i="1" dirty="0" err="1">
-                <a:latin typeface="Arno Pro Smbd Display" panose="02020702050506020403" pitchFamily="18" charset="0"/>
-              </a:rPr>
+              <a:rPr lang="en-US" sz="6600" b="1" i="1" dirty="0" err="1"/>
               <a:t>Hira</a:t>
             </a:r>
             <a:r>
-              <a:rPr lang="en-US" sz="6600" b="1" i="1" dirty="0">
-                <a:latin typeface="Arno Pro Smbd Display" panose="02020702050506020403" pitchFamily="18" charset="0"/>
-              </a:rPr>
-              <a:t> </a:t>
-            </a:r>
-            <a:r>
-              <a:rPr lang="en-US" sz="6600" b="1" i="1" dirty="0" err="1">
-                <a:latin typeface="Arno Pro Smbd Display" panose="02020702050506020403" pitchFamily="18" charset="0"/>
-              </a:rPr>
+              <a:rPr lang="en-US" sz="6600" b="1" i="1" dirty="0"/>
+              <a:t> </a:t>
+            </a:r>
+            <a:r>
+              <a:rPr lang="en-US" sz="6600" b="1" i="1" dirty="0" err="1"/>
               <a:t>avy</a:t>
             </a:r>
             <a:r>
-              <a:rPr lang="en-US" sz="6600" b="1" i="1" dirty="0">
-                <a:latin typeface="Arno Pro Smbd Display" panose="02020702050506020403" pitchFamily="18" charset="0"/>
-              </a:rPr>
-              <a:t> </a:t>
-            </a:r>
-            <a:r>
-              <a:rPr lang="en-US" sz="6600" b="1" i="1" dirty="0" err="1">
-                <a:latin typeface="Arno Pro Smbd Display" panose="02020702050506020403" pitchFamily="18" charset="0"/>
-              </a:rPr>
+              <a:rPr lang="en-US" sz="6600" b="1" i="1" dirty="0"/>
+              <a:t> </a:t>
+            </a:r>
+            <a:r>
+              <a:rPr lang="en-US" sz="6600" b="1" i="1" dirty="0" err="1"/>
               <a:t>ato</a:t>
             </a:r>
             <a:r>
-              <a:rPr lang="en-US" sz="6600" b="1" i="1" dirty="0">
-                <a:latin typeface="Arno Pro Smbd Display" panose="02020702050506020403" pitchFamily="18" charset="0"/>
-              </a:rPr>
+              <a:rPr lang="en-US" sz="6600" b="1" i="1" dirty="0"/>
               <a:t> am-</a:t>
             </a:r>
             <a:r>
-              <a:rPr lang="en-US" sz="6600" b="1" i="1" dirty="0" err="1">
-                <a:latin typeface="Arno Pro Smbd Display" panose="02020702050506020403" pitchFamily="18" charset="0"/>
-              </a:rPr>
+              <a:rPr lang="en-US" sz="6600" b="1" i="1" dirty="0" err="1"/>
               <a:t>poko</a:t>
             </a:r>
             <a:r>
-              <a:rPr lang="en-US" sz="6600" b="1" i="1" dirty="0">
-                <a:latin typeface="Arno Pro Smbd Display" panose="02020702050506020403" pitchFamily="18" charset="0"/>
-              </a:rPr>
+              <a:rPr lang="en-US" sz="6600" b="1" i="1" dirty="0"/>
               <a:t>, </a:t>
             </a:r>
-            <a:r>
-              <a:rPr lang="en-US" sz="6600" b="1" i="1" dirty="0" err="1">
-                <a:latin typeface="Arno Pro Smbd Display" panose="02020702050506020403" pitchFamily="18" charset="0"/>
-              </a:rPr>
+            <a:endParaRPr lang="en-US" sz="6600" b="1" i="1" dirty="0" smtClean="0"/>
+          </a:p>
+          <a:p>
+            <a:pPr lvl="1" algn="ctr"/>
+            <a:r>
+              <a:rPr lang="en-US" sz="6600" b="1" i="1" dirty="0" err="1" smtClean="0"/>
               <a:t>indro</a:t>
             </a:r>
             <a:r>
-              <a:rPr lang="en-US" sz="6600" b="1" i="1" dirty="0">
-                <a:latin typeface="Arno Pro Smbd Display" panose="02020702050506020403" pitchFamily="18" charset="0"/>
-              </a:rPr>
-              <a:t> </a:t>
-            </a:r>
-            <a:r>
-              <a:rPr lang="en-US" sz="6600" b="1" i="1" dirty="0" err="1">
-                <a:latin typeface="Arno Pro Smbd Display" panose="02020702050506020403" pitchFamily="18" charset="0"/>
-              </a:rPr>
+              <a:rPr lang="en-US" sz="6600" b="1" i="1" dirty="0" smtClean="0"/>
+              <a:t> </a:t>
+            </a:r>
+            <a:r>
+              <a:rPr lang="en-US" sz="6600" b="1" i="1" dirty="0" err="1"/>
               <a:t>fa</a:t>
             </a:r>
             <a:r>
-              <a:rPr lang="en-US" sz="6600" b="1" i="1" dirty="0">
-                <a:latin typeface="Arno Pro Smbd Display" panose="02020702050506020403" pitchFamily="18" charset="0"/>
-              </a:rPr>
-              <a:t> </a:t>
-            </a:r>
-            <a:r>
-              <a:rPr lang="en-US" sz="6600" b="1" i="1" dirty="0" err="1">
-                <a:latin typeface="Arno Pro Smbd Display" panose="02020702050506020403" pitchFamily="18" charset="0"/>
-              </a:rPr>
+              <a:rPr lang="en-US" sz="6600" b="1" i="1" dirty="0"/>
+              <a:t> </a:t>
+            </a:r>
+            <a:r>
+              <a:rPr lang="en-US" sz="6600" b="1" i="1" dirty="0" err="1"/>
               <a:t>vetsoiko</a:t>
             </a:r>
+            <a:r>
+              <a:rPr lang="en-US" sz="6600" b="1" i="1" dirty="0"/>
+              <a:t/>
+            </a:r>
             <a:br>
-              <a:rPr lang="en-US" sz="6600" b="1" i="1" dirty="0">
-                <a:latin typeface="Arno Pro Smbd Display" panose="02020702050506020403" pitchFamily="18" charset="0"/>
-              </a:rPr>
+              <a:rPr lang="en-US" sz="6600" b="1" i="1" dirty="0"/>
             </a:br>
             <a:r>
-              <a:rPr lang="en-US" sz="6600" b="1" i="1" dirty="0">
-                <a:latin typeface="Arno Pro Smbd Display" panose="02020702050506020403" pitchFamily="18" charset="0"/>
-              </a:rPr>
+              <a:rPr lang="en-US" sz="6600" b="1" i="1" dirty="0"/>
               <a:t>Ho </a:t>
             </a:r>
             <a:r>
-              <a:rPr lang="en-US" sz="6600" b="1" i="1" dirty="0" err="1">
-                <a:latin typeface="Arno Pro Smbd Display" panose="02020702050506020403" pitchFamily="18" charset="0"/>
-              </a:rPr>
+              <a:rPr lang="en-US" sz="6600" b="1" i="1" dirty="0" err="1"/>
               <a:t>Anao</a:t>
             </a:r>
             <a:r>
-              <a:rPr lang="en-US" sz="6600" b="1" i="1" dirty="0">
-                <a:latin typeface="Arno Pro Smbd Display" panose="02020702050506020403" pitchFamily="18" charset="0"/>
-              </a:rPr>
-              <a:t> </a:t>
-            </a:r>
-            <a:r>
-              <a:rPr lang="en-US" sz="6600" b="1" i="1" dirty="0" err="1">
-                <a:latin typeface="Arno Pro Smbd Display" panose="02020702050506020403" pitchFamily="18" charset="0"/>
-              </a:rPr>
+              <a:rPr lang="en-US" sz="6600" b="1" i="1" dirty="0"/>
+              <a:t> </a:t>
+            </a:r>
+            <a:r>
+              <a:rPr lang="en-US" sz="6600" b="1" i="1" dirty="0" err="1"/>
               <a:t>ry</a:t>
             </a:r>
             <a:r>
-              <a:rPr lang="en-US" sz="6600" b="1" i="1" dirty="0">
-                <a:latin typeface="Arno Pro Smbd Display" panose="02020702050506020403" pitchFamily="18" charset="0"/>
-              </a:rPr>
-              <a:t> </a:t>
-            </a:r>
-            <a:r>
-              <a:rPr lang="en-US" sz="6600" b="1" i="1" dirty="0" err="1">
-                <a:latin typeface="Arno Pro Smbd Display" panose="02020702050506020403" pitchFamily="18" charset="0"/>
-              </a:rPr>
+              <a:rPr lang="en-US" sz="6600" b="1" i="1" dirty="0"/>
+              <a:t> </a:t>
+            </a:r>
+            <a:r>
+              <a:rPr lang="en-US" sz="6600" b="1" i="1" dirty="0" err="1"/>
               <a:t>Raiko</a:t>
             </a:r>
             <a:r>
-              <a:rPr lang="en-US" sz="6600" b="1" i="1" dirty="0">
-                <a:latin typeface="Arno Pro Smbd Display" panose="02020702050506020403" pitchFamily="18" charset="0"/>
-              </a:rPr>
-              <a:t> </a:t>
-            </a:r>
-            <a:r>
-              <a:rPr lang="en-US" sz="6600" b="1" i="1" dirty="0" err="1">
-                <a:latin typeface="Arno Pro Smbd Display" panose="02020702050506020403" pitchFamily="18" charset="0"/>
-              </a:rPr>
+              <a:rPr lang="en-US" sz="6600" b="1" i="1" dirty="0"/>
+              <a:t> </a:t>
+            </a:r>
+            <a:r>
+              <a:rPr lang="en-US" sz="6600" b="1" i="1" dirty="0" err="1"/>
               <a:t>izay</a:t>
             </a:r>
             <a:r>
-              <a:rPr lang="en-US" sz="6600" b="1" i="1" dirty="0">
-                <a:latin typeface="Arno Pro Smbd Display" panose="02020702050506020403" pitchFamily="18" charset="0"/>
-              </a:rPr>
-              <a:t> </a:t>
-            </a:r>
-            <a:r>
-              <a:rPr lang="en-US" sz="6600" b="1" i="1" dirty="0" err="1">
-                <a:latin typeface="Arno Pro Smbd Display" panose="02020702050506020403" pitchFamily="18" charset="0"/>
-              </a:rPr>
+              <a:rPr lang="en-US" sz="6600" b="1" i="1" dirty="0"/>
+              <a:t> </a:t>
+            </a:r>
+            <a:r>
+              <a:rPr lang="en-US" sz="6600" b="1" i="1" dirty="0" err="1"/>
               <a:t>antsoiko</a:t>
             </a:r>
+            <a:r>
+              <a:rPr lang="en-US" sz="6600" b="1" i="1" dirty="0"/>
+              <a:t/>
+            </a:r>
             <a:br>
-              <a:rPr lang="en-US" sz="6600" b="1" i="1" dirty="0">
-                <a:latin typeface="Arno Pro Smbd Display" panose="02020702050506020403" pitchFamily="18" charset="0"/>
-              </a:rPr>
+              <a:rPr lang="en-US" sz="6600" b="1" i="1" dirty="0"/>
             </a:br>
             <a:r>
-              <a:rPr lang="en-US" sz="6600" b="1" i="1" dirty="0" err="1">
-                <a:latin typeface="Arno Pro Smbd Display" panose="02020702050506020403" pitchFamily="18" charset="0"/>
-              </a:rPr>
+              <a:rPr lang="en-US" sz="6600" b="1" i="1" dirty="0" err="1"/>
               <a:t>Hira</a:t>
             </a:r>
             <a:r>
-              <a:rPr lang="en-US" sz="6600" b="1" i="1" dirty="0">
-                <a:latin typeface="Arno Pro Smbd Display" panose="02020702050506020403" pitchFamily="18" charset="0"/>
-              </a:rPr>
-              <a:t> </a:t>
-            </a:r>
-            <a:r>
-              <a:rPr lang="en-US" sz="6600" b="1" i="1" dirty="0" err="1">
-                <a:latin typeface="Arno Pro Smbd Display" panose="02020702050506020403" pitchFamily="18" charset="0"/>
-              </a:rPr>
+              <a:rPr lang="en-US" sz="6600" b="1" i="1" dirty="0"/>
+              <a:t> </a:t>
+            </a:r>
+            <a:r>
+              <a:rPr lang="en-US" sz="6600" b="1" i="1" dirty="0" err="1"/>
               <a:t>tena</a:t>
             </a:r>
             <a:r>
-              <a:rPr lang="en-US" sz="6600" b="1" i="1" dirty="0">
-                <a:latin typeface="Arno Pro Smbd Display" panose="02020702050506020403" pitchFamily="18" charset="0"/>
-              </a:rPr>
-              <a:t> </a:t>
-            </a:r>
-            <a:r>
-              <a:rPr lang="en-US" sz="6600" b="1" i="1" dirty="0" err="1">
-                <a:latin typeface="Arno Pro Smbd Display" panose="02020702050506020403" pitchFamily="18" charset="0"/>
-              </a:rPr>
+              <a:rPr lang="en-US" sz="6600" b="1" i="1" dirty="0"/>
+              <a:t> </a:t>
+            </a:r>
+            <a:r>
+              <a:rPr lang="en-US" sz="6600" b="1" i="1" dirty="0" err="1"/>
               <a:t>mamy</a:t>
             </a:r>
             <a:r>
-              <a:rPr lang="en-US" sz="6600" b="1" i="1" dirty="0">
-                <a:latin typeface="Arno Pro Smbd Display" panose="02020702050506020403" pitchFamily="18" charset="0"/>
-              </a:rPr>
+              <a:rPr lang="en-US" sz="6600" b="1" i="1" dirty="0"/>
               <a:t>, </a:t>
             </a:r>
-            <a:r>
-              <a:rPr lang="en-US" sz="6600" b="1" i="1" dirty="0" err="1">
-                <a:latin typeface="Arno Pro Smbd Display" panose="02020702050506020403" pitchFamily="18" charset="0"/>
-              </a:rPr>
+            <a:endParaRPr lang="en-US" sz="6600" b="1" i="1" dirty="0" smtClean="0"/>
+          </a:p>
+          <a:p>
+            <a:pPr lvl="1" algn="ctr"/>
+            <a:r>
+              <a:rPr lang="en-US" sz="6600" b="1" i="1" dirty="0" err="1" smtClean="0"/>
               <a:t>manambara</a:t>
             </a:r>
             <a:r>
-              <a:rPr lang="en-US" sz="6600" b="1" i="1" dirty="0">
-                <a:latin typeface="Arno Pro Smbd Display" panose="02020702050506020403" pitchFamily="18" charset="0"/>
-              </a:rPr>
-              <a:t> </a:t>
-            </a:r>
-            <a:r>
-              <a:rPr lang="en-US" sz="6600" b="1" i="1" dirty="0" err="1">
-                <a:latin typeface="Arno Pro Smbd Display" panose="02020702050506020403" pitchFamily="18" charset="0"/>
-              </a:rPr>
+              <a:rPr lang="en-US" sz="6600" b="1" i="1" dirty="0" smtClean="0"/>
+              <a:t> </a:t>
+            </a:r>
+            <a:r>
+              <a:rPr lang="en-US" sz="6600" b="1" i="1" dirty="0" err="1"/>
               <a:t>hatrany</a:t>
             </a:r>
+            <a:r>
+              <a:rPr lang="en-US" sz="6600" b="1" i="1" dirty="0"/>
+              <a:t/>
+            </a:r>
             <a:br>
-              <a:rPr lang="en-US" sz="6600" b="1" i="1" dirty="0">
-                <a:latin typeface="Arno Pro Smbd Display" panose="02020702050506020403" pitchFamily="18" charset="0"/>
-              </a:rPr>
+              <a:rPr lang="en-US" sz="6600" b="1" i="1" dirty="0"/>
             </a:br>
             <a:r>
-              <a:rPr lang="en-US" sz="6600" b="1" i="1" dirty="0" err="1">
-                <a:latin typeface="Arno Pro Smbd Display" panose="02020702050506020403" pitchFamily="18" charset="0"/>
-              </a:rPr>
+              <a:rPr lang="en-US" sz="6600" b="1" i="1" dirty="0" err="1"/>
               <a:t>Fa</a:t>
             </a:r>
             <a:r>
-              <a:rPr lang="en-US" sz="6600" b="1" i="1" dirty="0">
-                <a:latin typeface="Arno Pro Smbd Display" panose="02020702050506020403" pitchFamily="18" charset="0"/>
-              </a:rPr>
-              <a:t> </a:t>
-            </a:r>
-            <a:r>
-              <a:rPr lang="en-US" sz="6600" b="1" i="1" dirty="0" err="1">
-                <a:latin typeface="Arno Pro Smbd Display" panose="02020702050506020403" pitchFamily="18" charset="0"/>
-              </a:rPr>
+              <a:rPr lang="en-US" sz="6600" b="1" i="1" dirty="0"/>
+              <a:t> </a:t>
+            </a:r>
+            <a:r>
+              <a:rPr lang="en-US" sz="6600" b="1" i="1" dirty="0" err="1"/>
               <a:t>tena</a:t>
             </a:r>
             <a:r>
-              <a:rPr lang="en-US" sz="6600" b="1" i="1" dirty="0">
-                <a:latin typeface="Arno Pro Smbd Display" panose="02020702050506020403" pitchFamily="18" charset="0"/>
-              </a:rPr>
-              <a:t> </a:t>
-            </a:r>
-            <a:r>
-              <a:rPr lang="en-US" sz="6600" b="1" i="1" dirty="0" err="1">
-                <a:latin typeface="Arno Pro Smbd Display" panose="02020702050506020403" pitchFamily="18" charset="0"/>
-              </a:rPr>
+              <a:rPr lang="en-US" sz="6600" b="1" i="1" dirty="0"/>
+              <a:t> </a:t>
+            </a:r>
+            <a:r>
+              <a:rPr lang="en-US" sz="6600" b="1" i="1" dirty="0" err="1"/>
               <a:t>tiako</a:t>
             </a:r>
             <a:r>
-              <a:rPr lang="en-US" sz="6600" b="1" i="1" dirty="0">
-                <a:latin typeface="Arno Pro Smbd Display" panose="02020702050506020403" pitchFamily="18" charset="0"/>
-              </a:rPr>
-              <a:t> </a:t>
-            </a:r>
-            <a:r>
-              <a:rPr lang="en-US" sz="6600" b="1" i="1" dirty="0" err="1">
-                <a:latin typeface="Arno Pro Smbd Display" panose="02020702050506020403" pitchFamily="18" charset="0"/>
-              </a:rPr>
+              <a:rPr lang="en-US" sz="6600" b="1" i="1" dirty="0"/>
+              <a:t> </a:t>
+            </a:r>
+            <a:r>
+              <a:rPr lang="en-US" sz="6600" b="1" i="1" dirty="0" err="1"/>
               <a:t>Ianao</a:t>
             </a:r>
-            <a:endParaRPr lang="fr-FR" sz="6600" b="1" i="1" dirty="0">
-              <a:latin typeface="Arno Pro Smbd Display" panose="02020702050506020403" pitchFamily="18" charset="0"/>
-            </a:endParaRPr>
+            <a:endParaRPr lang="fr-FR" sz="6600" b="1" i="1" dirty="0"/>
           </a:p>
         </p:txBody>
       </p:sp>

--- a/Fihirana Fanampiny/FF 45.pptx
+++ b/Fihirana Fanampiny/FF 45.pptx
@@ -310,7 +310,7 @@
             <a:fld id="{E1E9137A-D7C1-4F8C-A62B-C89ADD9F06F3}" type="datetimeFigureOut">
               <a:rPr lang="fr-FR" smtClean="0"/>
               <a:pPr/>
-              <a:t>29/10/2023</a:t>
+              <a:t>11/10/2025</a:t>
             </a:fld>
             <a:endParaRPr lang="fr-FR"/>
           </a:p>
@@ -475,7 +475,7 @@
             <a:fld id="{E1E9137A-D7C1-4F8C-A62B-C89ADD9F06F3}" type="datetimeFigureOut">
               <a:rPr lang="fr-FR" smtClean="0"/>
               <a:pPr/>
-              <a:t>29/10/2023</a:t>
+              <a:t>11/10/2025</a:t>
             </a:fld>
             <a:endParaRPr lang="fr-FR"/>
           </a:p>
@@ -650,7 +650,7 @@
             <a:fld id="{E1E9137A-D7C1-4F8C-A62B-C89ADD9F06F3}" type="datetimeFigureOut">
               <a:rPr lang="fr-FR" smtClean="0"/>
               <a:pPr/>
-              <a:t>29/10/2023</a:t>
+              <a:t>11/10/2025</a:t>
             </a:fld>
             <a:endParaRPr lang="fr-FR"/>
           </a:p>
@@ -815,7 +815,7 @@
             <a:fld id="{E1E9137A-D7C1-4F8C-A62B-C89ADD9F06F3}" type="datetimeFigureOut">
               <a:rPr lang="fr-FR" smtClean="0"/>
               <a:pPr/>
-              <a:t>29/10/2023</a:t>
+              <a:t>11/10/2025</a:t>
             </a:fld>
             <a:endParaRPr lang="fr-FR"/>
           </a:p>
@@ -1057,7 +1057,7 @@
             <a:fld id="{E1E9137A-D7C1-4F8C-A62B-C89ADD9F06F3}" type="datetimeFigureOut">
               <a:rPr lang="fr-FR" smtClean="0"/>
               <a:pPr/>
-              <a:t>29/10/2023</a:t>
+              <a:t>11/10/2025</a:t>
             </a:fld>
             <a:endParaRPr lang="fr-FR"/>
           </a:p>
@@ -1339,7 +1339,7 @@
             <a:fld id="{E1E9137A-D7C1-4F8C-A62B-C89ADD9F06F3}" type="datetimeFigureOut">
               <a:rPr lang="fr-FR" smtClean="0"/>
               <a:pPr/>
-              <a:t>29/10/2023</a:t>
+              <a:t>11/10/2025</a:t>
             </a:fld>
             <a:endParaRPr lang="fr-FR"/>
           </a:p>
@@ -1755,7 +1755,7 @@
             <a:fld id="{E1E9137A-D7C1-4F8C-A62B-C89ADD9F06F3}" type="datetimeFigureOut">
               <a:rPr lang="fr-FR" smtClean="0"/>
               <a:pPr/>
-              <a:t>29/10/2023</a:t>
+              <a:t>11/10/2025</a:t>
             </a:fld>
             <a:endParaRPr lang="fr-FR"/>
           </a:p>
@@ -1869,7 +1869,7 @@
             <a:fld id="{E1E9137A-D7C1-4F8C-A62B-C89ADD9F06F3}" type="datetimeFigureOut">
               <a:rPr lang="fr-FR" smtClean="0"/>
               <a:pPr/>
-              <a:t>29/10/2023</a:t>
+              <a:t>11/10/2025</a:t>
             </a:fld>
             <a:endParaRPr lang="fr-FR"/>
           </a:p>
@@ -1961,7 +1961,7 @@
             <a:fld id="{E1E9137A-D7C1-4F8C-A62B-C89ADD9F06F3}" type="datetimeFigureOut">
               <a:rPr lang="fr-FR" smtClean="0"/>
               <a:pPr/>
-              <a:t>29/10/2023</a:t>
+              <a:t>11/10/2025</a:t>
             </a:fld>
             <a:endParaRPr lang="fr-FR"/>
           </a:p>
@@ -2233,7 +2233,7 @@
             <a:fld id="{E1E9137A-D7C1-4F8C-A62B-C89ADD9F06F3}" type="datetimeFigureOut">
               <a:rPr lang="fr-FR" smtClean="0"/>
               <a:pPr/>
-              <a:t>29/10/2023</a:t>
+              <a:t>11/10/2025</a:t>
             </a:fld>
             <a:endParaRPr lang="fr-FR"/>
           </a:p>
@@ -2482,7 +2482,7 @@
             <a:fld id="{E1E9137A-D7C1-4F8C-A62B-C89ADD9F06F3}" type="datetimeFigureOut">
               <a:rPr lang="fr-FR" smtClean="0"/>
               <a:pPr/>
-              <a:t>29/10/2023</a:t>
+              <a:t>11/10/2025</a:t>
             </a:fld>
             <a:endParaRPr lang="fr-FR"/>
           </a:p>
@@ -2544,15 +2544,9 @@
   <p:cSld>
     <p:bg>
       <p:bgPr>
-        <a:blipFill dpi="0" rotWithShape="1">
-          <a:blip r:embed="rId13">
-            <a:lum/>
-          </a:blip>
-          <a:srcRect/>
-          <a:stretch>
-            <a:fillRect/>
-          </a:stretch>
-        </a:blipFill>
+        <a:solidFill>
+          <a:schemeClr val="bg1"/>
+        </a:solidFill>
         <a:effectLst/>
       </p:bgPr>
     </p:bg>
@@ -2699,7 +2693,7 @@
             <a:fld id="{E1E9137A-D7C1-4F8C-A62B-C89ADD9F06F3}" type="datetimeFigureOut">
               <a:rPr lang="fr-FR" smtClean="0"/>
               <a:pPr/>
-              <a:t>29/10/2023</a:t>
+              <a:t>11/10/2025</a:t>
             </a:fld>
             <a:endParaRPr lang="fr-FR"/>
           </a:p>
@@ -3171,8 +3165,8 @@
         </p:nvSpPr>
         <p:spPr>
           <a:xfrm>
-            <a:off x="0" y="1484784"/>
-            <a:ext cx="12192000" cy="4154984"/>
+            <a:off x="0" y="188640"/>
+            <a:ext cx="12192000" cy="6555641"/>
           </a:xfrm>
           <a:prstGeom prst="rect">
             <a:avLst/>
@@ -3186,181 +3180,221 @@
           <a:p>
             <a:pPr algn="ctr"/>
             <a:r>
-              <a:rPr lang="en-US" sz="6600" b="1" dirty="0"/>
-              <a:t> 1.</a:t>
-            </a:r>
-            <a:r>
-              <a:rPr lang="en-US" sz="6600" b="1" dirty="0">
-                <a:latin typeface="Arno Pro Smbd Display" panose="02020702050506020403" pitchFamily="18" charset="0"/>
-              </a:rPr>
-              <a:t>Hira </a:t>
-            </a:r>
-            <a:r>
-              <a:rPr lang="en-US" sz="6600" b="1" dirty="0" err="1">
+              <a:rPr lang="en-US" sz="6000" b="1" dirty="0"/>
+              <a:t> 1</a:t>
+            </a:r>
+            <a:r>
+              <a:rPr lang="en-US" sz="6000" b="1" dirty="0" smtClean="0"/>
+              <a:t>. </a:t>
+            </a:r>
+            <a:r>
+              <a:rPr lang="en-US" sz="6000" b="1" dirty="0" err="1" smtClean="0">
+                <a:latin typeface="Arno Pro Smbd Display" panose="02020702050506020403" pitchFamily="18" charset="0"/>
+              </a:rPr>
+              <a:t>Hira</a:t>
+            </a:r>
+            <a:r>
+              <a:rPr lang="en-US" sz="6000" b="1" dirty="0" smtClean="0">
+                <a:latin typeface="Arno Pro Smbd Display" panose="02020702050506020403" pitchFamily="18" charset="0"/>
+              </a:rPr>
+              <a:t> </a:t>
+            </a:r>
+            <a:r>
+              <a:rPr lang="en-US" sz="6000" b="1" dirty="0" err="1">
                 <a:latin typeface="Arno Pro Smbd Display" panose="02020702050506020403" pitchFamily="18" charset="0"/>
               </a:rPr>
               <a:t>fiderana</a:t>
             </a:r>
             <a:r>
-              <a:rPr lang="en-US" sz="6600" b="1" dirty="0">
-                <a:latin typeface="Arno Pro Smbd Display" panose="02020702050506020403" pitchFamily="18" charset="0"/>
-              </a:rPr>
-              <a:t> ho </a:t>
-            </a:r>
-            <a:r>
-              <a:rPr lang="en-US" sz="6600" b="1" dirty="0" err="1">
+              <a:rPr lang="en-US" sz="6000" b="1" dirty="0">
+                <a:latin typeface="Arno Pro Smbd Display" panose="02020702050506020403" pitchFamily="18" charset="0"/>
+              </a:rPr>
+              <a:t> </a:t>
+            </a:r>
+            <a:endParaRPr lang="en-US" sz="6000" b="1" dirty="0" smtClean="0">
+              <a:latin typeface="Arno Pro Smbd Display" panose="02020702050506020403" pitchFamily="18" charset="0"/>
+            </a:endParaRPr>
+          </a:p>
+          <a:p>
+            <a:pPr algn="ctr"/>
+            <a:r>
+              <a:rPr lang="en-US" sz="6000" b="1" dirty="0" smtClean="0">
+                <a:latin typeface="Arno Pro Smbd Display" panose="02020702050506020403" pitchFamily="18" charset="0"/>
+              </a:rPr>
+              <a:t>ho </a:t>
+            </a:r>
+            <a:r>
+              <a:rPr lang="en-US" sz="6000" b="1" dirty="0" err="1">
                 <a:latin typeface="Arno Pro Smbd Display" panose="02020702050506020403" pitchFamily="18" charset="0"/>
               </a:rPr>
               <a:t>Anao</a:t>
             </a:r>
             <a:r>
-              <a:rPr lang="en-US" sz="6600" b="1" dirty="0">
-                <a:latin typeface="Arno Pro Smbd Display" panose="02020702050506020403" pitchFamily="18" charset="0"/>
-              </a:rPr>
-              <a:t> </a:t>
-            </a:r>
-            <a:r>
-              <a:rPr lang="en-US" sz="6600" b="1" dirty="0" err="1">
+              <a:rPr lang="en-US" sz="6000" b="1" dirty="0">
+                <a:latin typeface="Arno Pro Smbd Display" panose="02020702050506020403" pitchFamily="18" charset="0"/>
+              </a:rPr>
+              <a:t> </a:t>
+            </a:r>
+            <a:r>
+              <a:rPr lang="en-US" sz="6000" b="1" dirty="0" err="1">
                 <a:latin typeface="Arno Pro Smbd Display" panose="02020702050506020403" pitchFamily="18" charset="0"/>
               </a:rPr>
               <a:t>ry</a:t>
             </a:r>
             <a:r>
-              <a:rPr lang="en-US" sz="6600" b="1" dirty="0">
+              <a:rPr lang="en-US" sz="6000" b="1" dirty="0">
                 <a:latin typeface="Arno Pro Smbd Display" panose="02020702050506020403" pitchFamily="18" charset="0"/>
               </a:rPr>
               <a:t> Ray</a:t>
             </a:r>
             <a:br>
-              <a:rPr lang="en-US" sz="6600" b="1" dirty="0">
+              <a:rPr lang="en-US" sz="6000" b="1" dirty="0">
                 <a:latin typeface="Arno Pro Smbd Display" panose="02020702050506020403" pitchFamily="18" charset="0"/>
               </a:rPr>
             </a:br>
             <a:r>
-              <a:rPr lang="en-US" sz="6600" b="1" dirty="0" err="1">
+              <a:rPr lang="en-US" sz="6000" b="1" dirty="0" err="1">
                 <a:latin typeface="Arno Pro Smbd Display" panose="02020702050506020403" pitchFamily="18" charset="0"/>
               </a:rPr>
               <a:t>Tsy</a:t>
             </a:r>
             <a:r>
-              <a:rPr lang="en-US" sz="6600" b="1" dirty="0">
-                <a:latin typeface="Arno Pro Smbd Display" panose="02020702050506020403" pitchFamily="18" charset="0"/>
-              </a:rPr>
-              <a:t> </a:t>
-            </a:r>
-            <a:r>
-              <a:rPr lang="en-US" sz="6600" b="1" dirty="0" err="1">
+              <a:rPr lang="en-US" sz="6000" b="1" dirty="0">
+                <a:latin typeface="Arno Pro Smbd Display" panose="02020702050506020403" pitchFamily="18" charset="0"/>
+              </a:rPr>
+              <a:t> </a:t>
+            </a:r>
+            <a:r>
+              <a:rPr lang="en-US" sz="6000" b="1" dirty="0" err="1">
                 <a:latin typeface="Arno Pro Smbd Display" panose="02020702050506020403" pitchFamily="18" charset="0"/>
               </a:rPr>
               <a:t>afaka</a:t>
             </a:r>
             <a:r>
-              <a:rPr lang="en-US" sz="6600" b="1" dirty="0">
-                <a:latin typeface="Arno Pro Smbd Display" panose="02020702050506020403" pitchFamily="18" charset="0"/>
-              </a:rPr>
-              <a:t> </a:t>
-            </a:r>
-            <a:r>
-              <a:rPr lang="en-US" sz="6600" b="1" dirty="0" err="1">
+              <a:rPr lang="en-US" sz="6000" b="1" dirty="0">
+                <a:latin typeface="Arno Pro Smbd Display" panose="02020702050506020403" pitchFamily="18" charset="0"/>
+              </a:rPr>
+              <a:t> </a:t>
+            </a:r>
+            <a:r>
+              <a:rPr lang="en-US" sz="6000" b="1" dirty="0" err="1">
                 <a:latin typeface="Arno Pro Smbd Display" panose="02020702050506020403" pitchFamily="18" charset="0"/>
               </a:rPr>
               <a:t>ato</a:t>
             </a:r>
             <a:r>
-              <a:rPr lang="en-US" sz="6600" b="1" dirty="0">
+              <a:rPr lang="en-US" sz="6000" b="1" dirty="0">
                 <a:latin typeface="Arno Pro Smbd Display" panose="02020702050506020403" pitchFamily="18" charset="0"/>
               </a:rPr>
               <a:t> am-</a:t>
             </a:r>
             <a:r>
-              <a:rPr lang="en-US" sz="6600" b="1" dirty="0" err="1">
+              <a:rPr lang="en-US" sz="6000" b="1" dirty="0" err="1">
                 <a:latin typeface="Arno Pro Smbd Display" panose="02020702050506020403" pitchFamily="18" charset="0"/>
               </a:rPr>
               <a:t>bavako</a:t>
             </a:r>
             <a:r>
-              <a:rPr lang="en-US" sz="6600" b="1" dirty="0">
-                <a:latin typeface="Arno Pro Smbd Display" panose="02020702050506020403" pitchFamily="18" charset="0"/>
-              </a:rPr>
-              <a:t> </a:t>
-            </a:r>
-            <a:r>
-              <a:rPr lang="en-US" sz="6600" b="1" dirty="0" err="1">
+              <a:rPr lang="en-US" sz="6000" b="1" dirty="0">
+                <a:latin typeface="Arno Pro Smbd Display" panose="02020702050506020403" pitchFamily="18" charset="0"/>
+              </a:rPr>
+              <a:t> </a:t>
+            </a:r>
+            <a:r>
+              <a:rPr lang="en-US" sz="6000" b="1" dirty="0" err="1">
                 <a:latin typeface="Arno Pro Smbd Display" panose="02020702050506020403" pitchFamily="18" charset="0"/>
               </a:rPr>
               <a:t>mandrakizay</a:t>
             </a:r>
+            <a:r>
+              <a:rPr lang="en-US" sz="6000" b="1" dirty="0">
+                <a:latin typeface="Arno Pro Smbd Display" panose="02020702050506020403" pitchFamily="18" charset="0"/>
+              </a:rPr>
+              <a:t/>
+            </a:r>
             <a:br>
-              <a:rPr lang="en-US" sz="6600" b="1" dirty="0">
+              <a:rPr lang="en-US" sz="6000" b="1" dirty="0">
                 <a:latin typeface="Arno Pro Smbd Display" panose="02020702050506020403" pitchFamily="18" charset="0"/>
               </a:rPr>
             </a:br>
             <a:r>
-              <a:rPr lang="en-US" sz="6600" b="1" dirty="0" err="1">
+              <a:rPr lang="en-US" sz="6000" b="1" dirty="0" err="1">
                 <a:latin typeface="Arno Pro Smbd Display" panose="02020702050506020403" pitchFamily="18" charset="0"/>
               </a:rPr>
               <a:t>Hira</a:t>
             </a:r>
             <a:r>
-              <a:rPr lang="en-US" sz="6600" b="1" dirty="0">
-                <a:latin typeface="Arno Pro Smbd Display" panose="02020702050506020403" pitchFamily="18" charset="0"/>
-              </a:rPr>
-              <a:t> </a:t>
-            </a:r>
-            <a:r>
-              <a:rPr lang="en-US" sz="6600" b="1" dirty="0" err="1">
+              <a:rPr lang="en-US" sz="6000" b="1" dirty="0">
+                <a:latin typeface="Arno Pro Smbd Display" panose="02020702050506020403" pitchFamily="18" charset="0"/>
+              </a:rPr>
+              <a:t> </a:t>
+            </a:r>
+            <a:r>
+              <a:rPr lang="en-US" sz="6000" b="1" dirty="0" err="1">
                 <a:latin typeface="Arno Pro Smbd Display" panose="02020702050506020403" pitchFamily="18" charset="0"/>
               </a:rPr>
               <a:t>mampifaly</a:t>
             </a:r>
             <a:r>
-              <a:rPr lang="en-US" sz="6600" b="1" dirty="0">
+              <a:rPr lang="en-US" sz="6000" b="1" dirty="0">
                 <a:latin typeface="Arno Pro Smbd Display" panose="02020702050506020403" pitchFamily="18" charset="0"/>
               </a:rPr>
               <a:t>, </a:t>
             </a:r>
-            <a:r>
-              <a:rPr lang="en-US" sz="6600" b="1" dirty="0" err="1">
+            <a:endParaRPr lang="en-US" sz="6000" b="1" dirty="0" smtClean="0">
+              <a:latin typeface="Arno Pro Smbd Display" panose="02020702050506020403" pitchFamily="18" charset="0"/>
+            </a:endParaRPr>
+          </a:p>
+          <a:p>
+            <a:pPr algn="ctr"/>
+            <a:r>
+              <a:rPr lang="en-US" sz="6000" b="1" dirty="0" err="1" smtClean="0">
                 <a:latin typeface="Arno Pro Smbd Display" panose="02020702050506020403" pitchFamily="18" charset="0"/>
               </a:rPr>
               <a:t>mampitony</a:t>
             </a:r>
             <a:r>
-              <a:rPr lang="en-US" sz="6600" b="1" dirty="0">
-                <a:latin typeface="Arno Pro Smbd Display" panose="02020702050506020403" pitchFamily="18" charset="0"/>
-              </a:rPr>
-              <a:t> </a:t>
-            </a:r>
-            <a:r>
-              <a:rPr lang="en-US" sz="6600" b="1" dirty="0" err="1">
+              <a:rPr lang="en-US" sz="6000" b="1" dirty="0" smtClean="0">
+                <a:latin typeface="Arno Pro Smbd Display" panose="02020702050506020403" pitchFamily="18" charset="0"/>
+              </a:rPr>
+              <a:t> </a:t>
+            </a:r>
+            <a:r>
+              <a:rPr lang="en-US" sz="6000" b="1" dirty="0" err="1">
                 <a:latin typeface="Arno Pro Smbd Display" panose="02020702050506020403" pitchFamily="18" charset="0"/>
               </a:rPr>
               <a:t>jaly</a:t>
             </a:r>
+            <a:r>
+              <a:rPr lang="en-US" sz="6000" b="1" dirty="0">
+                <a:latin typeface="Arno Pro Smbd Display" panose="02020702050506020403" pitchFamily="18" charset="0"/>
+              </a:rPr>
+              <a:t/>
+            </a:r>
             <a:br>
-              <a:rPr lang="en-US" sz="6600" b="1" dirty="0">
+              <a:rPr lang="en-US" sz="6000" b="1" dirty="0">
                 <a:latin typeface="Arno Pro Smbd Display" panose="02020702050506020403" pitchFamily="18" charset="0"/>
               </a:rPr>
             </a:br>
             <a:r>
-              <a:rPr lang="en-US" sz="6600" b="1" dirty="0" err="1">
+              <a:rPr lang="en-US" sz="6000" b="1" dirty="0" err="1">
                 <a:latin typeface="Arno Pro Smbd Display" panose="02020702050506020403" pitchFamily="18" charset="0"/>
               </a:rPr>
               <a:t>Mampiravoravo</a:t>
             </a:r>
             <a:r>
-              <a:rPr lang="en-US" sz="6600" b="1" dirty="0">
-                <a:latin typeface="Arno Pro Smbd Display" panose="02020702050506020403" pitchFamily="18" charset="0"/>
-              </a:rPr>
-              <a:t> </a:t>
-            </a:r>
-            <a:r>
-              <a:rPr lang="en-US" sz="6600" b="1" dirty="0" err="1">
+              <a:rPr lang="en-US" sz="6000" b="1" dirty="0">
+                <a:latin typeface="Arno Pro Smbd Display" panose="02020702050506020403" pitchFamily="18" charset="0"/>
+              </a:rPr>
+              <a:t> </a:t>
+            </a:r>
+            <a:r>
+              <a:rPr lang="en-US" sz="6000" b="1" dirty="0" err="1">
                 <a:latin typeface="Arno Pro Smbd Display" panose="02020702050506020403" pitchFamily="18" charset="0"/>
               </a:rPr>
               <a:t>fo</a:t>
             </a:r>
-            <a:endParaRPr lang="fr-FR" sz="6600" b="1" dirty="0">
+            <a:endParaRPr lang="fr-FR" sz="6000" b="1" dirty="0">
               <a:latin typeface="Arno Pro Smbd Display" panose="02020702050506020403" pitchFamily="18" charset="0"/>
             </a:endParaRPr>
           </a:p>
@@ -3376,6 +3410,13 @@
   <p:clrMapOvr>
     <a:masterClrMapping/>
   </p:clrMapOvr>
+  <p:timing>
+    <p:tnLst>
+      <p:par>
+        <p:cTn id="1" dur="indefinite" restart="never" nodeType="tmRoot"/>
+      </p:par>
+    </p:tnLst>
+  </p:timing>
 </p:sld>
 </file>
 
@@ -3404,8 +3445,8 @@
         </p:nvSpPr>
         <p:spPr>
           <a:xfrm>
-            <a:off x="0" y="1412776"/>
-            <a:ext cx="12192000" cy="4154984"/>
+            <a:off x="0" y="44624"/>
+            <a:ext cx="12192000" cy="6555641"/>
           </a:xfrm>
           <a:prstGeom prst="rect">
             <a:avLst/>
@@ -3419,213 +3460,249 @@
           <a:p>
             <a:pPr algn="ctr"/>
             <a:r>
-              <a:rPr lang="en-US" sz="6600" b="1" dirty="0" err="1">
+              <a:rPr lang="en-US" sz="6000" b="1" dirty="0" err="1">
                 <a:latin typeface="Arno Pro Smbd Display" panose="02020702050506020403" pitchFamily="18" charset="0"/>
               </a:rPr>
               <a:t>Ny</a:t>
             </a:r>
             <a:r>
-              <a:rPr lang="en-US" sz="6600" b="1" dirty="0">
-                <a:latin typeface="Arno Pro Smbd Display" panose="02020702050506020403" pitchFamily="18" charset="0"/>
-              </a:rPr>
-              <a:t> </a:t>
-            </a:r>
-            <a:r>
-              <a:rPr lang="en-US" sz="6600" b="1" dirty="0" err="1">
+              <a:rPr lang="en-US" sz="6000" b="1" dirty="0">
+                <a:latin typeface="Arno Pro Smbd Display" panose="02020702050506020403" pitchFamily="18" charset="0"/>
+              </a:rPr>
+              <a:t> </a:t>
+            </a:r>
+            <a:r>
+              <a:rPr lang="en-US" sz="6000" b="1" dirty="0" err="1">
                 <a:latin typeface="Arno Pro Smbd Display" panose="02020702050506020403" pitchFamily="18" charset="0"/>
               </a:rPr>
               <a:t>talenta</a:t>
             </a:r>
             <a:r>
-              <a:rPr lang="en-US" sz="6600" b="1" dirty="0">
-                <a:latin typeface="Arno Pro Smbd Display" panose="02020702050506020403" pitchFamily="18" charset="0"/>
-              </a:rPr>
-              <a:t> </a:t>
-            </a:r>
-            <a:r>
-              <a:rPr lang="en-US" sz="6600" b="1" dirty="0" err="1">
+              <a:rPr lang="en-US" sz="6000" b="1" dirty="0">
+                <a:latin typeface="Arno Pro Smbd Display" panose="02020702050506020403" pitchFamily="18" charset="0"/>
+              </a:rPr>
+              <a:t> </a:t>
+            </a:r>
+            <a:r>
+              <a:rPr lang="en-US" sz="6000" b="1" dirty="0" err="1">
                 <a:latin typeface="Arno Pro Smbd Display" panose="02020702050506020403" pitchFamily="18" charset="0"/>
               </a:rPr>
               <a:t>izay</a:t>
             </a:r>
             <a:r>
-              <a:rPr lang="en-US" sz="6600" b="1" dirty="0">
-                <a:latin typeface="Arno Pro Smbd Display" panose="02020702050506020403" pitchFamily="18" charset="0"/>
-              </a:rPr>
-              <a:t> </a:t>
-            </a:r>
-            <a:r>
-              <a:rPr lang="en-US" sz="6600" b="1" dirty="0" err="1">
+              <a:rPr lang="en-US" sz="6000" b="1" dirty="0">
+                <a:latin typeface="Arno Pro Smbd Display" panose="02020702050506020403" pitchFamily="18" charset="0"/>
+              </a:rPr>
+              <a:t> </a:t>
+            </a:r>
+            <a:endParaRPr lang="en-US" sz="6000" b="1" dirty="0" smtClean="0">
+              <a:latin typeface="Arno Pro Smbd Display" panose="02020702050506020403" pitchFamily="18" charset="0"/>
+            </a:endParaRPr>
+          </a:p>
+          <a:p>
+            <a:pPr algn="ctr"/>
+            <a:r>
+              <a:rPr lang="en-US" sz="6000" b="1" dirty="0" err="1" smtClean="0">
                 <a:latin typeface="Arno Pro Smbd Display" panose="02020702050506020403" pitchFamily="18" charset="0"/>
               </a:rPr>
               <a:t>efa</a:t>
             </a:r>
             <a:r>
-              <a:rPr lang="en-US" sz="6600" b="1" dirty="0">
-                <a:latin typeface="Arno Pro Smbd Display" panose="02020702050506020403" pitchFamily="18" charset="0"/>
-              </a:rPr>
-              <a:t> </a:t>
-            </a:r>
-            <a:r>
-              <a:rPr lang="en-US" sz="6600" b="1" dirty="0" err="1">
+              <a:rPr lang="en-US" sz="6000" b="1" dirty="0" smtClean="0">
+                <a:latin typeface="Arno Pro Smbd Display" panose="02020702050506020403" pitchFamily="18" charset="0"/>
+              </a:rPr>
+              <a:t> </a:t>
+            </a:r>
+            <a:r>
+              <a:rPr lang="en-US" sz="6000" b="1" dirty="0" err="1">
                 <a:latin typeface="Arno Pro Smbd Display" panose="02020702050506020403" pitchFamily="18" charset="0"/>
               </a:rPr>
               <a:t>nomenao</a:t>
             </a:r>
             <a:r>
-              <a:rPr lang="en-US" sz="6600" b="1" dirty="0">
-                <a:latin typeface="Arno Pro Smbd Display" panose="02020702050506020403" pitchFamily="18" charset="0"/>
-              </a:rPr>
-              <a:t> </a:t>
-            </a:r>
-            <a:r>
-              <a:rPr lang="en-US" sz="6600" b="1" dirty="0" err="1">
+              <a:rPr lang="en-US" sz="6000" b="1" dirty="0">
+                <a:latin typeface="Arno Pro Smbd Display" panose="02020702050506020403" pitchFamily="18" charset="0"/>
+              </a:rPr>
+              <a:t> </a:t>
+            </a:r>
+            <a:r>
+              <a:rPr lang="en-US" sz="6000" b="1" dirty="0" err="1">
                 <a:latin typeface="Arno Pro Smbd Display" panose="02020702050506020403" pitchFamily="18" charset="0"/>
               </a:rPr>
               <a:t>ahy</a:t>
             </a:r>
+            <a:r>
+              <a:rPr lang="en-US" sz="6000" b="1" dirty="0">
+                <a:latin typeface="Arno Pro Smbd Display" panose="02020702050506020403" pitchFamily="18" charset="0"/>
+              </a:rPr>
+              <a:t/>
+            </a:r>
             <a:br>
-              <a:rPr lang="en-US" sz="6600" b="1" dirty="0">
+              <a:rPr lang="en-US" sz="6000" b="1" dirty="0">
                 <a:latin typeface="Arno Pro Smbd Display" panose="02020702050506020403" pitchFamily="18" charset="0"/>
               </a:rPr>
             </a:br>
             <a:r>
-              <a:rPr lang="en-US" sz="6600" b="1" dirty="0" err="1">
+              <a:rPr lang="en-US" sz="6000" b="1" dirty="0" err="1">
                 <a:latin typeface="Arno Pro Smbd Display" panose="02020702050506020403" pitchFamily="18" charset="0"/>
               </a:rPr>
               <a:t>Hiderako</a:t>
             </a:r>
             <a:r>
-              <a:rPr lang="en-US" sz="6600" b="1" dirty="0">
-                <a:latin typeface="Arno Pro Smbd Display" panose="02020702050506020403" pitchFamily="18" charset="0"/>
-              </a:rPr>
-              <a:t> </a:t>
-            </a:r>
-            <a:r>
-              <a:rPr lang="en-US" sz="6600" b="1" dirty="0" err="1">
+              <a:rPr lang="en-US" sz="6000" b="1" dirty="0">
+                <a:latin typeface="Arno Pro Smbd Display" panose="02020702050506020403" pitchFamily="18" charset="0"/>
+              </a:rPr>
+              <a:t> </a:t>
+            </a:r>
+            <a:r>
+              <a:rPr lang="en-US" sz="6000" b="1" dirty="0" err="1">
                 <a:latin typeface="Arno Pro Smbd Display" panose="02020702050506020403" pitchFamily="18" charset="0"/>
               </a:rPr>
               <a:t>Anao</a:t>
             </a:r>
             <a:r>
-              <a:rPr lang="en-US" sz="6600" b="1" dirty="0">
-                <a:latin typeface="Arno Pro Smbd Display" panose="02020702050506020403" pitchFamily="18" charset="0"/>
-              </a:rPr>
-              <a:t> </a:t>
-            </a:r>
-            <a:r>
-              <a:rPr lang="en-US" sz="6600" b="1" dirty="0" err="1">
+              <a:rPr lang="en-US" sz="6000" b="1" dirty="0">
+                <a:latin typeface="Arno Pro Smbd Display" panose="02020702050506020403" pitchFamily="18" charset="0"/>
+              </a:rPr>
+              <a:t> </a:t>
+            </a:r>
+            <a:endParaRPr lang="en-US" sz="6000" b="1" dirty="0" smtClean="0">
+              <a:latin typeface="Arno Pro Smbd Display" panose="02020702050506020403" pitchFamily="18" charset="0"/>
+            </a:endParaRPr>
+          </a:p>
+          <a:p>
+            <a:pPr algn="ctr"/>
+            <a:r>
+              <a:rPr lang="en-US" sz="6000" b="1" dirty="0" err="1" smtClean="0">
                 <a:latin typeface="Arno Pro Smbd Display" panose="02020702050506020403" pitchFamily="18" charset="0"/>
               </a:rPr>
               <a:t>n’aiza</a:t>
             </a:r>
             <a:r>
-              <a:rPr lang="en-US" sz="6600" b="1" dirty="0">
-                <a:latin typeface="Arno Pro Smbd Display" panose="02020702050506020403" pitchFamily="18" charset="0"/>
-              </a:rPr>
-              <a:t> </a:t>
-            </a:r>
-            <a:r>
-              <a:rPr lang="en-US" sz="6600" b="1" dirty="0" err="1">
+              <a:rPr lang="en-US" sz="6000" b="1" dirty="0" smtClean="0">
+                <a:latin typeface="Arno Pro Smbd Display" panose="02020702050506020403" pitchFamily="18" charset="0"/>
+              </a:rPr>
+              <a:t> </a:t>
+            </a:r>
+            <a:r>
+              <a:rPr lang="en-US" sz="6000" b="1" dirty="0" err="1">
                 <a:latin typeface="Arno Pro Smbd Display" panose="02020702050506020403" pitchFamily="18" charset="0"/>
               </a:rPr>
               <a:t>misy</a:t>
             </a:r>
             <a:r>
-              <a:rPr lang="en-US" sz="6600" b="1" dirty="0">
-                <a:latin typeface="Arno Pro Smbd Display" panose="02020702050506020403" pitchFamily="18" charset="0"/>
-              </a:rPr>
-              <a:t> </a:t>
-            </a:r>
-            <a:r>
-              <a:rPr lang="en-US" sz="6600" b="1" dirty="0" err="1">
+              <a:rPr lang="en-US" sz="6000" b="1" dirty="0">
+                <a:latin typeface="Arno Pro Smbd Display" panose="02020702050506020403" pitchFamily="18" charset="0"/>
+              </a:rPr>
+              <a:t> </a:t>
+            </a:r>
+            <a:r>
+              <a:rPr lang="en-US" sz="6000" b="1" dirty="0" err="1">
                 <a:latin typeface="Arno Pro Smbd Display" panose="02020702050506020403" pitchFamily="18" charset="0"/>
               </a:rPr>
               <a:t>ahy</a:t>
             </a:r>
+            <a:r>
+              <a:rPr lang="en-US" sz="6000" b="1" dirty="0">
+                <a:latin typeface="Arno Pro Smbd Display" panose="02020702050506020403" pitchFamily="18" charset="0"/>
+              </a:rPr>
+              <a:t/>
+            </a:r>
             <a:br>
-              <a:rPr lang="en-US" sz="6600" b="1" dirty="0">
+              <a:rPr lang="en-US" sz="6000" b="1" dirty="0">
                 <a:latin typeface="Arno Pro Smbd Display" panose="02020702050506020403" pitchFamily="18" charset="0"/>
               </a:rPr>
             </a:br>
             <a:r>
-              <a:rPr lang="en-US" sz="6600" b="1" dirty="0" err="1">
+              <a:rPr lang="en-US" sz="6000" b="1" dirty="0" err="1">
                 <a:latin typeface="Arno Pro Smbd Display" panose="02020702050506020403" pitchFamily="18" charset="0"/>
               </a:rPr>
               <a:t>Mba</a:t>
             </a:r>
             <a:r>
-              <a:rPr lang="en-US" sz="6600" b="1" dirty="0">
-                <a:latin typeface="Arno Pro Smbd Display" panose="02020702050506020403" pitchFamily="18" charset="0"/>
-              </a:rPr>
-              <a:t> </a:t>
-            </a:r>
-            <a:r>
-              <a:rPr lang="en-US" sz="6600" b="1" dirty="0" err="1">
+              <a:rPr lang="en-US" sz="6000" b="1" dirty="0">
+                <a:latin typeface="Arno Pro Smbd Display" panose="02020702050506020403" pitchFamily="18" charset="0"/>
+              </a:rPr>
+              <a:t> </a:t>
+            </a:r>
+            <a:r>
+              <a:rPr lang="en-US" sz="6000" b="1" dirty="0" err="1">
                 <a:latin typeface="Arno Pro Smbd Display" panose="02020702050506020403" pitchFamily="18" charset="0"/>
               </a:rPr>
               <a:t>hamelon’aina</a:t>
             </a:r>
             <a:r>
-              <a:rPr lang="en-US" sz="6600" b="1" dirty="0">
+              <a:rPr lang="en-US" sz="6000" b="1" dirty="0">
                 <a:latin typeface="Arno Pro Smbd Display" panose="02020702050506020403" pitchFamily="18" charset="0"/>
               </a:rPr>
               <a:t>, </a:t>
             </a:r>
-            <a:r>
-              <a:rPr lang="en-US" sz="6600" b="1" dirty="0" err="1">
+            <a:endParaRPr lang="en-US" sz="6000" b="1" dirty="0" smtClean="0">
+              <a:latin typeface="Arno Pro Smbd Display" panose="02020702050506020403" pitchFamily="18" charset="0"/>
+            </a:endParaRPr>
+          </a:p>
+          <a:p>
+            <a:pPr algn="ctr"/>
+            <a:r>
+              <a:rPr lang="en-US" sz="6000" b="1" dirty="0" err="1" smtClean="0">
                 <a:latin typeface="Arno Pro Smbd Display" panose="02020702050506020403" pitchFamily="18" charset="0"/>
               </a:rPr>
               <a:t>hampitony</a:t>
             </a:r>
             <a:r>
-              <a:rPr lang="en-US" sz="6600" b="1" dirty="0">
-                <a:latin typeface="Arno Pro Smbd Display" panose="02020702050506020403" pitchFamily="18" charset="0"/>
-              </a:rPr>
-              <a:t> </a:t>
-            </a:r>
-            <a:r>
-              <a:rPr lang="en-US" sz="6600" b="1" dirty="0" err="1">
+              <a:rPr lang="en-US" sz="6000" b="1" dirty="0" smtClean="0">
+                <a:latin typeface="Arno Pro Smbd Display" panose="02020702050506020403" pitchFamily="18" charset="0"/>
+              </a:rPr>
+              <a:t> </a:t>
+            </a:r>
+            <a:r>
+              <a:rPr lang="en-US" sz="6000" b="1" dirty="0" err="1">
                 <a:latin typeface="Arno Pro Smbd Display" panose="02020702050506020403" pitchFamily="18" charset="0"/>
               </a:rPr>
               <a:t>saina</a:t>
             </a:r>
+            <a:r>
+              <a:rPr lang="en-US" sz="6000" b="1" dirty="0">
+                <a:latin typeface="Arno Pro Smbd Display" panose="02020702050506020403" pitchFamily="18" charset="0"/>
+              </a:rPr>
+              <a:t/>
+            </a:r>
             <a:br>
-              <a:rPr lang="en-US" sz="6600" b="1" dirty="0">
+              <a:rPr lang="en-US" sz="6000" b="1" dirty="0">
                 <a:latin typeface="Arno Pro Smbd Display" panose="02020702050506020403" pitchFamily="18" charset="0"/>
               </a:rPr>
             </a:br>
             <a:r>
-              <a:rPr lang="en-US" sz="6600" b="1" dirty="0" err="1">
+              <a:rPr lang="en-US" sz="6000" b="1" dirty="0" err="1">
                 <a:latin typeface="Arno Pro Smbd Display" panose="02020702050506020403" pitchFamily="18" charset="0"/>
               </a:rPr>
               <a:t>Hampiray</a:t>
             </a:r>
             <a:r>
-              <a:rPr lang="en-US" sz="6600" b="1" dirty="0">
-                <a:latin typeface="Arno Pro Smbd Display" panose="02020702050506020403" pitchFamily="18" charset="0"/>
-              </a:rPr>
-              <a:t> </a:t>
-            </a:r>
-            <a:r>
-              <a:rPr lang="en-US" sz="6600" b="1" dirty="0" err="1">
+              <a:rPr lang="en-US" sz="6000" b="1" dirty="0">
+                <a:latin typeface="Arno Pro Smbd Display" panose="02020702050506020403" pitchFamily="18" charset="0"/>
+              </a:rPr>
+              <a:t> </a:t>
+            </a:r>
+            <a:r>
+              <a:rPr lang="en-US" sz="6000" b="1" dirty="0" err="1">
                 <a:latin typeface="Arno Pro Smbd Display" panose="02020702050506020403" pitchFamily="18" charset="0"/>
               </a:rPr>
               <a:t>ny</a:t>
             </a:r>
             <a:r>
-              <a:rPr lang="en-US" sz="6600" b="1" dirty="0">
-                <a:latin typeface="Arno Pro Smbd Display" panose="02020702050506020403" pitchFamily="18" charset="0"/>
-              </a:rPr>
-              <a:t> </a:t>
-            </a:r>
-            <a:r>
-              <a:rPr lang="en-US" sz="6600" b="1" dirty="0" err="1">
+              <a:rPr lang="en-US" sz="6000" b="1" dirty="0">
+                <a:latin typeface="Arno Pro Smbd Display" panose="02020702050506020403" pitchFamily="18" charset="0"/>
+              </a:rPr>
+              <a:t> </a:t>
+            </a:r>
+            <a:r>
+              <a:rPr lang="en-US" sz="6000" b="1" dirty="0" err="1">
                 <a:latin typeface="Arno Pro Smbd Display" panose="02020702050506020403" pitchFamily="18" charset="0"/>
               </a:rPr>
               <a:t>miaina</a:t>
             </a:r>
-            <a:endParaRPr lang="fr-FR" sz="6600" b="1" dirty="0">
+            <a:endParaRPr lang="fr-FR" sz="6000" b="1" dirty="0">
               <a:latin typeface="Arno Pro Smbd Display" panose="02020702050506020403" pitchFamily="18" charset="0"/>
             </a:endParaRPr>
           </a:p>
@@ -3641,6 +3718,13 @@
   <p:clrMapOvr>
     <a:masterClrMapping/>
   </p:clrMapOvr>
+  <p:timing>
+    <p:tnLst>
+      <p:par>
+        <p:cTn id="1" dur="indefinite" restart="never" nodeType="tmRoot"/>
+      </p:par>
+    </p:tnLst>
+  </p:timing>
 </p:sld>
 </file>
 
@@ -3669,8 +3753,8 @@
         </p:nvSpPr>
         <p:spPr>
           <a:xfrm>
-            <a:off x="-10224" y="1340768"/>
-            <a:ext cx="12192000" cy="4154984"/>
+            <a:off x="-10224" y="267027"/>
+            <a:ext cx="12192000" cy="6186309"/>
           </a:xfrm>
           <a:prstGeom prst="rect">
             <a:avLst/>
@@ -3755,8 +3839,20 @@
               </a:rPr>
               <a:t>, </a:t>
             </a:r>
-            <a:r>
-              <a:rPr lang="en-US" sz="6600" b="1" i="1" dirty="0" err="1">
+            <a:endParaRPr lang="en-US" sz="6600" b="1" i="1" dirty="0" smtClean="0">
+              <a:solidFill>
+                <a:schemeClr val="tx1">
+                  <a:lumMod val="95000"/>
+                  <a:lumOff val="5000"/>
+                </a:schemeClr>
+              </a:solidFill>
+              <a:latin typeface="Arno Pro Smbd Display" panose="02020702050506020403" pitchFamily="18" charset="0"/>
+            </a:endParaRPr>
+          </a:p>
+          <a:p>
+            <a:pPr algn="ctr"/>
+            <a:r>
+              <a:rPr lang="en-US" sz="6600" b="1" i="1" dirty="0" err="1" smtClean="0">
                 <a:solidFill>
                   <a:schemeClr val="tx1">
                     <a:lumMod val="95000"/>
@@ -3768,7 +3864,7 @@
               <a:t>nefa</a:t>
             </a:r>
             <a:r>
-              <a:rPr lang="en-US" sz="6600" b="1" i="1" dirty="0">
+              <a:rPr lang="en-US" sz="6600" b="1" i="1" dirty="0" smtClean="0">
                 <a:solidFill>
                   <a:schemeClr val="tx1">
                     <a:lumMod val="95000"/>
@@ -3839,6 +3935,18 @@
               </a:rPr>
               <a:t>izany</a:t>
             </a:r>
+            <a:r>
+              <a:rPr lang="en-US" sz="6600" b="1" i="1" dirty="0">
+                <a:solidFill>
+                  <a:schemeClr val="tx1">
+                    <a:lumMod val="95000"/>
+                    <a:lumOff val="5000"/>
+                  </a:schemeClr>
+                </a:solidFill>
+                <a:latin typeface="Arno Pro Smbd Display" panose="02020702050506020403" pitchFamily="18" charset="0"/>
+              </a:rPr>
+              <a:t/>
+            </a:r>
             <a:br>
               <a:rPr lang="en-US" sz="6600" b="1" i="1" dirty="0">
                 <a:solidFill>
@@ -3921,6 +4029,18 @@
                 <a:latin typeface="Arno Pro Smbd Display" panose="02020702050506020403" pitchFamily="18" charset="0"/>
               </a:rPr>
               <a:t>hikaloako</a:t>
+            </a:r>
+            <a:r>
+              <a:rPr lang="en-US" sz="6600" b="1" i="1" dirty="0">
+                <a:solidFill>
+                  <a:schemeClr val="tx1">
+                    <a:lumMod val="95000"/>
+                    <a:lumOff val="5000"/>
+                  </a:schemeClr>
+                </a:solidFill>
+                <a:latin typeface="Arno Pro Smbd Display" panose="02020702050506020403" pitchFamily="18" charset="0"/>
+              </a:rPr>
+              <a:t/>
             </a:r>
             <a:br>
               <a:rPr lang="en-US" sz="6600" b="1" i="1" dirty="0">
@@ -4093,6 +4213,13 @@
   <p:clrMapOvr>
     <a:masterClrMapping/>
   </p:clrMapOvr>
+  <p:timing>
+    <p:tnLst>
+      <p:par>
+        <p:cTn id="1" dur="indefinite" restart="never" nodeType="tmRoot"/>
+      </p:par>
+    </p:tnLst>
+  </p:timing>
 </p:sld>
 </file>
 
@@ -4121,8 +4248,8 @@
         </p:nvSpPr>
         <p:spPr>
           <a:xfrm>
-            <a:off x="0" y="1484784"/>
-            <a:ext cx="12192000" cy="4154984"/>
+            <a:off x="0" y="116632"/>
+            <a:ext cx="12192000" cy="6555641"/>
           </a:xfrm>
           <a:prstGeom prst="rect">
             <a:avLst/>
@@ -4136,181 +4263,211 @@
           <a:p>
             <a:pPr algn="ctr"/>
             <a:r>
-              <a:rPr lang="en-US" sz="6600" b="1" dirty="0"/>
+              <a:rPr lang="en-US" sz="6000" b="1" dirty="0"/>
               <a:t> 2.</a:t>
             </a:r>
             <a:r>
-              <a:rPr lang="en-US" sz="6600" b="1" dirty="0">
+              <a:rPr lang="en-US" sz="6000" b="1" dirty="0">
                 <a:latin typeface="Arno Pro Smbd Display" panose="02020702050506020403" pitchFamily="18" charset="0"/>
               </a:rPr>
               <a:t>Hira </a:t>
             </a:r>
             <a:r>
-              <a:rPr lang="en-US" sz="6600" b="1" dirty="0" err="1">
+              <a:rPr lang="en-US" sz="6000" b="1" dirty="0" err="1">
                 <a:latin typeface="Arno Pro Smbd Display" panose="02020702050506020403" pitchFamily="18" charset="0"/>
               </a:rPr>
               <a:t>fiderana</a:t>
             </a:r>
             <a:r>
-              <a:rPr lang="en-US" sz="6600" b="1" dirty="0">
-                <a:latin typeface="Arno Pro Smbd Display" panose="02020702050506020403" pitchFamily="18" charset="0"/>
-              </a:rPr>
-              <a:t> ho </a:t>
-            </a:r>
-            <a:r>
-              <a:rPr lang="en-US" sz="6600" b="1" dirty="0" err="1">
+              <a:rPr lang="en-US" sz="6000" b="1" dirty="0">
+                <a:latin typeface="Arno Pro Smbd Display" panose="02020702050506020403" pitchFamily="18" charset="0"/>
+              </a:rPr>
+              <a:t> </a:t>
+            </a:r>
+            <a:endParaRPr lang="en-US" sz="6000" b="1" dirty="0" smtClean="0">
+              <a:latin typeface="Arno Pro Smbd Display" panose="02020702050506020403" pitchFamily="18" charset="0"/>
+            </a:endParaRPr>
+          </a:p>
+          <a:p>
+            <a:pPr algn="ctr"/>
+            <a:r>
+              <a:rPr lang="en-US" sz="6000" b="1" dirty="0" smtClean="0">
+                <a:latin typeface="Arno Pro Smbd Display" panose="02020702050506020403" pitchFamily="18" charset="0"/>
+              </a:rPr>
+              <a:t>ho </a:t>
+            </a:r>
+            <a:r>
+              <a:rPr lang="en-US" sz="6000" b="1" dirty="0" err="1">
                 <a:latin typeface="Arno Pro Smbd Display" panose="02020702050506020403" pitchFamily="18" charset="0"/>
               </a:rPr>
               <a:t>Anao</a:t>
             </a:r>
             <a:r>
-              <a:rPr lang="en-US" sz="6600" b="1" dirty="0">
-                <a:latin typeface="Arno Pro Smbd Display" panose="02020702050506020403" pitchFamily="18" charset="0"/>
-              </a:rPr>
-              <a:t> </a:t>
-            </a:r>
-            <a:r>
-              <a:rPr lang="en-US" sz="6600" b="1" dirty="0" err="1">
+              <a:rPr lang="en-US" sz="6000" b="1" dirty="0">
+                <a:latin typeface="Arno Pro Smbd Display" panose="02020702050506020403" pitchFamily="18" charset="0"/>
+              </a:rPr>
+              <a:t> </a:t>
+            </a:r>
+            <a:r>
+              <a:rPr lang="en-US" sz="6000" b="1" dirty="0" err="1">
                 <a:latin typeface="Arno Pro Smbd Display" panose="02020702050506020403" pitchFamily="18" charset="0"/>
               </a:rPr>
               <a:t>ry</a:t>
             </a:r>
             <a:r>
-              <a:rPr lang="en-US" sz="6600" b="1" dirty="0">
+              <a:rPr lang="en-US" sz="6000" b="1" dirty="0">
                 <a:latin typeface="Arno Pro Smbd Display" panose="02020702050506020403" pitchFamily="18" charset="0"/>
               </a:rPr>
               <a:t> Ray</a:t>
             </a:r>
             <a:br>
-              <a:rPr lang="en-US" sz="6600" b="1" dirty="0">
+              <a:rPr lang="en-US" sz="6000" b="1" dirty="0">
                 <a:latin typeface="Arno Pro Smbd Display" panose="02020702050506020403" pitchFamily="18" charset="0"/>
               </a:rPr>
             </a:br>
             <a:r>
-              <a:rPr lang="en-US" sz="6600" b="1" dirty="0" err="1">
+              <a:rPr lang="en-US" sz="6000" b="1" dirty="0" err="1">
                 <a:latin typeface="Arno Pro Smbd Display" panose="02020702050506020403" pitchFamily="18" charset="0"/>
               </a:rPr>
               <a:t>Tsy</a:t>
             </a:r>
             <a:r>
-              <a:rPr lang="en-US" sz="6600" b="1" dirty="0">
-                <a:latin typeface="Arno Pro Smbd Display" panose="02020702050506020403" pitchFamily="18" charset="0"/>
-              </a:rPr>
-              <a:t> </a:t>
-            </a:r>
-            <a:r>
-              <a:rPr lang="en-US" sz="6600" b="1" dirty="0" err="1">
+              <a:rPr lang="en-US" sz="6000" b="1" dirty="0">
+                <a:latin typeface="Arno Pro Smbd Display" panose="02020702050506020403" pitchFamily="18" charset="0"/>
+              </a:rPr>
+              <a:t> </a:t>
+            </a:r>
+            <a:r>
+              <a:rPr lang="en-US" sz="6000" b="1" dirty="0" err="1">
                 <a:latin typeface="Arno Pro Smbd Display" panose="02020702050506020403" pitchFamily="18" charset="0"/>
               </a:rPr>
               <a:t>afaka</a:t>
             </a:r>
             <a:r>
-              <a:rPr lang="en-US" sz="6600" b="1" dirty="0">
-                <a:latin typeface="Arno Pro Smbd Display" panose="02020702050506020403" pitchFamily="18" charset="0"/>
-              </a:rPr>
-              <a:t> </a:t>
-            </a:r>
-            <a:r>
-              <a:rPr lang="en-US" sz="6600" b="1" dirty="0" err="1">
+              <a:rPr lang="en-US" sz="6000" b="1" dirty="0">
+                <a:latin typeface="Arno Pro Smbd Display" panose="02020702050506020403" pitchFamily="18" charset="0"/>
+              </a:rPr>
+              <a:t> </a:t>
+            </a:r>
+            <a:r>
+              <a:rPr lang="en-US" sz="6000" b="1" dirty="0" err="1">
                 <a:latin typeface="Arno Pro Smbd Display" panose="02020702050506020403" pitchFamily="18" charset="0"/>
               </a:rPr>
               <a:t>ato</a:t>
             </a:r>
             <a:r>
-              <a:rPr lang="en-US" sz="6600" b="1" dirty="0">
+              <a:rPr lang="en-US" sz="6000" b="1" dirty="0">
                 <a:latin typeface="Arno Pro Smbd Display" panose="02020702050506020403" pitchFamily="18" charset="0"/>
               </a:rPr>
               <a:t> am-</a:t>
             </a:r>
             <a:r>
-              <a:rPr lang="en-US" sz="6600" b="1" dirty="0" err="1">
+              <a:rPr lang="en-US" sz="6000" b="1" dirty="0" err="1">
                 <a:latin typeface="Arno Pro Smbd Display" panose="02020702050506020403" pitchFamily="18" charset="0"/>
               </a:rPr>
               <a:t>bavako</a:t>
             </a:r>
             <a:r>
-              <a:rPr lang="en-US" sz="6600" b="1" dirty="0">
-                <a:latin typeface="Arno Pro Smbd Display" panose="02020702050506020403" pitchFamily="18" charset="0"/>
-              </a:rPr>
-              <a:t> </a:t>
-            </a:r>
-            <a:r>
-              <a:rPr lang="en-US" sz="6600" b="1" dirty="0" err="1">
+              <a:rPr lang="en-US" sz="6000" b="1" dirty="0">
+                <a:latin typeface="Arno Pro Smbd Display" panose="02020702050506020403" pitchFamily="18" charset="0"/>
+              </a:rPr>
+              <a:t> </a:t>
+            </a:r>
+            <a:r>
+              <a:rPr lang="en-US" sz="6000" b="1" dirty="0" err="1">
                 <a:latin typeface="Arno Pro Smbd Display" panose="02020702050506020403" pitchFamily="18" charset="0"/>
               </a:rPr>
               <a:t>mandrakizay</a:t>
             </a:r>
+            <a:r>
+              <a:rPr lang="en-US" sz="6000" b="1" dirty="0">
+                <a:latin typeface="Arno Pro Smbd Display" panose="02020702050506020403" pitchFamily="18" charset="0"/>
+              </a:rPr>
+              <a:t/>
+            </a:r>
             <a:br>
-              <a:rPr lang="en-US" sz="6600" b="1" dirty="0">
+              <a:rPr lang="en-US" sz="6000" b="1" dirty="0">
                 <a:latin typeface="Arno Pro Smbd Display" panose="02020702050506020403" pitchFamily="18" charset="0"/>
               </a:rPr>
             </a:br>
             <a:r>
-              <a:rPr lang="en-US" sz="6600" b="1" dirty="0" err="1">
+              <a:rPr lang="en-US" sz="6000" b="1" dirty="0" err="1">
                 <a:latin typeface="Arno Pro Smbd Display" panose="02020702050506020403" pitchFamily="18" charset="0"/>
               </a:rPr>
               <a:t>Hira</a:t>
             </a:r>
             <a:r>
-              <a:rPr lang="en-US" sz="6600" b="1" dirty="0">
-                <a:latin typeface="Arno Pro Smbd Display" panose="02020702050506020403" pitchFamily="18" charset="0"/>
-              </a:rPr>
-              <a:t> </a:t>
-            </a:r>
-            <a:r>
-              <a:rPr lang="en-US" sz="6600" b="1" dirty="0" err="1">
+              <a:rPr lang="en-US" sz="6000" b="1" dirty="0">
+                <a:latin typeface="Arno Pro Smbd Display" panose="02020702050506020403" pitchFamily="18" charset="0"/>
+              </a:rPr>
+              <a:t> </a:t>
+            </a:r>
+            <a:r>
+              <a:rPr lang="en-US" sz="6000" b="1" dirty="0" err="1">
                 <a:latin typeface="Arno Pro Smbd Display" panose="02020702050506020403" pitchFamily="18" charset="0"/>
               </a:rPr>
               <a:t>mampifaly</a:t>
             </a:r>
             <a:r>
-              <a:rPr lang="en-US" sz="6600" b="1" dirty="0">
+              <a:rPr lang="en-US" sz="6000" b="1" dirty="0">
                 <a:latin typeface="Arno Pro Smbd Display" panose="02020702050506020403" pitchFamily="18" charset="0"/>
               </a:rPr>
               <a:t>, </a:t>
             </a:r>
-            <a:r>
-              <a:rPr lang="en-US" sz="6600" b="1" dirty="0" err="1">
+            <a:endParaRPr lang="en-US" sz="6000" b="1" dirty="0" smtClean="0">
+              <a:latin typeface="Arno Pro Smbd Display" panose="02020702050506020403" pitchFamily="18" charset="0"/>
+            </a:endParaRPr>
+          </a:p>
+          <a:p>
+            <a:pPr algn="ctr"/>
+            <a:r>
+              <a:rPr lang="en-US" sz="6000" b="1" dirty="0" err="1" smtClean="0">
                 <a:latin typeface="Arno Pro Smbd Display" panose="02020702050506020403" pitchFamily="18" charset="0"/>
               </a:rPr>
               <a:t>mampitony</a:t>
             </a:r>
             <a:r>
-              <a:rPr lang="en-US" sz="6600" b="1" dirty="0">
-                <a:latin typeface="Arno Pro Smbd Display" panose="02020702050506020403" pitchFamily="18" charset="0"/>
-              </a:rPr>
-              <a:t> </a:t>
-            </a:r>
-            <a:r>
-              <a:rPr lang="en-US" sz="6600" b="1" dirty="0" err="1">
+              <a:rPr lang="en-US" sz="6000" b="1" dirty="0" smtClean="0">
+                <a:latin typeface="Arno Pro Smbd Display" panose="02020702050506020403" pitchFamily="18" charset="0"/>
+              </a:rPr>
+              <a:t> </a:t>
+            </a:r>
+            <a:r>
+              <a:rPr lang="en-US" sz="6000" b="1" dirty="0" err="1">
                 <a:latin typeface="Arno Pro Smbd Display" panose="02020702050506020403" pitchFamily="18" charset="0"/>
               </a:rPr>
               <a:t>jaly</a:t>
             </a:r>
+            <a:r>
+              <a:rPr lang="en-US" sz="6000" b="1" dirty="0">
+                <a:latin typeface="Arno Pro Smbd Display" panose="02020702050506020403" pitchFamily="18" charset="0"/>
+              </a:rPr>
+              <a:t/>
+            </a:r>
             <a:br>
-              <a:rPr lang="en-US" sz="6600" b="1" dirty="0">
+              <a:rPr lang="en-US" sz="6000" b="1" dirty="0">
                 <a:latin typeface="Arno Pro Smbd Display" panose="02020702050506020403" pitchFamily="18" charset="0"/>
               </a:rPr>
             </a:br>
             <a:r>
-              <a:rPr lang="en-US" sz="6600" b="1" dirty="0" err="1">
+              <a:rPr lang="en-US" sz="6000" b="1" dirty="0" err="1">
                 <a:latin typeface="Arno Pro Smbd Display" panose="02020702050506020403" pitchFamily="18" charset="0"/>
               </a:rPr>
               <a:t>Mampiravoravo</a:t>
             </a:r>
             <a:r>
-              <a:rPr lang="en-US" sz="6600" b="1" dirty="0">
-                <a:latin typeface="Arno Pro Smbd Display" panose="02020702050506020403" pitchFamily="18" charset="0"/>
-              </a:rPr>
-              <a:t> </a:t>
-            </a:r>
-            <a:r>
-              <a:rPr lang="en-US" sz="6600" b="1" dirty="0" err="1">
+              <a:rPr lang="en-US" sz="6000" b="1" dirty="0">
+                <a:latin typeface="Arno Pro Smbd Display" panose="02020702050506020403" pitchFamily="18" charset="0"/>
+              </a:rPr>
+              <a:t> </a:t>
+            </a:r>
+            <a:r>
+              <a:rPr lang="en-US" sz="6000" b="1" dirty="0" err="1">
                 <a:latin typeface="Arno Pro Smbd Display" panose="02020702050506020403" pitchFamily="18" charset="0"/>
               </a:rPr>
               <a:t>fo</a:t>
             </a:r>
-            <a:endParaRPr lang="fr-FR" sz="6600" b="1" dirty="0">
+            <a:endParaRPr lang="fr-FR" sz="6000" b="1" dirty="0">
               <a:latin typeface="Arno Pro Smbd Display" panose="02020702050506020403" pitchFamily="18" charset="0"/>
             </a:endParaRPr>
           </a:p>
@@ -4321,6 +4478,13 @@
   <p:clrMapOvr>
     <a:masterClrMapping/>
   </p:clrMapOvr>
+  <p:timing>
+    <p:tnLst>
+      <p:par>
+        <p:cTn id="1" dur="indefinite" restart="never" nodeType="tmRoot"/>
+      </p:par>
+    </p:tnLst>
+  </p:timing>
 </p:sld>
 </file>
 
@@ -4349,8 +4513,8 @@
         </p:nvSpPr>
         <p:spPr>
           <a:xfrm>
-            <a:off x="0" y="1412776"/>
-            <a:ext cx="12192000" cy="4154984"/>
+            <a:off x="0" y="460985"/>
+            <a:ext cx="12192000" cy="5632311"/>
           </a:xfrm>
           <a:prstGeom prst="rect">
             <a:avLst/>
@@ -4364,213 +4528,243 @@
           <a:p>
             <a:pPr algn="ctr"/>
             <a:r>
-              <a:rPr lang="en-US" sz="6600" b="1" dirty="0" err="1">
+              <a:rPr lang="en-US" sz="6000" b="1" dirty="0" err="1">
                 <a:latin typeface="Arno Pro Smbd Display" panose="02020702050506020403" pitchFamily="18" charset="0"/>
               </a:rPr>
               <a:t>Ny</a:t>
             </a:r>
             <a:r>
-              <a:rPr lang="en-US" sz="6600" b="1" dirty="0">
-                <a:latin typeface="Arno Pro Smbd Display" panose="02020702050506020403" pitchFamily="18" charset="0"/>
-              </a:rPr>
-              <a:t> </a:t>
-            </a:r>
-            <a:r>
-              <a:rPr lang="en-US" sz="6600" b="1" dirty="0" err="1">
+              <a:rPr lang="en-US" sz="6000" b="1" dirty="0">
+                <a:latin typeface="Arno Pro Smbd Display" panose="02020702050506020403" pitchFamily="18" charset="0"/>
+              </a:rPr>
+              <a:t> </a:t>
+            </a:r>
+            <a:r>
+              <a:rPr lang="en-US" sz="6000" b="1" dirty="0" err="1">
                 <a:latin typeface="Arno Pro Smbd Display" panose="02020702050506020403" pitchFamily="18" charset="0"/>
               </a:rPr>
               <a:t>talenta</a:t>
             </a:r>
             <a:r>
-              <a:rPr lang="en-US" sz="6600" b="1" dirty="0">
-                <a:latin typeface="Arno Pro Smbd Display" panose="02020702050506020403" pitchFamily="18" charset="0"/>
-              </a:rPr>
-              <a:t> </a:t>
-            </a:r>
-            <a:r>
-              <a:rPr lang="en-US" sz="6600" b="1" dirty="0" err="1">
+              <a:rPr lang="en-US" sz="6000" b="1" dirty="0">
+                <a:latin typeface="Arno Pro Smbd Display" panose="02020702050506020403" pitchFamily="18" charset="0"/>
+              </a:rPr>
+              <a:t> </a:t>
+            </a:r>
+            <a:r>
+              <a:rPr lang="en-US" sz="6000" b="1" dirty="0" err="1">
                 <a:latin typeface="Arno Pro Smbd Display" panose="02020702050506020403" pitchFamily="18" charset="0"/>
               </a:rPr>
               <a:t>izay</a:t>
             </a:r>
             <a:r>
-              <a:rPr lang="en-US" sz="6600" b="1" dirty="0">
-                <a:latin typeface="Arno Pro Smbd Display" panose="02020702050506020403" pitchFamily="18" charset="0"/>
-              </a:rPr>
-              <a:t> </a:t>
-            </a:r>
-            <a:r>
-              <a:rPr lang="en-US" sz="6600" b="1" dirty="0" err="1">
+              <a:rPr lang="en-US" sz="6000" b="1" dirty="0">
+                <a:latin typeface="Arno Pro Smbd Display" panose="02020702050506020403" pitchFamily="18" charset="0"/>
+              </a:rPr>
+              <a:t> </a:t>
+            </a:r>
+            <a:endParaRPr lang="en-US" sz="6000" b="1" dirty="0" smtClean="0">
+              <a:latin typeface="Arno Pro Smbd Display" panose="02020702050506020403" pitchFamily="18" charset="0"/>
+            </a:endParaRPr>
+          </a:p>
+          <a:p>
+            <a:pPr algn="ctr"/>
+            <a:r>
+              <a:rPr lang="en-US" sz="6000" b="1" dirty="0" err="1" smtClean="0">
                 <a:latin typeface="Arno Pro Smbd Display" panose="02020702050506020403" pitchFamily="18" charset="0"/>
               </a:rPr>
               <a:t>efa</a:t>
             </a:r>
             <a:r>
-              <a:rPr lang="en-US" sz="6600" b="1" dirty="0">
-                <a:latin typeface="Arno Pro Smbd Display" panose="02020702050506020403" pitchFamily="18" charset="0"/>
-              </a:rPr>
-              <a:t> </a:t>
-            </a:r>
-            <a:r>
-              <a:rPr lang="en-US" sz="6600" b="1" dirty="0" err="1">
+              <a:rPr lang="en-US" sz="6000" b="1" dirty="0" smtClean="0">
+                <a:latin typeface="Arno Pro Smbd Display" panose="02020702050506020403" pitchFamily="18" charset="0"/>
+              </a:rPr>
+              <a:t> </a:t>
+            </a:r>
+            <a:r>
+              <a:rPr lang="en-US" sz="6000" b="1" dirty="0" err="1">
                 <a:latin typeface="Arno Pro Smbd Display" panose="02020702050506020403" pitchFamily="18" charset="0"/>
               </a:rPr>
               <a:t>nomenao</a:t>
             </a:r>
             <a:r>
-              <a:rPr lang="en-US" sz="6600" b="1" dirty="0">
-                <a:latin typeface="Arno Pro Smbd Display" panose="02020702050506020403" pitchFamily="18" charset="0"/>
-              </a:rPr>
-              <a:t> </a:t>
-            </a:r>
-            <a:r>
-              <a:rPr lang="en-US" sz="6600" b="1" dirty="0" err="1">
+              <a:rPr lang="en-US" sz="6000" b="1" dirty="0">
+                <a:latin typeface="Arno Pro Smbd Display" panose="02020702050506020403" pitchFamily="18" charset="0"/>
+              </a:rPr>
+              <a:t> </a:t>
+            </a:r>
+            <a:r>
+              <a:rPr lang="en-US" sz="6000" b="1" dirty="0" err="1">
                 <a:latin typeface="Arno Pro Smbd Display" panose="02020702050506020403" pitchFamily="18" charset="0"/>
               </a:rPr>
               <a:t>ahy</a:t>
             </a:r>
+            <a:r>
+              <a:rPr lang="en-US" sz="6000" b="1" dirty="0">
+                <a:latin typeface="Arno Pro Smbd Display" panose="02020702050506020403" pitchFamily="18" charset="0"/>
+              </a:rPr>
+              <a:t/>
+            </a:r>
             <a:br>
-              <a:rPr lang="en-US" sz="6600" b="1" dirty="0">
+              <a:rPr lang="en-US" sz="6000" b="1" dirty="0">
                 <a:latin typeface="Arno Pro Smbd Display" panose="02020702050506020403" pitchFamily="18" charset="0"/>
               </a:rPr>
             </a:br>
             <a:r>
-              <a:rPr lang="en-US" sz="6600" b="1" dirty="0" err="1">
+              <a:rPr lang="en-US" sz="6000" b="1" dirty="0" err="1">
                 <a:latin typeface="Arno Pro Smbd Display" panose="02020702050506020403" pitchFamily="18" charset="0"/>
               </a:rPr>
               <a:t>Hiderako</a:t>
             </a:r>
             <a:r>
-              <a:rPr lang="en-US" sz="6600" b="1" dirty="0">
-                <a:latin typeface="Arno Pro Smbd Display" panose="02020702050506020403" pitchFamily="18" charset="0"/>
-              </a:rPr>
-              <a:t> </a:t>
-            </a:r>
-            <a:r>
-              <a:rPr lang="en-US" sz="6600" b="1" dirty="0" err="1">
+              <a:rPr lang="en-US" sz="6000" b="1" dirty="0">
+                <a:latin typeface="Arno Pro Smbd Display" panose="02020702050506020403" pitchFamily="18" charset="0"/>
+              </a:rPr>
+              <a:t> </a:t>
+            </a:r>
+            <a:r>
+              <a:rPr lang="en-US" sz="6000" b="1" dirty="0" err="1">
                 <a:latin typeface="Arno Pro Smbd Display" panose="02020702050506020403" pitchFamily="18" charset="0"/>
               </a:rPr>
               <a:t>Anao</a:t>
             </a:r>
             <a:r>
-              <a:rPr lang="en-US" sz="6600" b="1" dirty="0">
-                <a:latin typeface="Arno Pro Smbd Display" panose="02020702050506020403" pitchFamily="18" charset="0"/>
-              </a:rPr>
-              <a:t> </a:t>
-            </a:r>
-            <a:r>
-              <a:rPr lang="en-US" sz="6600" b="1" dirty="0" err="1">
+              <a:rPr lang="en-US" sz="6000" b="1" dirty="0">
+                <a:latin typeface="Arno Pro Smbd Display" panose="02020702050506020403" pitchFamily="18" charset="0"/>
+              </a:rPr>
+              <a:t> </a:t>
+            </a:r>
+            <a:r>
+              <a:rPr lang="en-US" sz="6000" b="1" dirty="0" err="1">
                 <a:latin typeface="Arno Pro Smbd Display" panose="02020702050506020403" pitchFamily="18" charset="0"/>
               </a:rPr>
               <a:t>n’aiza</a:t>
             </a:r>
             <a:r>
-              <a:rPr lang="en-US" sz="6600" b="1" dirty="0">
-                <a:latin typeface="Arno Pro Smbd Display" panose="02020702050506020403" pitchFamily="18" charset="0"/>
-              </a:rPr>
-              <a:t> </a:t>
-            </a:r>
-            <a:r>
-              <a:rPr lang="en-US" sz="6600" b="1" dirty="0" err="1">
+              <a:rPr lang="en-US" sz="6000" b="1" dirty="0">
+                <a:latin typeface="Arno Pro Smbd Display" panose="02020702050506020403" pitchFamily="18" charset="0"/>
+              </a:rPr>
+              <a:t> </a:t>
+            </a:r>
+            <a:r>
+              <a:rPr lang="en-US" sz="6000" b="1" dirty="0" err="1">
                 <a:latin typeface="Arno Pro Smbd Display" panose="02020702050506020403" pitchFamily="18" charset="0"/>
               </a:rPr>
               <a:t>misy</a:t>
             </a:r>
             <a:r>
-              <a:rPr lang="en-US" sz="6600" b="1" dirty="0">
-                <a:latin typeface="Arno Pro Smbd Display" panose="02020702050506020403" pitchFamily="18" charset="0"/>
-              </a:rPr>
-              <a:t> </a:t>
-            </a:r>
-            <a:r>
-              <a:rPr lang="en-US" sz="6600" b="1" dirty="0" err="1">
+              <a:rPr lang="en-US" sz="6000" b="1" dirty="0">
+                <a:latin typeface="Arno Pro Smbd Display" panose="02020702050506020403" pitchFamily="18" charset="0"/>
+              </a:rPr>
+              <a:t> </a:t>
+            </a:r>
+            <a:r>
+              <a:rPr lang="en-US" sz="6000" b="1" dirty="0" err="1">
                 <a:latin typeface="Arno Pro Smbd Display" panose="02020702050506020403" pitchFamily="18" charset="0"/>
               </a:rPr>
               <a:t>ahy</a:t>
             </a:r>
+            <a:r>
+              <a:rPr lang="en-US" sz="6000" b="1" dirty="0">
+                <a:latin typeface="Arno Pro Smbd Display" panose="02020702050506020403" pitchFamily="18" charset="0"/>
+              </a:rPr>
+              <a:t/>
+            </a:r>
             <a:br>
-              <a:rPr lang="en-US" sz="6600" b="1" dirty="0">
+              <a:rPr lang="en-US" sz="6000" b="1" dirty="0">
                 <a:latin typeface="Arno Pro Smbd Display" panose="02020702050506020403" pitchFamily="18" charset="0"/>
               </a:rPr>
             </a:br>
             <a:r>
-              <a:rPr lang="en-US" sz="6600" b="1" dirty="0" err="1">
+              <a:rPr lang="en-US" sz="6000" b="1" dirty="0" err="1">
                 <a:latin typeface="Arno Pro Smbd Display" panose="02020702050506020403" pitchFamily="18" charset="0"/>
               </a:rPr>
               <a:t>Mba</a:t>
             </a:r>
             <a:r>
-              <a:rPr lang="en-US" sz="6600" b="1" dirty="0">
-                <a:latin typeface="Arno Pro Smbd Display" panose="02020702050506020403" pitchFamily="18" charset="0"/>
-              </a:rPr>
-              <a:t> </a:t>
-            </a:r>
-            <a:r>
-              <a:rPr lang="en-US" sz="6600" b="1" dirty="0" err="1">
+              <a:rPr lang="en-US" sz="6000" b="1" dirty="0">
+                <a:latin typeface="Arno Pro Smbd Display" panose="02020702050506020403" pitchFamily="18" charset="0"/>
+              </a:rPr>
+              <a:t> </a:t>
+            </a:r>
+            <a:r>
+              <a:rPr lang="en-US" sz="6000" b="1" dirty="0" err="1">
                 <a:latin typeface="Arno Pro Smbd Display" panose="02020702050506020403" pitchFamily="18" charset="0"/>
               </a:rPr>
               <a:t>hamelon’aina</a:t>
             </a:r>
             <a:r>
-              <a:rPr lang="en-US" sz="6600" b="1" dirty="0">
+              <a:rPr lang="en-US" sz="6000" b="1" dirty="0">
                 <a:latin typeface="Arno Pro Smbd Display" panose="02020702050506020403" pitchFamily="18" charset="0"/>
               </a:rPr>
               <a:t>, </a:t>
             </a:r>
-            <a:r>
-              <a:rPr lang="en-US" sz="6600" b="1" dirty="0" err="1">
+            <a:endParaRPr lang="en-US" sz="6000" b="1" dirty="0" smtClean="0">
+              <a:latin typeface="Arno Pro Smbd Display" panose="02020702050506020403" pitchFamily="18" charset="0"/>
+            </a:endParaRPr>
+          </a:p>
+          <a:p>
+            <a:pPr algn="ctr"/>
+            <a:r>
+              <a:rPr lang="en-US" sz="6000" b="1" dirty="0" err="1" smtClean="0">
                 <a:latin typeface="Arno Pro Smbd Display" panose="02020702050506020403" pitchFamily="18" charset="0"/>
               </a:rPr>
               <a:t>hampitony</a:t>
             </a:r>
             <a:r>
-              <a:rPr lang="en-US" sz="6600" b="1" dirty="0">
-                <a:latin typeface="Arno Pro Smbd Display" panose="02020702050506020403" pitchFamily="18" charset="0"/>
-              </a:rPr>
-              <a:t> </a:t>
-            </a:r>
-            <a:r>
-              <a:rPr lang="en-US" sz="6600" b="1" dirty="0" err="1">
+              <a:rPr lang="en-US" sz="6000" b="1" dirty="0" smtClean="0">
+                <a:latin typeface="Arno Pro Smbd Display" panose="02020702050506020403" pitchFamily="18" charset="0"/>
+              </a:rPr>
+              <a:t> </a:t>
+            </a:r>
+            <a:r>
+              <a:rPr lang="en-US" sz="6000" b="1" dirty="0" err="1">
                 <a:latin typeface="Arno Pro Smbd Display" panose="02020702050506020403" pitchFamily="18" charset="0"/>
               </a:rPr>
               <a:t>saina</a:t>
             </a:r>
+            <a:r>
+              <a:rPr lang="en-US" sz="6000" b="1" dirty="0">
+                <a:latin typeface="Arno Pro Smbd Display" panose="02020702050506020403" pitchFamily="18" charset="0"/>
+              </a:rPr>
+              <a:t/>
+            </a:r>
             <a:br>
-              <a:rPr lang="en-US" sz="6600" b="1" dirty="0">
+              <a:rPr lang="en-US" sz="6000" b="1" dirty="0">
                 <a:latin typeface="Arno Pro Smbd Display" panose="02020702050506020403" pitchFamily="18" charset="0"/>
               </a:rPr>
             </a:br>
             <a:r>
-              <a:rPr lang="en-US" sz="6600" b="1" dirty="0" err="1">
+              <a:rPr lang="en-US" sz="6000" b="1" dirty="0" err="1">
                 <a:latin typeface="Arno Pro Smbd Display" panose="02020702050506020403" pitchFamily="18" charset="0"/>
               </a:rPr>
               <a:t>Hampiray</a:t>
             </a:r>
             <a:r>
-              <a:rPr lang="en-US" sz="6600" b="1" dirty="0">
-                <a:latin typeface="Arno Pro Smbd Display" panose="02020702050506020403" pitchFamily="18" charset="0"/>
-              </a:rPr>
-              <a:t> </a:t>
-            </a:r>
-            <a:r>
-              <a:rPr lang="en-US" sz="6600" b="1" dirty="0" err="1">
+              <a:rPr lang="en-US" sz="6000" b="1" dirty="0">
+                <a:latin typeface="Arno Pro Smbd Display" panose="02020702050506020403" pitchFamily="18" charset="0"/>
+              </a:rPr>
+              <a:t> </a:t>
+            </a:r>
+            <a:r>
+              <a:rPr lang="en-US" sz="6000" b="1" dirty="0" err="1">
                 <a:latin typeface="Arno Pro Smbd Display" panose="02020702050506020403" pitchFamily="18" charset="0"/>
               </a:rPr>
               <a:t>ny</a:t>
             </a:r>
             <a:r>
-              <a:rPr lang="en-US" sz="6600" b="1" dirty="0">
-                <a:latin typeface="Arno Pro Smbd Display" panose="02020702050506020403" pitchFamily="18" charset="0"/>
-              </a:rPr>
-              <a:t> </a:t>
-            </a:r>
-            <a:r>
-              <a:rPr lang="en-US" sz="6600" b="1" dirty="0" err="1">
+              <a:rPr lang="en-US" sz="6000" b="1" dirty="0">
+                <a:latin typeface="Arno Pro Smbd Display" panose="02020702050506020403" pitchFamily="18" charset="0"/>
+              </a:rPr>
+              <a:t> </a:t>
+            </a:r>
+            <a:r>
+              <a:rPr lang="en-US" sz="6000" b="1" dirty="0" err="1">
                 <a:latin typeface="Arno Pro Smbd Display" panose="02020702050506020403" pitchFamily="18" charset="0"/>
               </a:rPr>
               <a:t>miaina</a:t>
             </a:r>
-            <a:endParaRPr lang="fr-FR" sz="6600" b="1" dirty="0">
+            <a:endParaRPr lang="fr-FR" sz="6000" b="1" dirty="0">
               <a:latin typeface="Arno Pro Smbd Display" panose="02020702050506020403" pitchFamily="18" charset="0"/>
             </a:endParaRPr>
           </a:p>
@@ -4586,6 +4780,13 @@
   <p:clrMapOvr>
     <a:masterClrMapping/>
   </p:clrMapOvr>
+  <p:timing>
+    <p:tnLst>
+      <p:par>
+        <p:cTn id="1" dur="indefinite" restart="never" nodeType="tmRoot"/>
+      </p:par>
+    </p:tnLst>
+  </p:timing>
 </p:sld>
 </file>
 
@@ -4614,8 +4815,8 @@
         </p:nvSpPr>
         <p:spPr>
           <a:xfrm>
-            <a:off x="-8914" y="260648"/>
-            <a:ext cx="12192000" cy="4154984"/>
+            <a:off x="-8914" y="116632"/>
+            <a:ext cx="12192000" cy="6555641"/>
           </a:xfrm>
           <a:prstGeom prst="rect">
             <a:avLst/>
@@ -4629,255 +4830,285 @@
           <a:p>
             <a:pPr lvl="1" algn="ctr"/>
             <a:r>
-              <a:rPr lang="en-US" sz="6600" b="1" i="1" dirty="0" err="1">
+              <a:rPr lang="en-US" sz="6000" b="1" i="1" dirty="0" err="1">
                 <a:latin typeface="Arno Pro Smbd Display" panose="02020702050506020403" pitchFamily="18" charset="0"/>
               </a:rPr>
               <a:t>Hira</a:t>
             </a:r>
             <a:r>
-              <a:rPr lang="en-US" sz="6600" b="1" i="1" dirty="0">
-                <a:latin typeface="Arno Pro Smbd Display" panose="02020702050506020403" pitchFamily="18" charset="0"/>
-              </a:rPr>
-              <a:t> </a:t>
-            </a:r>
-            <a:r>
-              <a:rPr lang="en-US" sz="6600" b="1" i="1" dirty="0" err="1">
+              <a:rPr lang="en-US" sz="6000" b="1" i="1" dirty="0">
+                <a:latin typeface="Arno Pro Smbd Display" panose="02020702050506020403" pitchFamily="18" charset="0"/>
+              </a:rPr>
+              <a:t> </a:t>
+            </a:r>
+            <a:r>
+              <a:rPr lang="en-US" sz="6000" b="1" i="1" dirty="0" err="1">
                 <a:latin typeface="Arno Pro Smbd Display" panose="02020702050506020403" pitchFamily="18" charset="0"/>
               </a:rPr>
               <a:t>avy</a:t>
             </a:r>
             <a:r>
-              <a:rPr lang="en-US" sz="6600" b="1" i="1" dirty="0">
-                <a:latin typeface="Arno Pro Smbd Display" panose="02020702050506020403" pitchFamily="18" charset="0"/>
-              </a:rPr>
-              <a:t> </a:t>
-            </a:r>
-            <a:r>
-              <a:rPr lang="en-US" sz="6600" b="1" i="1" dirty="0" err="1">
+              <a:rPr lang="en-US" sz="6000" b="1" i="1" dirty="0">
+                <a:latin typeface="Arno Pro Smbd Display" panose="02020702050506020403" pitchFamily="18" charset="0"/>
+              </a:rPr>
+              <a:t> </a:t>
+            </a:r>
+            <a:r>
+              <a:rPr lang="en-US" sz="6000" b="1" i="1" dirty="0" err="1">
                 <a:latin typeface="Arno Pro Smbd Display" panose="02020702050506020403" pitchFamily="18" charset="0"/>
               </a:rPr>
               <a:t>ato</a:t>
             </a:r>
             <a:r>
-              <a:rPr lang="en-US" sz="6600" b="1" i="1" dirty="0">
+              <a:rPr lang="en-US" sz="6000" b="1" i="1" dirty="0">
                 <a:latin typeface="Arno Pro Smbd Display" panose="02020702050506020403" pitchFamily="18" charset="0"/>
               </a:rPr>
               <a:t> am-</a:t>
             </a:r>
             <a:r>
-              <a:rPr lang="en-US" sz="6600" b="1" i="1" dirty="0" err="1">
+              <a:rPr lang="en-US" sz="6000" b="1" i="1" dirty="0" err="1">
                 <a:latin typeface="Arno Pro Smbd Display" panose="02020702050506020403" pitchFamily="18" charset="0"/>
               </a:rPr>
               <a:t>poko</a:t>
             </a:r>
             <a:r>
-              <a:rPr lang="en-US" sz="6600" b="1" i="1" dirty="0">
+              <a:rPr lang="en-US" sz="6000" b="1" i="1" dirty="0">
                 <a:latin typeface="Arno Pro Smbd Display" panose="02020702050506020403" pitchFamily="18" charset="0"/>
               </a:rPr>
               <a:t>, </a:t>
             </a:r>
-            <a:r>
-              <a:rPr lang="en-US" sz="6600" b="1" i="1" dirty="0" err="1">
+            <a:endParaRPr lang="en-US" sz="6000" b="1" i="1" dirty="0" smtClean="0">
+              <a:latin typeface="Arno Pro Smbd Display" panose="02020702050506020403" pitchFamily="18" charset="0"/>
+            </a:endParaRPr>
+          </a:p>
+          <a:p>
+            <a:pPr lvl="1" algn="ctr"/>
+            <a:r>
+              <a:rPr lang="en-US" sz="6000" b="1" i="1" dirty="0" err="1" smtClean="0">
                 <a:latin typeface="Arno Pro Smbd Display" panose="02020702050506020403" pitchFamily="18" charset="0"/>
               </a:rPr>
               <a:t>indro</a:t>
             </a:r>
             <a:r>
-              <a:rPr lang="en-US" sz="6600" b="1" i="1" dirty="0">
-                <a:latin typeface="Arno Pro Smbd Display" panose="02020702050506020403" pitchFamily="18" charset="0"/>
-              </a:rPr>
-              <a:t> </a:t>
-            </a:r>
-            <a:r>
-              <a:rPr lang="en-US" sz="6600" b="1" i="1" dirty="0" err="1">
+              <a:rPr lang="en-US" sz="6000" b="1" i="1" dirty="0" smtClean="0">
+                <a:latin typeface="Arno Pro Smbd Display" panose="02020702050506020403" pitchFamily="18" charset="0"/>
+              </a:rPr>
+              <a:t> </a:t>
+            </a:r>
+            <a:r>
+              <a:rPr lang="en-US" sz="6000" b="1" i="1" dirty="0" err="1">
                 <a:latin typeface="Arno Pro Smbd Display" panose="02020702050506020403" pitchFamily="18" charset="0"/>
               </a:rPr>
               <a:t>fa</a:t>
             </a:r>
             <a:r>
-              <a:rPr lang="en-US" sz="6600" b="1" i="1" dirty="0">
-                <a:latin typeface="Arno Pro Smbd Display" panose="02020702050506020403" pitchFamily="18" charset="0"/>
-              </a:rPr>
-              <a:t> </a:t>
-            </a:r>
-            <a:r>
-              <a:rPr lang="en-US" sz="6600" b="1" i="1" dirty="0" err="1">
+              <a:rPr lang="en-US" sz="6000" b="1" i="1" dirty="0">
+                <a:latin typeface="Arno Pro Smbd Display" panose="02020702050506020403" pitchFamily="18" charset="0"/>
+              </a:rPr>
+              <a:t> </a:t>
+            </a:r>
+            <a:r>
+              <a:rPr lang="en-US" sz="6000" b="1" i="1" dirty="0" err="1">
                 <a:latin typeface="Arno Pro Smbd Display" panose="02020702050506020403" pitchFamily="18" charset="0"/>
               </a:rPr>
               <a:t>vetsoiko</a:t>
             </a:r>
+            <a:r>
+              <a:rPr lang="en-US" sz="6000" b="1" i="1" dirty="0">
+                <a:latin typeface="Arno Pro Smbd Display" panose="02020702050506020403" pitchFamily="18" charset="0"/>
+              </a:rPr>
+              <a:t/>
+            </a:r>
             <a:br>
-              <a:rPr lang="en-US" sz="6600" b="1" i="1" dirty="0">
+              <a:rPr lang="en-US" sz="6000" b="1" i="1" dirty="0">
                 <a:latin typeface="Arno Pro Smbd Display" panose="02020702050506020403" pitchFamily="18" charset="0"/>
               </a:rPr>
             </a:br>
             <a:r>
-              <a:rPr lang="en-US" sz="6600" b="1" i="1" dirty="0">
+              <a:rPr lang="en-US" sz="6000" b="1" i="1" dirty="0">
                 <a:latin typeface="Arno Pro Smbd Display" panose="02020702050506020403" pitchFamily="18" charset="0"/>
               </a:rPr>
               <a:t>Ho </a:t>
             </a:r>
             <a:r>
-              <a:rPr lang="en-US" sz="6600" b="1" i="1" dirty="0" err="1">
+              <a:rPr lang="en-US" sz="6000" b="1" i="1" dirty="0" err="1">
                 <a:latin typeface="Arno Pro Smbd Display" panose="02020702050506020403" pitchFamily="18" charset="0"/>
               </a:rPr>
               <a:t>Anao</a:t>
             </a:r>
             <a:r>
-              <a:rPr lang="en-US" sz="6600" b="1" i="1" dirty="0">
-                <a:latin typeface="Arno Pro Smbd Display" panose="02020702050506020403" pitchFamily="18" charset="0"/>
-              </a:rPr>
-              <a:t> </a:t>
-            </a:r>
-            <a:r>
-              <a:rPr lang="en-US" sz="6600" b="1" i="1" dirty="0" err="1">
+              <a:rPr lang="en-US" sz="6000" b="1" i="1" dirty="0">
+                <a:latin typeface="Arno Pro Smbd Display" panose="02020702050506020403" pitchFamily="18" charset="0"/>
+              </a:rPr>
+              <a:t> </a:t>
+            </a:r>
+            <a:r>
+              <a:rPr lang="en-US" sz="6000" b="1" i="1" dirty="0" err="1">
                 <a:latin typeface="Arno Pro Smbd Display" panose="02020702050506020403" pitchFamily="18" charset="0"/>
               </a:rPr>
               <a:t>ry</a:t>
             </a:r>
             <a:r>
-              <a:rPr lang="en-US" sz="6600" b="1" i="1" dirty="0">
-                <a:latin typeface="Arno Pro Smbd Display" panose="02020702050506020403" pitchFamily="18" charset="0"/>
-              </a:rPr>
-              <a:t> </a:t>
-            </a:r>
-            <a:r>
-              <a:rPr lang="en-US" sz="6600" b="1" i="1" dirty="0" err="1">
+              <a:rPr lang="en-US" sz="6000" b="1" i="1" dirty="0">
+                <a:latin typeface="Arno Pro Smbd Display" panose="02020702050506020403" pitchFamily="18" charset="0"/>
+              </a:rPr>
+              <a:t> </a:t>
+            </a:r>
+            <a:r>
+              <a:rPr lang="en-US" sz="6000" b="1" i="1" dirty="0" err="1">
                 <a:latin typeface="Arno Pro Smbd Display" panose="02020702050506020403" pitchFamily="18" charset="0"/>
               </a:rPr>
               <a:t>Raiko</a:t>
             </a:r>
             <a:r>
-              <a:rPr lang="en-US" sz="6600" b="1" i="1" dirty="0">
-                <a:latin typeface="Arno Pro Smbd Display" panose="02020702050506020403" pitchFamily="18" charset="0"/>
-              </a:rPr>
-              <a:t> </a:t>
-            </a:r>
-            <a:r>
-              <a:rPr lang="en-US" sz="6600" b="1" i="1" dirty="0" err="1">
+              <a:rPr lang="en-US" sz="6000" b="1" i="1" dirty="0">
+                <a:latin typeface="Arno Pro Smbd Display" panose="02020702050506020403" pitchFamily="18" charset="0"/>
+              </a:rPr>
+              <a:t> </a:t>
+            </a:r>
+            <a:r>
+              <a:rPr lang="en-US" sz="6000" b="1" i="1" dirty="0" err="1">
                 <a:latin typeface="Arno Pro Smbd Display" panose="02020702050506020403" pitchFamily="18" charset="0"/>
               </a:rPr>
               <a:t>izay</a:t>
             </a:r>
             <a:r>
-              <a:rPr lang="en-US" sz="6600" b="1" i="1" dirty="0">
-                <a:latin typeface="Arno Pro Smbd Display" panose="02020702050506020403" pitchFamily="18" charset="0"/>
-              </a:rPr>
-              <a:t> </a:t>
-            </a:r>
-            <a:r>
-              <a:rPr lang="en-US" sz="6600" b="1" i="1" dirty="0" err="1">
+              <a:rPr lang="en-US" sz="6000" b="1" i="1" dirty="0">
+                <a:latin typeface="Arno Pro Smbd Display" panose="02020702050506020403" pitchFamily="18" charset="0"/>
+              </a:rPr>
+              <a:t> </a:t>
+            </a:r>
+            <a:r>
+              <a:rPr lang="en-US" sz="6000" b="1" i="1" dirty="0" err="1">
                 <a:latin typeface="Arno Pro Smbd Display" panose="02020702050506020403" pitchFamily="18" charset="0"/>
               </a:rPr>
               <a:t>antsoiko</a:t>
             </a:r>
+            <a:r>
+              <a:rPr lang="en-US" sz="6000" b="1" i="1" dirty="0">
+                <a:latin typeface="Arno Pro Smbd Display" panose="02020702050506020403" pitchFamily="18" charset="0"/>
+              </a:rPr>
+              <a:t/>
+            </a:r>
             <a:br>
-              <a:rPr lang="en-US" sz="6600" b="1" i="1" dirty="0">
+              <a:rPr lang="en-US" sz="6000" b="1" i="1" dirty="0">
                 <a:latin typeface="Arno Pro Smbd Display" panose="02020702050506020403" pitchFamily="18" charset="0"/>
               </a:rPr>
             </a:br>
             <a:r>
-              <a:rPr lang="en-US" sz="6600" b="1" i="1" dirty="0" err="1">
+              <a:rPr lang="en-US" sz="6000" b="1" i="1" dirty="0" err="1">
                 <a:latin typeface="Arno Pro Smbd Display" panose="02020702050506020403" pitchFamily="18" charset="0"/>
               </a:rPr>
               <a:t>Hira</a:t>
             </a:r>
             <a:r>
-              <a:rPr lang="en-US" sz="6600" b="1" i="1" dirty="0">
-                <a:latin typeface="Arno Pro Smbd Display" panose="02020702050506020403" pitchFamily="18" charset="0"/>
-              </a:rPr>
-              <a:t> </a:t>
-            </a:r>
-            <a:r>
-              <a:rPr lang="en-US" sz="6600" b="1" i="1" dirty="0" err="1">
+              <a:rPr lang="en-US" sz="6000" b="1" i="1" dirty="0">
+                <a:latin typeface="Arno Pro Smbd Display" panose="02020702050506020403" pitchFamily="18" charset="0"/>
+              </a:rPr>
+              <a:t> </a:t>
+            </a:r>
+            <a:r>
+              <a:rPr lang="en-US" sz="6000" b="1" i="1" dirty="0" err="1">
                 <a:latin typeface="Arno Pro Smbd Display" panose="02020702050506020403" pitchFamily="18" charset="0"/>
               </a:rPr>
               <a:t>tena</a:t>
             </a:r>
             <a:r>
-              <a:rPr lang="en-US" sz="6600" b="1" i="1" dirty="0">
-                <a:latin typeface="Arno Pro Smbd Display" panose="02020702050506020403" pitchFamily="18" charset="0"/>
-              </a:rPr>
-              <a:t> </a:t>
-            </a:r>
-            <a:r>
-              <a:rPr lang="en-US" sz="6600" b="1" i="1" dirty="0" err="1">
+              <a:rPr lang="en-US" sz="6000" b="1" i="1" dirty="0">
+                <a:latin typeface="Arno Pro Smbd Display" panose="02020702050506020403" pitchFamily="18" charset="0"/>
+              </a:rPr>
+              <a:t> </a:t>
+            </a:r>
+            <a:r>
+              <a:rPr lang="en-US" sz="6000" b="1" i="1" dirty="0" err="1">
                 <a:latin typeface="Arno Pro Smbd Display" panose="02020702050506020403" pitchFamily="18" charset="0"/>
               </a:rPr>
               <a:t>mamy</a:t>
             </a:r>
             <a:r>
-              <a:rPr lang="en-US" sz="6600" b="1" i="1" dirty="0">
+              <a:rPr lang="en-US" sz="6000" b="1" i="1" dirty="0">
                 <a:latin typeface="Arno Pro Smbd Display" panose="02020702050506020403" pitchFamily="18" charset="0"/>
               </a:rPr>
               <a:t>, </a:t>
             </a:r>
-            <a:r>
-              <a:rPr lang="en-US" sz="6600" b="1" i="1" dirty="0" err="1">
+            <a:endParaRPr lang="en-US" sz="6000" b="1" i="1" dirty="0" smtClean="0">
+              <a:latin typeface="Arno Pro Smbd Display" panose="02020702050506020403" pitchFamily="18" charset="0"/>
+            </a:endParaRPr>
+          </a:p>
+          <a:p>
+            <a:pPr lvl="1" algn="ctr"/>
+            <a:r>
+              <a:rPr lang="en-US" sz="6000" b="1" i="1" dirty="0" err="1" smtClean="0">
                 <a:latin typeface="Arno Pro Smbd Display" panose="02020702050506020403" pitchFamily="18" charset="0"/>
               </a:rPr>
               <a:t>manambara</a:t>
             </a:r>
             <a:r>
-              <a:rPr lang="en-US" sz="6600" b="1" i="1" dirty="0">
-                <a:latin typeface="Arno Pro Smbd Display" panose="02020702050506020403" pitchFamily="18" charset="0"/>
-              </a:rPr>
-              <a:t> </a:t>
-            </a:r>
-            <a:r>
-              <a:rPr lang="en-US" sz="6600" b="1" i="1" dirty="0" err="1">
+              <a:rPr lang="en-US" sz="6000" b="1" i="1" dirty="0" smtClean="0">
+                <a:latin typeface="Arno Pro Smbd Display" panose="02020702050506020403" pitchFamily="18" charset="0"/>
+              </a:rPr>
+              <a:t> </a:t>
+            </a:r>
+            <a:r>
+              <a:rPr lang="en-US" sz="6000" b="1" i="1" dirty="0" err="1">
                 <a:latin typeface="Arno Pro Smbd Display" panose="02020702050506020403" pitchFamily="18" charset="0"/>
               </a:rPr>
               <a:t>hatrany</a:t>
             </a:r>
+            <a:r>
+              <a:rPr lang="en-US" sz="6000" b="1" i="1" dirty="0">
+                <a:latin typeface="Arno Pro Smbd Display" panose="02020702050506020403" pitchFamily="18" charset="0"/>
+              </a:rPr>
+              <a:t/>
+            </a:r>
             <a:br>
-              <a:rPr lang="en-US" sz="6600" b="1" i="1" dirty="0">
+              <a:rPr lang="en-US" sz="6000" b="1" i="1" dirty="0">
                 <a:latin typeface="Arno Pro Smbd Display" panose="02020702050506020403" pitchFamily="18" charset="0"/>
               </a:rPr>
             </a:br>
             <a:r>
-              <a:rPr lang="en-US" sz="6600" b="1" i="1" dirty="0" err="1">
+              <a:rPr lang="en-US" sz="6000" b="1" i="1" dirty="0" err="1">
                 <a:latin typeface="Arno Pro Smbd Display" panose="02020702050506020403" pitchFamily="18" charset="0"/>
               </a:rPr>
               <a:t>Fa</a:t>
             </a:r>
             <a:r>
-              <a:rPr lang="en-US" sz="6600" b="1" i="1" dirty="0">
-                <a:latin typeface="Arno Pro Smbd Display" panose="02020702050506020403" pitchFamily="18" charset="0"/>
-              </a:rPr>
-              <a:t> </a:t>
-            </a:r>
-            <a:r>
-              <a:rPr lang="en-US" sz="6600" b="1" i="1" dirty="0" err="1">
+              <a:rPr lang="en-US" sz="6000" b="1" i="1" dirty="0">
+                <a:latin typeface="Arno Pro Smbd Display" panose="02020702050506020403" pitchFamily="18" charset="0"/>
+              </a:rPr>
+              <a:t> </a:t>
+            </a:r>
+            <a:r>
+              <a:rPr lang="en-US" sz="6000" b="1" i="1" dirty="0" err="1">
                 <a:latin typeface="Arno Pro Smbd Display" panose="02020702050506020403" pitchFamily="18" charset="0"/>
               </a:rPr>
               <a:t>tena</a:t>
             </a:r>
             <a:r>
-              <a:rPr lang="en-US" sz="6600" b="1" i="1" dirty="0">
-                <a:latin typeface="Arno Pro Smbd Display" panose="02020702050506020403" pitchFamily="18" charset="0"/>
-              </a:rPr>
-              <a:t> </a:t>
-            </a:r>
-            <a:r>
-              <a:rPr lang="en-US" sz="6600" b="1" i="1" dirty="0" err="1">
+              <a:rPr lang="en-US" sz="6000" b="1" i="1" dirty="0">
+                <a:latin typeface="Arno Pro Smbd Display" panose="02020702050506020403" pitchFamily="18" charset="0"/>
+              </a:rPr>
+              <a:t> </a:t>
+            </a:r>
+            <a:r>
+              <a:rPr lang="en-US" sz="6000" b="1" i="1" dirty="0" err="1">
                 <a:latin typeface="Arno Pro Smbd Display" panose="02020702050506020403" pitchFamily="18" charset="0"/>
               </a:rPr>
               <a:t>tiako</a:t>
             </a:r>
             <a:r>
-              <a:rPr lang="en-US" sz="6600" b="1" i="1" dirty="0">
-                <a:latin typeface="Arno Pro Smbd Display" panose="02020702050506020403" pitchFamily="18" charset="0"/>
-              </a:rPr>
-              <a:t> </a:t>
-            </a:r>
-            <a:r>
-              <a:rPr lang="en-US" sz="6600" b="1" i="1" dirty="0" err="1">
+              <a:rPr lang="en-US" sz="6000" b="1" i="1" dirty="0">
+                <a:latin typeface="Arno Pro Smbd Display" panose="02020702050506020403" pitchFamily="18" charset="0"/>
+              </a:rPr>
+              <a:t> </a:t>
+            </a:r>
+            <a:r>
+              <a:rPr lang="en-US" sz="6000" b="1" i="1" dirty="0" err="1">
                 <a:latin typeface="Arno Pro Smbd Display" panose="02020702050506020403" pitchFamily="18" charset="0"/>
               </a:rPr>
               <a:t>Ianao</a:t>
             </a:r>
-            <a:endParaRPr lang="fr-FR" sz="6600" b="1" i="1" dirty="0">
+            <a:endParaRPr lang="fr-FR" sz="6000" b="1" i="1" dirty="0">
               <a:latin typeface="Arno Pro Smbd Display" panose="02020702050506020403" pitchFamily="18" charset="0"/>
             </a:endParaRPr>
           </a:p>
